--- a/RaidPlanner.Analyse/Presentation/Présentation1.pptx
+++ b/RaidPlanner.Analyse/Presentation/Présentation1.pptx
@@ -8,6 +8,17 @@
     <p:sldId id="256" r:id="rId2"/>
     <p:sldId id="257" r:id="rId3"/>
     <p:sldId id="258" r:id="rId4"/>
+    <p:sldId id="259" r:id="rId5"/>
+    <p:sldId id="260" r:id="rId6"/>
+    <p:sldId id="261" r:id="rId7"/>
+    <p:sldId id="262" r:id="rId8"/>
+    <p:sldId id="263" r:id="rId9"/>
+    <p:sldId id="264" r:id="rId10"/>
+    <p:sldId id="265" r:id="rId11"/>
+    <p:sldId id="266" r:id="rId12"/>
+    <p:sldId id="267" r:id="rId13"/>
+    <p:sldId id="268" r:id="rId14"/>
+    <p:sldId id="269" r:id="rId15"/>
   </p:sldIdLst>
   <p:sldSz cx="12192000" cy="6858000"/>
   <p:notesSz cx="6858000" cy="9144000"/>
@@ -106,6 +117,11 @@
       </a:defRPr>
     </a:lvl9pPr>
   </p:defaultTextStyle>
+  <p:extLst>
+    <p:ext uri="{EFAFB233-063F-42B5-8137-9DF3F51BA10A}">
+      <p15:sldGuideLst xmlns:p15="http://schemas.microsoft.com/office/powerpoint/2012/main"/>
+    </p:ext>
+  </p:extLst>
 </p:presentation>
 </file>
 
@@ -258,7 +274,7 @@
           <a:p>
             <a:fld id="{4BC9399A-B2E3-4AB7-92E1-47F8CEF9770B}" type="datetimeFigureOut">
               <a:rPr lang="fr-BE" smtClean="0"/>
-              <a:t>07-05-25</a:t>
+              <a:t>08-05-25</a:t>
             </a:fld>
             <a:endParaRPr lang="fr-BE"/>
           </a:p>
@@ -458,7 +474,7 @@
           <a:p>
             <a:fld id="{4BC9399A-B2E3-4AB7-92E1-47F8CEF9770B}" type="datetimeFigureOut">
               <a:rPr lang="fr-BE" smtClean="0"/>
-              <a:t>07-05-25</a:t>
+              <a:t>08-05-25</a:t>
             </a:fld>
             <a:endParaRPr lang="fr-BE"/>
           </a:p>
@@ -668,7 +684,7 @@
           <a:p>
             <a:fld id="{4BC9399A-B2E3-4AB7-92E1-47F8CEF9770B}" type="datetimeFigureOut">
               <a:rPr lang="fr-BE" smtClean="0"/>
-              <a:t>07-05-25</a:t>
+              <a:t>08-05-25</a:t>
             </a:fld>
             <a:endParaRPr lang="fr-BE"/>
           </a:p>
@@ -868,7 +884,7 @@
           <a:p>
             <a:fld id="{4BC9399A-B2E3-4AB7-92E1-47F8CEF9770B}" type="datetimeFigureOut">
               <a:rPr lang="fr-BE" smtClean="0"/>
-              <a:t>07-05-25</a:t>
+              <a:t>08-05-25</a:t>
             </a:fld>
             <a:endParaRPr lang="fr-BE"/>
           </a:p>
@@ -1144,7 +1160,7 @@
           <a:p>
             <a:fld id="{4BC9399A-B2E3-4AB7-92E1-47F8CEF9770B}" type="datetimeFigureOut">
               <a:rPr lang="fr-BE" smtClean="0"/>
-              <a:t>07-05-25</a:t>
+              <a:t>08-05-25</a:t>
             </a:fld>
             <a:endParaRPr lang="fr-BE"/>
           </a:p>
@@ -1412,7 +1428,7 @@
           <a:p>
             <a:fld id="{4BC9399A-B2E3-4AB7-92E1-47F8CEF9770B}" type="datetimeFigureOut">
               <a:rPr lang="fr-BE" smtClean="0"/>
-              <a:t>07-05-25</a:t>
+              <a:t>08-05-25</a:t>
             </a:fld>
             <a:endParaRPr lang="fr-BE"/>
           </a:p>
@@ -1827,7 +1843,7 @@
           <a:p>
             <a:fld id="{4BC9399A-B2E3-4AB7-92E1-47F8CEF9770B}" type="datetimeFigureOut">
               <a:rPr lang="fr-BE" smtClean="0"/>
-              <a:t>07-05-25</a:t>
+              <a:t>08-05-25</a:t>
             </a:fld>
             <a:endParaRPr lang="fr-BE"/>
           </a:p>
@@ -1969,7 +1985,7 @@
           <a:p>
             <a:fld id="{4BC9399A-B2E3-4AB7-92E1-47F8CEF9770B}" type="datetimeFigureOut">
               <a:rPr lang="fr-BE" smtClean="0"/>
-              <a:t>07-05-25</a:t>
+              <a:t>08-05-25</a:t>
             </a:fld>
             <a:endParaRPr lang="fr-BE"/>
           </a:p>
@@ -2082,7 +2098,7 @@
           <a:p>
             <a:fld id="{4BC9399A-B2E3-4AB7-92E1-47F8CEF9770B}" type="datetimeFigureOut">
               <a:rPr lang="fr-BE" smtClean="0"/>
-              <a:t>07-05-25</a:t>
+              <a:t>08-05-25</a:t>
             </a:fld>
             <a:endParaRPr lang="fr-BE"/>
           </a:p>
@@ -2395,7 +2411,7 @@
           <a:p>
             <a:fld id="{4BC9399A-B2E3-4AB7-92E1-47F8CEF9770B}" type="datetimeFigureOut">
               <a:rPr lang="fr-BE" smtClean="0"/>
-              <a:t>07-05-25</a:t>
+              <a:t>08-05-25</a:t>
             </a:fld>
             <a:endParaRPr lang="fr-BE"/>
           </a:p>
@@ -2684,7 +2700,7 @@
           <a:p>
             <a:fld id="{4BC9399A-B2E3-4AB7-92E1-47F8CEF9770B}" type="datetimeFigureOut">
               <a:rPr lang="fr-BE" smtClean="0"/>
-              <a:t>07-05-25</a:t>
+              <a:t>08-05-25</a:t>
             </a:fld>
             <a:endParaRPr lang="fr-BE"/>
           </a:p>
@@ -2927,7 +2943,7 @@
           <a:p>
             <a:fld id="{4BC9399A-B2E3-4AB7-92E1-47F8CEF9770B}" type="datetimeFigureOut">
               <a:rPr lang="fr-BE" smtClean="0"/>
-              <a:t>07-05-25</a:t>
+              <a:t>08-05-25</a:t>
             </a:fld>
             <a:endParaRPr lang="fr-BE"/>
           </a:p>
@@ -3358,8 +3374,8 @@
         </p:nvSpPr>
         <p:spPr>
           <a:xfrm>
-            <a:off x="4428780" y="463923"/>
-            <a:ext cx="3334439" cy="769441"/>
+            <a:off x="2709816" y="329453"/>
+            <a:ext cx="6772367" cy="769441"/>
           </a:xfrm>
           <a:prstGeom prst="rect">
             <a:avLst/>
@@ -3373,16 +3389,20 @@
           <a:lstStyle/>
           <a:p>
             <a:r>
-              <a:rPr lang="fr-FR" sz="4400" b="1" u="sng" dirty="0" err="1">
+              <a:rPr lang="fr-FR" sz="4400" b="1" u="sng" dirty="0">
                 <a:solidFill>
-                  <a:srgbClr val="FF0000"/>
+                  <a:schemeClr val="accent1">
+                    <a:lumMod val="75000"/>
+                  </a:schemeClr>
                 </a:solidFill>
               </a:rPr>
-              <a:t>RaidPlanner</a:t>
+              <a:t>Projet de fin de formation </a:t>
             </a:r>
             <a:endParaRPr lang="fr-BE" sz="4400" b="1" u="sng" dirty="0">
               <a:solidFill>
-                <a:srgbClr val="FF0000"/>
+                <a:schemeClr val="accent1">
+                  <a:lumMod val="75000"/>
+                </a:schemeClr>
               </a:solidFill>
             </a:endParaRPr>
           </a:p>
@@ -3504,6 +3524,908 @@
     <p:extLst>
       <p:ext uri="{BB962C8B-B14F-4D97-AF65-F5344CB8AC3E}">
         <p14:creationId xmlns:p14="http://schemas.microsoft.com/office/powerpoint/2010/main" val="3760681842"/>
+      </p:ext>
+    </p:extLst>
+  </p:cSld>
+  <p:clrMapOvr>
+    <a:masterClrMapping/>
+  </p:clrMapOvr>
+</p:sld>
+</file>
+
+<file path=ppt/slides/slide10.xml><?xml version="1.0" encoding="utf-8"?>
+<p:sld xmlns:a="http://schemas.openxmlformats.org/drawingml/2006/main" xmlns:r="http://schemas.openxmlformats.org/officeDocument/2006/relationships" xmlns:p="http://schemas.openxmlformats.org/presentationml/2006/main">
+  <p:cSld>
+    <p:spTree>
+      <p:nvGrpSpPr>
+        <p:cNvPr id="1" name=""/>
+        <p:cNvGrpSpPr/>
+        <p:nvPr/>
+      </p:nvGrpSpPr>
+      <p:grpSpPr>
+        <a:xfrm>
+          <a:off x="0" y="0"/>
+          <a:ext cx="0" cy="0"/>
+          <a:chOff x="0" y="0"/>
+          <a:chExt cx="0" cy="0"/>
+        </a:xfrm>
+      </p:grpSpPr>
+      <p:sp>
+        <p:nvSpPr>
+          <p:cNvPr id="4" name="ZoneTexte 3">
+            <a:extLst>
+              <a:ext uri="{FF2B5EF4-FFF2-40B4-BE49-F238E27FC236}">
+                <a16:creationId xmlns:a16="http://schemas.microsoft.com/office/drawing/2014/main" id="{C8C54987-4E9A-F799-089E-5F1EF368EE09}"/>
+              </a:ext>
+            </a:extLst>
+          </p:cNvPr>
+          <p:cNvSpPr txBox="1"/>
+          <p:nvPr/>
+        </p:nvSpPr>
+        <p:spPr>
+          <a:xfrm>
+            <a:off x="3825919" y="238213"/>
+            <a:ext cx="4540162" cy="769441"/>
+          </a:xfrm>
+          <a:prstGeom prst="rect">
+            <a:avLst/>
+          </a:prstGeom>
+          <a:noFill/>
+        </p:spPr>
+        <p:txBody>
+          <a:bodyPr wrap="square">
+            <a:spAutoFit/>
+          </a:bodyPr>
+          <a:lstStyle/>
+          <a:p>
+            <a:r>
+              <a:rPr lang="fr-FR" sz="4400" b="1" u="sng" dirty="0">
+                <a:solidFill>
+                  <a:schemeClr val="accent1">
+                    <a:lumMod val="75000"/>
+                  </a:schemeClr>
+                </a:solidFill>
+              </a:rPr>
+              <a:t>Fonctionnalités</a:t>
+            </a:r>
+            <a:endParaRPr lang="fr-BE" sz="4400" b="1" u="sng" dirty="0">
+              <a:solidFill>
+                <a:schemeClr val="accent1">
+                  <a:lumMod val="75000"/>
+                </a:schemeClr>
+              </a:solidFill>
+            </a:endParaRPr>
+          </a:p>
+        </p:txBody>
+      </p:sp>
+      <p:sp>
+        <p:nvSpPr>
+          <p:cNvPr id="5" name="ZoneTexte 4">
+            <a:extLst>
+              <a:ext uri="{FF2B5EF4-FFF2-40B4-BE49-F238E27FC236}">
+                <a16:creationId xmlns:a16="http://schemas.microsoft.com/office/drawing/2014/main" id="{0F3AC144-D466-771E-1050-5881E34A8F45}"/>
+              </a:ext>
+            </a:extLst>
+          </p:cNvPr>
+          <p:cNvSpPr txBox="1"/>
+          <p:nvPr/>
+        </p:nvSpPr>
+        <p:spPr>
+          <a:xfrm>
+            <a:off x="609600" y="1390134"/>
+            <a:ext cx="2135265" cy="369332"/>
+          </a:xfrm>
+          <a:prstGeom prst="rect">
+            <a:avLst/>
+          </a:prstGeom>
+          <a:noFill/>
+        </p:spPr>
+        <p:txBody>
+          <a:bodyPr wrap="none" rtlCol="0">
+            <a:spAutoFit/>
+          </a:bodyPr>
+          <a:lstStyle/>
+          <a:p>
+            <a:r>
+              <a:rPr lang="fr-BE" b="1" u="sng" dirty="0"/>
+              <a:t>Mes personnages :</a:t>
+            </a:r>
+          </a:p>
+        </p:txBody>
+      </p:sp>
+      <p:pic>
+        <p:nvPicPr>
+          <p:cNvPr id="7" name="Image 6" descr="Une image contenant texte, capture d’écran, ligne, nombre&#10;&#10;Le contenu généré par l’IA peut être incorrect.">
+            <a:extLst>
+              <a:ext uri="{FF2B5EF4-FFF2-40B4-BE49-F238E27FC236}">
+                <a16:creationId xmlns:a16="http://schemas.microsoft.com/office/drawing/2014/main" id="{24D00447-9962-BE1E-58A9-AD19781C6B36}"/>
+              </a:ext>
+            </a:extLst>
+          </p:cNvPr>
+          <p:cNvPicPr>
+            <a:picLocks noChangeAspect="1"/>
+          </p:cNvPicPr>
+          <p:nvPr/>
+        </p:nvPicPr>
+        <p:blipFill>
+          <a:blip r:embed="rId2">
+            <a:extLst>
+              <a:ext uri="{28A0092B-C50C-407E-A947-70E740481C1C}">
+                <a14:useLocalDpi xmlns:a14="http://schemas.microsoft.com/office/drawing/2010/main" val="0"/>
+              </a:ext>
+            </a:extLst>
+          </a:blip>
+          <a:stretch>
+            <a:fillRect/>
+          </a:stretch>
+        </p:blipFill>
+        <p:spPr>
+          <a:xfrm>
+            <a:off x="609600" y="1915383"/>
+            <a:ext cx="8996374" cy="3286537"/>
+          </a:xfrm>
+          <a:prstGeom prst="rect">
+            <a:avLst/>
+          </a:prstGeom>
+        </p:spPr>
+      </p:pic>
+    </p:spTree>
+    <p:extLst>
+      <p:ext uri="{BB962C8B-B14F-4D97-AF65-F5344CB8AC3E}">
+        <p14:creationId xmlns:p14="http://schemas.microsoft.com/office/powerpoint/2010/main" val="2385088295"/>
+      </p:ext>
+    </p:extLst>
+  </p:cSld>
+  <p:clrMapOvr>
+    <a:masterClrMapping/>
+  </p:clrMapOvr>
+</p:sld>
+</file>
+
+<file path=ppt/slides/slide11.xml><?xml version="1.0" encoding="utf-8"?>
+<p:sld xmlns:a="http://schemas.openxmlformats.org/drawingml/2006/main" xmlns:r="http://schemas.openxmlformats.org/officeDocument/2006/relationships" xmlns:p="http://schemas.openxmlformats.org/presentationml/2006/main">
+  <p:cSld>
+    <p:spTree>
+      <p:nvGrpSpPr>
+        <p:cNvPr id="1" name=""/>
+        <p:cNvGrpSpPr/>
+        <p:nvPr/>
+      </p:nvGrpSpPr>
+      <p:grpSpPr>
+        <a:xfrm>
+          <a:off x="0" y="0"/>
+          <a:ext cx="0" cy="0"/>
+          <a:chOff x="0" y="0"/>
+          <a:chExt cx="0" cy="0"/>
+        </a:xfrm>
+      </p:grpSpPr>
+      <p:sp>
+        <p:nvSpPr>
+          <p:cNvPr id="4" name="ZoneTexte 3">
+            <a:extLst>
+              <a:ext uri="{FF2B5EF4-FFF2-40B4-BE49-F238E27FC236}">
+                <a16:creationId xmlns:a16="http://schemas.microsoft.com/office/drawing/2014/main" id="{75D54B25-1C51-23DE-144C-1B770B8C5237}"/>
+              </a:ext>
+            </a:extLst>
+          </p:cNvPr>
+          <p:cNvSpPr txBox="1"/>
+          <p:nvPr/>
+        </p:nvSpPr>
+        <p:spPr>
+          <a:xfrm>
+            <a:off x="3825919" y="238213"/>
+            <a:ext cx="4540162" cy="769441"/>
+          </a:xfrm>
+          <a:prstGeom prst="rect">
+            <a:avLst/>
+          </a:prstGeom>
+          <a:noFill/>
+        </p:spPr>
+        <p:txBody>
+          <a:bodyPr wrap="square">
+            <a:spAutoFit/>
+          </a:bodyPr>
+          <a:lstStyle/>
+          <a:p>
+            <a:r>
+              <a:rPr lang="fr-FR" sz="4400" b="1" u="sng" dirty="0">
+                <a:solidFill>
+                  <a:schemeClr val="accent1">
+                    <a:lumMod val="75000"/>
+                  </a:schemeClr>
+                </a:solidFill>
+              </a:rPr>
+              <a:t>Fonctionnalités</a:t>
+            </a:r>
+            <a:endParaRPr lang="fr-BE" sz="4400" b="1" u="sng" dirty="0">
+              <a:solidFill>
+                <a:schemeClr val="accent1">
+                  <a:lumMod val="75000"/>
+                </a:schemeClr>
+              </a:solidFill>
+            </a:endParaRPr>
+          </a:p>
+        </p:txBody>
+      </p:sp>
+      <p:sp>
+        <p:nvSpPr>
+          <p:cNvPr id="5" name="ZoneTexte 4">
+            <a:extLst>
+              <a:ext uri="{FF2B5EF4-FFF2-40B4-BE49-F238E27FC236}">
+                <a16:creationId xmlns:a16="http://schemas.microsoft.com/office/drawing/2014/main" id="{3F8EA224-7646-132E-ABD4-A9E7A44A487E}"/>
+              </a:ext>
+            </a:extLst>
+          </p:cNvPr>
+          <p:cNvSpPr txBox="1"/>
+          <p:nvPr/>
+        </p:nvSpPr>
+        <p:spPr>
+          <a:xfrm>
+            <a:off x="255340" y="1287907"/>
+            <a:ext cx="3180614" cy="646331"/>
+          </a:xfrm>
+          <a:prstGeom prst="rect">
+            <a:avLst/>
+          </a:prstGeom>
+          <a:noFill/>
+        </p:spPr>
+        <p:txBody>
+          <a:bodyPr wrap="none" rtlCol="0">
+            <a:spAutoFit/>
+          </a:bodyPr>
+          <a:lstStyle/>
+          <a:p>
+            <a:r>
+              <a:rPr lang="fr-FR" b="1" dirty="0"/>
+              <a:t>Toutes les Sessions de Raid :</a:t>
+            </a:r>
+          </a:p>
+          <a:p>
+            <a:endParaRPr lang="fr-BE" dirty="0"/>
+          </a:p>
+        </p:txBody>
+      </p:sp>
+      <p:pic>
+        <p:nvPicPr>
+          <p:cNvPr id="7" name="Image 6">
+            <a:extLst>
+              <a:ext uri="{FF2B5EF4-FFF2-40B4-BE49-F238E27FC236}">
+                <a16:creationId xmlns:a16="http://schemas.microsoft.com/office/drawing/2014/main" id="{CE10C073-38E5-F1E4-210D-58DA727305D9}"/>
+              </a:ext>
+            </a:extLst>
+          </p:cNvPr>
+          <p:cNvPicPr>
+            <a:picLocks noChangeAspect="1"/>
+          </p:cNvPicPr>
+          <p:nvPr/>
+        </p:nvPicPr>
+        <p:blipFill>
+          <a:blip r:embed="rId2">
+            <a:extLst>
+              <a:ext uri="{28A0092B-C50C-407E-A947-70E740481C1C}">
+                <a14:useLocalDpi xmlns:a14="http://schemas.microsoft.com/office/drawing/2010/main" val="0"/>
+              </a:ext>
+            </a:extLst>
+          </a:blip>
+          <a:stretch>
+            <a:fillRect/>
+          </a:stretch>
+        </p:blipFill>
+        <p:spPr>
+          <a:xfrm>
+            <a:off x="255340" y="1842873"/>
+            <a:ext cx="11419840" cy="1266990"/>
+          </a:xfrm>
+          <a:prstGeom prst="rect">
+            <a:avLst/>
+          </a:prstGeom>
+        </p:spPr>
+      </p:pic>
+      <p:sp>
+        <p:nvSpPr>
+          <p:cNvPr id="9" name="ZoneTexte 8">
+            <a:extLst>
+              <a:ext uri="{FF2B5EF4-FFF2-40B4-BE49-F238E27FC236}">
+                <a16:creationId xmlns:a16="http://schemas.microsoft.com/office/drawing/2014/main" id="{D3B565D0-F829-4C75-FE0B-155E30E5A8ED}"/>
+              </a:ext>
+            </a:extLst>
+          </p:cNvPr>
+          <p:cNvSpPr txBox="1"/>
+          <p:nvPr/>
+        </p:nvSpPr>
+        <p:spPr>
+          <a:xfrm>
+            <a:off x="255340" y="3368951"/>
+            <a:ext cx="6094878" cy="369332"/>
+          </a:xfrm>
+          <a:prstGeom prst="rect">
+            <a:avLst/>
+          </a:prstGeom>
+          <a:noFill/>
+        </p:spPr>
+        <p:txBody>
+          <a:bodyPr wrap="square">
+            <a:spAutoFit/>
+          </a:bodyPr>
+          <a:lstStyle/>
+          <a:p>
+            <a:r>
+              <a:rPr lang="fr-BE" b="1" dirty="0"/>
+              <a:t>Créer une disponibilité :</a:t>
+            </a:r>
+          </a:p>
+        </p:txBody>
+      </p:sp>
+      <p:pic>
+        <p:nvPicPr>
+          <p:cNvPr id="11" name="Image 10" descr="Une image contenant texte, ligne, Police, capture d’écran&#10;&#10;Le contenu généré par l’IA peut être incorrect.">
+            <a:extLst>
+              <a:ext uri="{FF2B5EF4-FFF2-40B4-BE49-F238E27FC236}">
+                <a16:creationId xmlns:a16="http://schemas.microsoft.com/office/drawing/2014/main" id="{A4D5D826-5807-B9DA-FB9D-B9CAEBE68155}"/>
+              </a:ext>
+            </a:extLst>
+          </p:cNvPr>
+          <p:cNvPicPr>
+            <a:picLocks noChangeAspect="1"/>
+          </p:cNvPicPr>
+          <p:nvPr/>
+        </p:nvPicPr>
+        <p:blipFill>
+          <a:blip r:embed="rId3">
+            <a:extLst>
+              <a:ext uri="{28A0092B-C50C-407E-A947-70E740481C1C}">
+                <a14:useLocalDpi xmlns:a14="http://schemas.microsoft.com/office/drawing/2010/main" val="0"/>
+              </a:ext>
+            </a:extLst>
+          </a:blip>
+          <a:stretch>
+            <a:fillRect/>
+          </a:stretch>
+        </p:blipFill>
+        <p:spPr>
+          <a:xfrm>
+            <a:off x="255340" y="3998274"/>
+            <a:ext cx="12192000" cy="2468353"/>
+          </a:xfrm>
+          <a:prstGeom prst="rect">
+            <a:avLst/>
+          </a:prstGeom>
+        </p:spPr>
+      </p:pic>
+    </p:spTree>
+    <p:extLst>
+      <p:ext uri="{BB962C8B-B14F-4D97-AF65-F5344CB8AC3E}">
+        <p14:creationId xmlns:p14="http://schemas.microsoft.com/office/powerpoint/2010/main" val="2844846351"/>
+      </p:ext>
+    </p:extLst>
+  </p:cSld>
+  <p:clrMapOvr>
+    <a:masterClrMapping/>
+  </p:clrMapOvr>
+</p:sld>
+</file>
+
+<file path=ppt/slides/slide12.xml><?xml version="1.0" encoding="utf-8"?>
+<p:sld xmlns:a="http://schemas.openxmlformats.org/drawingml/2006/main" xmlns:r="http://schemas.openxmlformats.org/officeDocument/2006/relationships" xmlns:p="http://schemas.openxmlformats.org/presentationml/2006/main">
+  <p:cSld>
+    <p:spTree>
+      <p:nvGrpSpPr>
+        <p:cNvPr id="1" name=""/>
+        <p:cNvGrpSpPr/>
+        <p:nvPr/>
+      </p:nvGrpSpPr>
+      <p:grpSpPr>
+        <a:xfrm>
+          <a:off x="0" y="0"/>
+          <a:ext cx="0" cy="0"/>
+          <a:chOff x="0" y="0"/>
+          <a:chExt cx="0" cy="0"/>
+        </a:xfrm>
+      </p:grpSpPr>
+      <p:sp>
+        <p:nvSpPr>
+          <p:cNvPr id="4" name="ZoneTexte 3">
+            <a:extLst>
+              <a:ext uri="{FF2B5EF4-FFF2-40B4-BE49-F238E27FC236}">
+                <a16:creationId xmlns:a16="http://schemas.microsoft.com/office/drawing/2014/main" id="{B2FECE07-4874-CD6A-26ED-C72979EB0DBE}"/>
+              </a:ext>
+            </a:extLst>
+          </p:cNvPr>
+          <p:cNvSpPr txBox="1"/>
+          <p:nvPr/>
+        </p:nvSpPr>
+        <p:spPr>
+          <a:xfrm>
+            <a:off x="3825919" y="238213"/>
+            <a:ext cx="4540162" cy="769441"/>
+          </a:xfrm>
+          <a:prstGeom prst="rect">
+            <a:avLst/>
+          </a:prstGeom>
+          <a:noFill/>
+        </p:spPr>
+        <p:txBody>
+          <a:bodyPr wrap="square">
+            <a:spAutoFit/>
+          </a:bodyPr>
+          <a:lstStyle/>
+          <a:p>
+            <a:r>
+              <a:rPr lang="fr-FR" sz="4400" b="1" u="sng" dirty="0">
+                <a:solidFill>
+                  <a:schemeClr val="accent1">
+                    <a:lumMod val="75000"/>
+                  </a:schemeClr>
+                </a:solidFill>
+              </a:rPr>
+              <a:t>Fonctionnalités</a:t>
+            </a:r>
+            <a:endParaRPr lang="fr-BE" sz="4400" b="1" u="sng" dirty="0">
+              <a:solidFill>
+                <a:schemeClr val="accent1">
+                  <a:lumMod val="75000"/>
+                </a:schemeClr>
+              </a:solidFill>
+            </a:endParaRPr>
+          </a:p>
+        </p:txBody>
+      </p:sp>
+      <p:sp>
+        <p:nvSpPr>
+          <p:cNvPr id="6" name="ZoneTexte 5">
+            <a:extLst>
+              <a:ext uri="{FF2B5EF4-FFF2-40B4-BE49-F238E27FC236}">
+                <a16:creationId xmlns:a16="http://schemas.microsoft.com/office/drawing/2014/main" id="{EB7F86A6-BF47-B440-4371-67B9186318A8}"/>
+              </a:ext>
+            </a:extLst>
+          </p:cNvPr>
+          <p:cNvSpPr txBox="1"/>
+          <p:nvPr/>
+        </p:nvSpPr>
+        <p:spPr>
+          <a:xfrm>
+            <a:off x="331134" y="1328128"/>
+            <a:ext cx="6094878" cy="369332"/>
+          </a:xfrm>
+          <a:prstGeom prst="rect">
+            <a:avLst/>
+          </a:prstGeom>
+          <a:noFill/>
+        </p:spPr>
+        <p:txBody>
+          <a:bodyPr wrap="square">
+            <a:spAutoFit/>
+          </a:bodyPr>
+          <a:lstStyle/>
+          <a:p>
+            <a:r>
+              <a:rPr lang="fr-BE" b="1" dirty="0"/>
+              <a:t>Mes disponibilités :</a:t>
+            </a:r>
+          </a:p>
+        </p:txBody>
+      </p:sp>
+      <p:pic>
+        <p:nvPicPr>
+          <p:cNvPr id="8" name="Image 7">
+            <a:extLst>
+              <a:ext uri="{FF2B5EF4-FFF2-40B4-BE49-F238E27FC236}">
+                <a16:creationId xmlns:a16="http://schemas.microsoft.com/office/drawing/2014/main" id="{45EAFBC4-2260-728F-DF36-A080DEC5604A}"/>
+              </a:ext>
+            </a:extLst>
+          </p:cNvPr>
+          <p:cNvPicPr>
+            <a:picLocks noChangeAspect="1"/>
+          </p:cNvPicPr>
+          <p:nvPr/>
+        </p:nvPicPr>
+        <p:blipFill>
+          <a:blip r:embed="rId2">
+            <a:extLst>
+              <a:ext uri="{28A0092B-C50C-407E-A947-70E740481C1C}">
+                <a14:useLocalDpi xmlns:a14="http://schemas.microsoft.com/office/drawing/2010/main" val="0"/>
+              </a:ext>
+            </a:extLst>
+          </a:blip>
+          <a:stretch>
+            <a:fillRect/>
+          </a:stretch>
+        </p:blipFill>
+        <p:spPr>
+          <a:xfrm>
+            <a:off x="331134" y="2090465"/>
+            <a:ext cx="11607988" cy="1112429"/>
+          </a:xfrm>
+          <a:prstGeom prst="rect">
+            <a:avLst/>
+          </a:prstGeom>
+        </p:spPr>
+      </p:pic>
+    </p:spTree>
+    <p:extLst>
+      <p:ext uri="{BB962C8B-B14F-4D97-AF65-F5344CB8AC3E}">
+        <p14:creationId xmlns:p14="http://schemas.microsoft.com/office/powerpoint/2010/main" val="1117131475"/>
+      </p:ext>
+    </p:extLst>
+  </p:cSld>
+  <p:clrMapOvr>
+    <a:masterClrMapping/>
+  </p:clrMapOvr>
+</p:sld>
+</file>
+
+<file path=ppt/slides/slide13.xml><?xml version="1.0" encoding="utf-8"?>
+<p:sld xmlns:a="http://schemas.openxmlformats.org/drawingml/2006/main" xmlns:r="http://schemas.openxmlformats.org/officeDocument/2006/relationships" xmlns:p="http://schemas.openxmlformats.org/presentationml/2006/main">
+  <p:cSld>
+    <p:spTree>
+      <p:nvGrpSpPr>
+        <p:cNvPr id="1" name=""/>
+        <p:cNvGrpSpPr/>
+        <p:nvPr/>
+      </p:nvGrpSpPr>
+      <p:grpSpPr>
+        <a:xfrm>
+          <a:off x="0" y="0"/>
+          <a:ext cx="0" cy="0"/>
+          <a:chOff x="0" y="0"/>
+          <a:chExt cx="0" cy="0"/>
+        </a:xfrm>
+      </p:grpSpPr>
+      <p:sp>
+        <p:nvSpPr>
+          <p:cNvPr id="4" name="ZoneTexte 3">
+            <a:extLst>
+              <a:ext uri="{FF2B5EF4-FFF2-40B4-BE49-F238E27FC236}">
+                <a16:creationId xmlns:a16="http://schemas.microsoft.com/office/drawing/2014/main" id="{6FF1AFD5-6B7D-A72D-8CED-9E3EB4BFA11D}"/>
+              </a:ext>
+            </a:extLst>
+          </p:cNvPr>
+          <p:cNvSpPr txBox="1"/>
+          <p:nvPr/>
+        </p:nvSpPr>
+        <p:spPr>
+          <a:xfrm>
+            <a:off x="1976649" y="204093"/>
+            <a:ext cx="8238702" cy="769441"/>
+          </a:xfrm>
+          <a:prstGeom prst="rect">
+            <a:avLst/>
+          </a:prstGeom>
+          <a:noFill/>
+        </p:spPr>
+        <p:txBody>
+          <a:bodyPr wrap="square">
+            <a:spAutoFit/>
+          </a:bodyPr>
+          <a:lstStyle/>
+          <a:p>
+            <a:r>
+              <a:rPr lang="fr-FR" sz="4400" b="1" u="sng" dirty="0">
+                <a:solidFill>
+                  <a:schemeClr val="accent1">
+                    <a:lumMod val="75000"/>
+                  </a:schemeClr>
+                </a:solidFill>
+              </a:rPr>
+              <a:t>Fonctionnalités à implémenter</a:t>
+            </a:r>
+            <a:endParaRPr lang="fr-BE" sz="4400" b="1" u="sng" dirty="0">
+              <a:solidFill>
+                <a:schemeClr val="accent1">
+                  <a:lumMod val="75000"/>
+                </a:schemeClr>
+              </a:solidFill>
+            </a:endParaRPr>
+          </a:p>
+        </p:txBody>
+      </p:sp>
+      <p:sp>
+        <p:nvSpPr>
+          <p:cNvPr id="6" name="ZoneTexte 5">
+            <a:extLst>
+              <a:ext uri="{FF2B5EF4-FFF2-40B4-BE49-F238E27FC236}">
+                <a16:creationId xmlns:a16="http://schemas.microsoft.com/office/drawing/2014/main" id="{6E492B1E-2E90-BBE6-E2AC-7B8517024C77}"/>
+              </a:ext>
+            </a:extLst>
+          </p:cNvPr>
+          <p:cNvSpPr txBox="1"/>
+          <p:nvPr/>
+        </p:nvSpPr>
+        <p:spPr>
+          <a:xfrm>
+            <a:off x="1058405" y="2455674"/>
+            <a:ext cx="6097136" cy="923330"/>
+          </a:xfrm>
+          <a:prstGeom prst="rect">
+            <a:avLst/>
+          </a:prstGeom>
+          <a:noFill/>
+        </p:spPr>
+        <p:txBody>
+          <a:bodyPr wrap="square">
+            <a:spAutoFit/>
+          </a:bodyPr>
+          <a:lstStyle/>
+          <a:p>
+            <a:r>
+              <a:rPr lang="fr-BE" sz="1800" dirty="0">
+                <a:effectLst/>
+                <a:latin typeface="Times New Roman" panose="02020603050405020304" pitchFamily="18" charset="0"/>
+                <a:ea typeface="Times New Roman" panose="02020603050405020304" pitchFamily="18" charset="0"/>
+              </a:rPr>
+              <a:t>-Gérer stratégie</a:t>
+            </a:r>
+          </a:p>
+          <a:p>
+            <a:r>
+              <a:rPr lang="fr-BE" sz="1800" dirty="0">
+                <a:effectLst/>
+                <a:latin typeface="Times New Roman" panose="02020603050405020304" pitchFamily="18" charset="0"/>
+                <a:ea typeface="Times New Roman" panose="02020603050405020304" pitchFamily="18" charset="0"/>
+              </a:rPr>
+              <a:t>-Recevoir notification</a:t>
+            </a:r>
+          </a:p>
+          <a:p>
+            <a:r>
+              <a:rPr lang="fr-BE" dirty="0">
+                <a:latin typeface="Times New Roman" panose="02020603050405020304" pitchFamily="18" charset="0"/>
+              </a:rPr>
+              <a:t>-</a:t>
+            </a:r>
+            <a:r>
+              <a:rPr lang="fr-BE" sz="1800" dirty="0">
+                <a:effectLst/>
+                <a:latin typeface="Times New Roman" panose="02020603050405020304" pitchFamily="18" charset="0"/>
+                <a:ea typeface="Times New Roman" panose="02020603050405020304" pitchFamily="18" charset="0"/>
+              </a:rPr>
+              <a:t>Suivre performance</a:t>
+            </a:r>
+            <a:endParaRPr lang="fr-BE" dirty="0"/>
+          </a:p>
+        </p:txBody>
+      </p:sp>
+      <p:sp>
+        <p:nvSpPr>
+          <p:cNvPr id="8" name="ZoneTexte 7">
+            <a:extLst>
+              <a:ext uri="{FF2B5EF4-FFF2-40B4-BE49-F238E27FC236}">
+                <a16:creationId xmlns:a16="http://schemas.microsoft.com/office/drawing/2014/main" id="{F0204119-D7AA-D80B-C6A5-0CCC039EC800}"/>
+              </a:ext>
+            </a:extLst>
+          </p:cNvPr>
+          <p:cNvSpPr txBox="1"/>
+          <p:nvPr/>
+        </p:nvSpPr>
+        <p:spPr>
+          <a:xfrm>
+            <a:off x="1058405" y="1758434"/>
+            <a:ext cx="6094878" cy="369332"/>
+          </a:xfrm>
+          <a:prstGeom prst="rect">
+            <a:avLst/>
+          </a:prstGeom>
+          <a:noFill/>
+        </p:spPr>
+        <p:txBody>
+          <a:bodyPr wrap="square">
+            <a:spAutoFit/>
+          </a:bodyPr>
+          <a:lstStyle/>
+          <a:p>
+            <a:r>
+              <a:rPr lang="fr-FR" sz="1800" b="1" u="sng" dirty="0"/>
+              <a:t>Fonctionnalités :</a:t>
+            </a:r>
+            <a:endParaRPr lang="fr-BE" dirty="0"/>
+          </a:p>
+        </p:txBody>
+      </p:sp>
+      <p:sp>
+        <p:nvSpPr>
+          <p:cNvPr id="9" name="ZoneTexte 8">
+            <a:extLst>
+              <a:ext uri="{FF2B5EF4-FFF2-40B4-BE49-F238E27FC236}">
+                <a16:creationId xmlns:a16="http://schemas.microsoft.com/office/drawing/2014/main" id="{6DD35881-7133-4E83-8DB7-82FF7AE8A4D5}"/>
+              </a:ext>
+            </a:extLst>
+          </p:cNvPr>
+          <p:cNvSpPr txBox="1"/>
+          <p:nvPr/>
+        </p:nvSpPr>
+        <p:spPr>
+          <a:xfrm>
+            <a:off x="6854088" y="1758434"/>
+            <a:ext cx="6094878" cy="369332"/>
+          </a:xfrm>
+          <a:prstGeom prst="rect">
+            <a:avLst/>
+          </a:prstGeom>
+          <a:noFill/>
+        </p:spPr>
+        <p:txBody>
+          <a:bodyPr wrap="square">
+            <a:spAutoFit/>
+          </a:bodyPr>
+          <a:lstStyle/>
+          <a:p>
+            <a:r>
+              <a:rPr lang="fr-FR" b="1" u="sng" dirty="0"/>
+              <a:t>D</a:t>
+            </a:r>
+            <a:r>
+              <a:rPr lang="fr-FR" sz="1800" b="1" u="sng" dirty="0"/>
+              <a:t>éveloppement :</a:t>
+            </a:r>
+            <a:endParaRPr lang="fr-BE" dirty="0"/>
+          </a:p>
+        </p:txBody>
+      </p:sp>
+      <p:sp>
+        <p:nvSpPr>
+          <p:cNvPr id="10" name="ZoneTexte 9">
+            <a:extLst>
+              <a:ext uri="{FF2B5EF4-FFF2-40B4-BE49-F238E27FC236}">
+                <a16:creationId xmlns:a16="http://schemas.microsoft.com/office/drawing/2014/main" id="{B0E60B6C-2483-E6A0-458D-6A96A6B2B5D3}"/>
+              </a:ext>
+            </a:extLst>
+          </p:cNvPr>
+          <p:cNvSpPr txBox="1"/>
+          <p:nvPr/>
+        </p:nvSpPr>
+        <p:spPr>
+          <a:xfrm>
+            <a:off x="6854088" y="2455674"/>
+            <a:ext cx="3436710" cy="1754326"/>
+          </a:xfrm>
+          <a:prstGeom prst="rect">
+            <a:avLst/>
+          </a:prstGeom>
+          <a:noFill/>
+        </p:spPr>
+        <p:txBody>
+          <a:bodyPr wrap="none" rtlCol="0">
+            <a:spAutoFit/>
+          </a:bodyPr>
+          <a:lstStyle/>
+          <a:p>
+            <a:r>
+              <a:rPr lang="fr-FR" dirty="0"/>
+              <a:t>-Docker</a:t>
+            </a:r>
+          </a:p>
+          <a:p>
+            <a:r>
+              <a:rPr lang="fr-FR" dirty="0"/>
+              <a:t>-</a:t>
+            </a:r>
+            <a:r>
+              <a:rPr lang="fr-FR" dirty="0" err="1"/>
+              <a:t>jwt</a:t>
+            </a:r>
+            <a:r>
+              <a:rPr lang="fr-FR" dirty="0"/>
+              <a:t> </a:t>
+            </a:r>
+            <a:r>
+              <a:rPr lang="fr-FR" dirty="0" err="1"/>
+              <a:t>token</a:t>
+            </a:r>
+            <a:r>
+              <a:rPr lang="fr-FR" dirty="0"/>
+              <a:t> admin utilisateur</a:t>
+            </a:r>
+          </a:p>
+          <a:p>
+            <a:r>
+              <a:rPr lang="fr-FR" dirty="0"/>
+              <a:t>-Gestion droit (admin/utilisateur)</a:t>
+            </a:r>
+          </a:p>
+          <a:p>
+            <a:r>
+              <a:rPr lang="fr-FR" dirty="0"/>
+              <a:t>-CICD</a:t>
+            </a:r>
+          </a:p>
+          <a:p>
+            <a:r>
+              <a:rPr lang="fr-FR" dirty="0"/>
+              <a:t>-</a:t>
+            </a:r>
+            <a:r>
+              <a:rPr lang="fr-FR" dirty="0" err="1"/>
+              <a:t>Graphana</a:t>
+            </a:r>
+            <a:r>
+              <a:rPr lang="fr-FR" dirty="0"/>
+              <a:t> </a:t>
+            </a:r>
+            <a:r>
+              <a:rPr lang="fr-FR" dirty="0" err="1"/>
+              <a:t>prometeus</a:t>
+            </a:r>
+            <a:endParaRPr lang="fr-FR" dirty="0"/>
+          </a:p>
+          <a:p>
+            <a:r>
+              <a:rPr lang="fr-FR" dirty="0"/>
+              <a:t>-Front Design</a:t>
+            </a:r>
+            <a:endParaRPr lang="fr-BE" dirty="0"/>
+          </a:p>
+        </p:txBody>
+      </p:sp>
+    </p:spTree>
+    <p:extLst>
+      <p:ext uri="{BB962C8B-B14F-4D97-AF65-F5344CB8AC3E}">
+        <p14:creationId xmlns:p14="http://schemas.microsoft.com/office/powerpoint/2010/main" val="4285817901"/>
+      </p:ext>
+    </p:extLst>
+  </p:cSld>
+  <p:clrMapOvr>
+    <a:masterClrMapping/>
+  </p:clrMapOvr>
+</p:sld>
+</file>
+
+<file path=ppt/slides/slide14.xml><?xml version="1.0" encoding="utf-8"?>
+<p:sld xmlns:a="http://schemas.openxmlformats.org/drawingml/2006/main" xmlns:r="http://schemas.openxmlformats.org/officeDocument/2006/relationships" xmlns:p="http://schemas.openxmlformats.org/presentationml/2006/main">
+  <p:cSld>
+    <p:spTree>
+      <p:nvGrpSpPr>
+        <p:cNvPr id="1" name=""/>
+        <p:cNvGrpSpPr/>
+        <p:nvPr/>
+      </p:nvGrpSpPr>
+      <p:grpSpPr>
+        <a:xfrm>
+          <a:off x="0" y="0"/>
+          <a:ext cx="0" cy="0"/>
+          <a:chOff x="0" y="0"/>
+          <a:chExt cx="0" cy="0"/>
+        </a:xfrm>
+      </p:grpSpPr>
+      <p:sp>
+        <p:nvSpPr>
+          <p:cNvPr id="5" name="ZoneTexte 4">
+            <a:extLst>
+              <a:ext uri="{FF2B5EF4-FFF2-40B4-BE49-F238E27FC236}">
+                <a16:creationId xmlns:a16="http://schemas.microsoft.com/office/drawing/2014/main" id="{6BC948F8-95DA-1AD5-9981-E965DAF0D256}"/>
+              </a:ext>
+            </a:extLst>
+          </p:cNvPr>
+          <p:cNvSpPr txBox="1"/>
+          <p:nvPr/>
+        </p:nvSpPr>
+        <p:spPr>
+          <a:xfrm>
+            <a:off x="3388175" y="2359959"/>
+            <a:ext cx="5415650" cy="769441"/>
+          </a:xfrm>
+          <a:prstGeom prst="rect">
+            <a:avLst/>
+          </a:prstGeom>
+          <a:noFill/>
+        </p:spPr>
+        <p:txBody>
+          <a:bodyPr wrap="none" rtlCol="0">
+            <a:spAutoFit/>
+          </a:bodyPr>
+          <a:lstStyle/>
+          <a:p>
+            <a:r>
+              <a:rPr lang="fr-FR" sz="4400" dirty="0"/>
+              <a:t>Merci de votre écoute</a:t>
+            </a:r>
+            <a:endParaRPr lang="fr-BE" sz="4400" dirty="0"/>
+          </a:p>
+        </p:txBody>
+      </p:sp>
+    </p:spTree>
+    <p:extLst>
+      <p:ext uri="{BB962C8B-B14F-4D97-AF65-F5344CB8AC3E}">
+        <p14:creationId xmlns:p14="http://schemas.microsoft.com/office/powerpoint/2010/main" val="727428322"/>
       </p:ext>
     </p:extLst>
   </p:cSld>
@@ -3532,51 +4454,383 @@
       </p:grpSpPr>
       <p:sp>
         <p:nvSpPr>
-          <p:cNvPr id="2" name="Titre 1">
-            <a:extLst>
-              <a:ext uri="{FF2B5EF4-FFF2-40B4-BE49-F238E27FC236}">
-                <a16:creationId xmlns:a16="http://schemas.microsoft.com/office/drawing/2014/main" id="{F4AB27EF-AB71-1F5F-8622-5039E276A630}"/>
-              </a:ext>
-            </a:extLst>
-          </p:cNvPr>
-          <p:cNvSpPr>
-            <a:spLocks noGrp="1"/>
-          </p:cNvSpPr>
-          <p:nvPr>
-            <p:ph type="title"/>
-          </p:nvPr>
-        </p:nvSpPr>
-        <p:spPr/>
-        <p:txBody>
-          <a:bodyPr/>
-          <a:lstStyle/>
-          <a:p>
-            <a:endParaRPr lang="fr-BE"/>
-          </a:p>
-        </p:txBody>
-      </p:sp>
-      <p:sp>
-        <p:nvSpPr>
-          <p:cNvPr id="3" name="Espace réservé du contenu 2">
-            <a:extLst>
-              <a:ext uri="{FF2B5EF4-FFF2-40B4-BE49-F238E27FC236}">
-                <a16:creationId xmlns:a16="http://schemas.microsoft.com/office/drawing/2014/main" id="{5084971A-4FDF-6DC9-8A19-8126D6101250}"/>
-              </a:ext>
-            </a:extLst>
-          </p:cNvPr>
-          <p:cNvSpPr>
-            <a:spLocks noGrp="1"/>
-          </p:cNvSpPr>
-          <p:nvPr>
-            <p:ph idx="1"/>
-          </p:nvPr>
-        </p:nvSpPr>
-        <p:spPr/>
-        <p:txBody>
-          <a:bodyPr/>
-          <a:lstStyle/>
-          <a:p>
-            <a:endParaRPr lang="fr-BE"/>
+          <p:cNvPr id="5" name="ZoneTexte 4">
+            <a:extLst>
+              <a:ext uri="{FF2B5EF4-FFF2-40B4-BE49-F238E27FC236}">
+                <a16:creationId xmlns:a16="http://schemas.microsoft.com/office/drawing/2014/main" id="{0D14BDB3-3FA1-2195-6738-907DB7B692BA}"/>
+              </a:ext>
+            </a:extLst>
+          </p:cNvPr>
+          <p:cNvSpPr txBox="1"/>
+          <p:nvPr/>
+        </p:nvSpPr>
+        <p:spPr>
+          <a:xfrm>
+            <a:off x="3604232" y="306150"/>
+            <a:ext cx="4983536" cy="769441"/>
+          </a:xfrm>
+          <a:prstGeom prst="rect">
+            <a:avLst/>
+          </a:prstGeom>
+          <a:noFill/>
+        </p:spPr>
+        <p:txBody>
+          <a:bodyPr wrap="square">
+            <a:spAutoFit/>
+          </a:bodyPr>
+          <a:lstStyle/>
+          <a:p>
+            <a:r>
+              <a:rPr lang="fr-BE" sz="4400" b="1" u="sng" dirty="0">
+                <a:solidFill>
+                  <a:schemeClr val="accent1">
+                    <a:lumMod val="75000"/>
+                  </a:schemeClr>
+                </a:solidFill>
+              </a:rPr>
+              <a:t>Table des matières</a:t>
+            </a:r>
+          </a:p>
+        </p:txBody>
+      </p:sp>
+      <p:sp>
+        <p:nvSpPr>
+          <p:cNvPr id="10" name="TextBox 3">
+            <a:extLst>
+              <a:ext uri="{FF2B5EF4-FFF2-40B4-BE49-F238E27FC236}">
+                <a16:creationId xmlns:a16="http://schemas.microsoft.com/office/drawing/2014/main" id="{9CC4F8A1-373C-3CCF-B4B3-8A4B40253B23}"/>
+              </a:ext>
+            </a:extLst>
+          </p:cNvPr>
+          <p:cNvSpPr txBox="1"/>
+          <p:nvPr/>
+        </p:nvSpPr>
+        <p:spPr>
+          <a:xfrm>
+            <a:off x="914400" y="1371600"/>
+            <a:ext cx="11134330" cy="369332"/>
+          </a:xfrm>
+          <a:prstGeom prst="rect">
+            <a:avLst/>
+          </a:prstGeom>
+          <a:noFill/>
+        </p:spPr>
+        <p:txBody>
+          <a:bodyPr wrap="none">
+            <a:spAutoFit/>
+          </a:bodyPr>
+          <a:lstStyle/>
+          <a:p>
+            <a:r>
+              <a:rPr sz="1800" dirty="0">
+                <a:latin typeface="Calibri"/>
+              </a:rPr>
+              <a:t>- </a:t>
+            </a:r>
+            <a:r>
+              <a:rPr sz="1800" dirty="0" err="1">
+                <a:latin typeface="Calibri"/>
+              </a:rPr>
+              <a:t>Présentation</a:t>
+            </a:r>
+            <a:r>
+              <a:rPr sz="1800" dirty="0">
+                <a:latin typeface="Calibri"/>
+              </a:rPr>
+              <a:t>................</a:t>
+            </a:r>
+            <a:r>
+              <a:rPr lang="fr-FR" sz="1800" dirty="0">
+                <a:latin typeface="Calibri"/>
+              </a:rPr>
+              <a:t>.....................................................................................................................</a:t>
+            </a:r>
+            <a:r>
+              <a:rPr sz="1800" dirty="0">
+                <a:latin typeface="Calibri"/>
+              </a:rPr>
+              <a:t>................................ 3</a:t>
+            </a:r>
+          </a:p>
+        </p:txBody>
+      </p:sp>
+      <p:sp>
+        <p:nvSpPr>
+          <p:cNvPr id="11" name="TextBox 4">
+            <a:extLst>
+              <a:ext uri="{FF2B5EF4-FFF2-40B4-BE49-F238E27FC236}">
+                <a16:creationId xmlns:a16="http://schemas.microsoft.com/office/drawing/2014/main" id="{58862181-8394-5DD6-2181-F44FAD3DD49E}"/>
+              </a:ext>
+            </a:extLst>
+          </p:cNvPr>
+          <p:cNvSpPr txBox="1"/>
+          <p:nvPr/>
+        </p:nvSpPr>
+        <p:spPr>
+          <a:xfrm>
+            <a:off x="914400" y="1828800"/>
+            <a:ext cx="11109452" cy="369332"/>
+          </a:xfrm>
+          <a:prstGeom prst="rect">
+            <a:avLst/>
+          </a:prstGeom>
+          <a:noFill/>
+        </p:spPr>
+        <p:txBody>
+          <a:bodyPr wrap="none">
+            <a:spAutoFit/>
+          </a:bodyPr>
+          <a:lstStyle/>
+          <a:p>
+            <a:r>
+              <a:rPr sz="1800" dirty="0">
+                <a:latin typeface="Calibri"/>
+              </a:rPr>
+              <a:t>- Technologies </a:t>
+            </a:r>
+            <a:r>
+              <a:rPr sz="1800" dirty="0" err="1">
+                <a:latin typeface="Calibri"/>
+              </a:rPr>
+              <a:t>utilisées</a:t>
+            </a:r>
+            <a:r>
+              <a:rPr sz="1800" dirty="0">
+                <a:latin typeface="Calibri"/>
+              </a:rPr>
+              <a:t>.......................</a:t>
+            </a:r>
+            <a:r>
+              <a:rPr lang="fr-FR" sz="1800" dirty="0">
+                <a:latin typeface="Calibri"/>
+              </a:rPr>
+              <a:t>.....................................................................................................................</a:t>
+            </a:r>
+            <a:r>
+              <a:rPr sz="1800" dirty="0">
+                <a:latin typeface="Calibri"/>
+              </a:rPr>
+              <a:t>.......... 4</a:t>
+            </a:r>
+          </a:p>
+        </p:txBody>
+      </p:sp>
+      <p:sp>
+        <p:nvSpPr>
+          <p:cNvPr id="12" name="TextBox 5">
+            <a:extLst>
+              <a:ext uri="{FF2B5EF4-FFF2-40B4-BE49-F238E27FC236}">
+                <a16:creationId xmlns:a16="http://schemas.microsoft.com/office/drawing/2014/main" id="{0D092C6E-B075-F9FA-B57F-9027FBCC1FD4}"/>
+              </a:ext>
+            </a:extLst>
+          </p:cNvPr>
+          <p:cNvSpPr txBox="1"/>
+          <p:nvPr/>
+        </p:nvSpPr>
+        <p:spPr>
+          <a:xfrm>
+            <a:off x="914400" y="2286000"/>
+            <a:ext cx="11150488" cy="369332"/>
+          </a:xfrm>
+          <a:prstGeom prst="rect">
+            <a:avLst/>
+          </a:prstGeom>
+          <a:noFill/>
+        </p:spPr>
+        <p:txBody>
+          <a:bodyPr wrap="none">
+            <a:spAutoFit/>
+          </a:bodyPr>
+          <a:lstStyle/>
+          <a:p>
+            <a:r>
+              <a:rPr sz="1800" dirty="0">
+                <a:latin typeface="Calibri"/>
+              </a:rPr>
+              <a:t>- </a:t>
+            </a:r>
+            <a:r>
+              <a:rPr sz="1800" dirty="0" err="1">
+                <a:latin typeface="Calibri"/>
+              </a:rPr>
+              <a:t>Schéma</a:t>
+            </a:r>
+            <a:r>
+              <a:rPr sz="1800" dirty="0">
+                <a:latin typeface="Calibri"/>
+              </a:rPr>
+              <a:t> </a:t>
+            </a:r>
+            <a:r>
+              <a:rPr sz="1800" dirty="0" err="1">
+                <a:latin typeface="Calibri"/>
+              </a:rPr>
+              <a:t>Entité</a:t>
+            </a:r>
+            <a:r>
+              <a:rPr sz="1800" dirty="0">
+                <a:latin typeface="Calibri"/>
+              </a:rPr>
+              <a:t>-Association........</a:t>
+            </a:r>
+            <a:r>
+              <a:rPr lang="fr-FR" sz="1800" dirty="0">
+                <a:latin typeface="Calibri"/>
+              </a:rPr>
+              <a:t>...........................................................................................................</a:t>
+            </a:r>
+            <a:r>
+              <a:rPr sz="1800" dirty="0">
+                <a:latin typeface="Calibri"/>
+              </a:rPr>
+              <a:t>........................... 5</a:t>
+            </a:r>
+          </a:p>
+        </p:txBody>
+      </p:sp>
+      <p:sp>
+        <p:nvSpPr>
+          <p:cNvPr id="13" name="TextBox 6">
+            <a:extLst>
+              <a:ext uri="{FF2B5EF4-FFF2-40B4-BE49-F238E27FC236}">
+                <a16:creationId xmlns:a16="http://schemas.microsoft.com/office/drawing/2014/main" id="{B656E864-868E-860B-B69F-DC078D5BE0C6}"/>
+              </a:ext>
+            </a:extLst>
+          </p:cNvPr>
+          <p:cNvSpPr txBox="1"/>
+          <p:nvPr/>
+        </p:nvSpPr>
+        <p:spPr>
+          <a:xfrm>
+            <a:off x="914400" y="2743200"/>
+            <a:ext cx="11226728" cy="369332"/>
+          </a:xfrm>
+          <a:prstGeom prst="rect">
+            <a:avLst/>
+          </a:prstGeom>
+          <a:noFill/>
+        </p:spPr>
+        <p:txBody>
+          <a:bodyPr wrap="none">
+            <a:spAutoFit/>
+          </a:bodyPr>
+          <a:lstStyle/>
+          <a:p>
+            <a:r>
+              <a:rPr sz="1800" dirty="0">
+                <a:latin typeface="Calibri"/>
+              </a:rPr>
+              <a:t>- </a:t>
+            </a:r>
+            <a:r>
+              <a:rPr sz="1800" dirty="0" err="1">
+                <a:latin typeface="Calibri"/>
+              </a:rPr>
+              <a:t>Fonctionnalités</a:t>
+            </a:r>
+            <a:r>
+              <a:rPr sz="1800" dirty="0">
+                <a:latin typeface="Calibri"/>
+              </a:rPr>
+              <a:t> </a:t>
+            </a:r>
+            <a:r>
+              <a:rPr sz="1800" dirty="0" err="1">
+                <a:latin typeface="Calibri"/>
+              </a:rPr>
+              <a:t>développées</a:t>
+            </a:r>
+            <a:r>
+              <a:rPr sz="1800" dirty="0">
+                <a:latin typeface="Calibri"/>
+              </a:rPr>
+              <a:t>..............................</a:t>
+            </a:r>
+            <a:r>
+              <a:rPr lang="fr-FR" sz="1800" dirty="0">
+                <a:latin typeface="Calibri"/>
+              </a:rPr>
+              <a:t>...................................................................................................</a:t>
+            </a:r>
+            <a:r>
+              <a:rPr sz="1800" dirty="0">
+                <a:latin typeface="Calibri"/>
+              </a:rPr>
+              <a:t>... 6 à 12</a:t>
+            </a:r>
+          </a:p>
+        </p:txBody>
+      </p:sp>
+      <p:sp>
+        <p:nvSpPr>
+          <p:cNvPr id="14" name="TextBox 7">
+            <a:extLst>
+              <a:ext uri="{FF2B5EF4-FFF2-40B4-BE49-F238E27FC236}">
+                <a16:creationId xmlns:a16="http://schemas.microsoft.com/office/drawing/2014/main" id="{8A32F11E-3E75-74B6-6D09-1D569AFD14C6}"/>
+              </a:ext>
+            </a:extLst>
+          </p:cNvPr>
+          <p:cNvSpPr txBox="1"/>
+          <p:nvPr/>
+        </p:nvSpPr>
+        <p:spPr>
+          <a:xfrm>
+            <a:off x="914400" y="3287807"/>
+            <a:ext cx="11139396" cy="369332"/>
+          </a:xfrm>
+          <a:prstGeom prst="rect">
+            <a:avLst/>
+          </a:prstGeom>
+          <a:noFill/>
+        </p:spPr>
+        <p:txBody>
+          <a:bodyPr wrap="none">
+            <a:spAutoFit/>
+          </a:bodyPr>
+          <a:lstStyle/>
+          <a:p>
+            <a:r>
+              <a:rPr sz="1800" dirty="0">
+                <a:latin typeface="Calibri"/>
+              </a:rPr>
+              <a:t>- </a:t>
+            </a:r>
+            <a:r>
+              <a:rPr sz="1800" dirty="0" err="1">
+                <a:latin typeface="Calibri"/>
+              </a:rPr>
+              <a:t>Fonctionnalités</a:t>
+            </a:r>
+            <a:r>
+              <a:rPr sz="1800" dirty="0">
+                <a:latin typeface="Calibri"/>
+              </a:rPr>
+              <a:t> à </a:t>
+            </a:r>
+            <a:r>
+              <a:rPr sz="1800" dirty="0" err="1">
+                <a:latin typeface="Calibri"/>
+              </a:rPr>
+              <a:t>développer</a:t>
+            </a:r>
+            <a:r>
+              <a:rPr sz="1800" dirty="0">
+                <a:latin typeface="Calibri"/>
+              </a:rPr>
+              <a:t>..............................</a:t>
+            </a:r>
+            <a:r>
+              <a:rPr lang="fr-FR" sz="1800" dirty="0">
+                <a:latin typeface="Calibri"/>
+              </a:rPr>
+              <a:t>.........................................................................................................</a:t>
+            </a:r>
+            <a:r>
+              <a:rPr sz="1800" dirty="0">
+                <a:latin typeface="Calibri"/>
+              </a:rPr>
+              <a:t>.. 13</a:t>
+            </a:r>
           </a:p>
         </p:txBody>
       </p:sp>
@@ -3612,10 +4866,10 @@
       </p:grpSpPr>
       <p:sp>
         <p:nvSpPr>
-          <p:cNvPr id="5" name="ZoneTexte 4">
-            <a:extLst>
-              <a:ext uri="{FF2B5EF4-FFF2-40B4-BE49-F238E27FC236}">
-                <a16:creationId xmlns:a16="http://schemas.microsoft.com/office/drawing/2014/main" id="{51274E2C-FB37-57FE-F48B-29612897FC1A}"/>
+          <p:cNvPr id="2" name="ZoneTexte 1">
+            <a:extLst>
+              <a:ext uri="{FF2B5EF4-FFF2-40B4-BE49-F238E27FC236}">
+                <a16:creationId xmlns:a16="http://schemas.microsoft.com/office/drawing/2014/main" id="{47799903-97A5-A616-0A6A-0DC1558DF555}"/>
               </a:ext>
             </a:extLst>
           </p:cNvPr>
@@ -3624,8 +4878,8 @@
         </p:nvSpPr>
         <p:spPr>
           <a:xfrm>
-            <a:off x="372604" y="1617980"/>
-            <a:ext cx="9208425" cy="1200329"/>
+            <a:off x="4358178" y="285980"/>
+            <a:ext cx="3475644" cy="769441"/>
           </a:xfrm>
           <a:prstGeom prst="rect">
             <a:avLst/>
@@ -3639,37 +4893,151 @@
           <a:lstStyle/>
           <a:p>
             <a:r>
+              <a:rPr lang="fr-FR" sz="4400" b="1" u="sng" dirty="0">
+                <a:solidFill>
+                  <a:schemeClr val="accent1">
+                    <a:lumMod val="75000"/>
+                  </a:schemeClr>
+                </a:solidFill>
+              </a:rPr>
+              <a:t>Présentation</a:t>
+            </a:r>
+            <a:endParaRPr lang="fr-BE" sz="4400" b="1" u="sng" dirty="0">
+              <a:solidFill>
+                <a:schemeClr val="accent1">
+                  <a:lumMod val="75000"/>
+                </a:schemeClr>
+              </a:solidFill>
+            </a:endParaRPr>
+          </a:p>
+        </p:txBody>
+      </p:sp>
+      <p:sp>
+        <p:nvSpPr>
+          <p:cNvPr id="4" name="ZoneTexte 3">
+            <a:extLst>
+              <a:ext uri="{FF2B5EF4-FFF2-40B4-BE49-F238E27FC236}">
+                <a16:creationId xmlns:a16="http://schemas.microsoft.com/office/drawing/2014/main" id="{27B657E5-954F-CB86-E646-B31A79E5FEED}"/>
+              </a:ext>
+            </a:extLst>
+          </p:cNvPr>
+          <p:cNvSpPr txBox="1"/>
+          <p:nvPr/>
+        </p:nvSpPr>
+        <p:spPr>
+          <a:xfrm>
+            <a:off x="843033" y="1346964"/>
+            <a:ext cx="6990789" cy="646331"/>
+          </a:xfrm>
+          <a:prstGeom prst="rect">
+            <a:avLst/>
+          </a:prstGeom>
+          <a:noFill/>
+        </p:spPr>
+        <p:txBody>
+          <a:bodyPr wrap="square">
+            <a:spAutoFit/>
+          </a:bodyPr>
+          <a:lstStyle/>
+          <a:p>
+            <a:pPr>
+              <a:buNone/>
+            </a:pPr>
+            <a:r>
+              <a:rPr lang="fr-FR" b="1" dirty="0"/>
+              <a:t>Développeur passionné :</a:t>
+            </a:r>
+            <a:endParaRPr lang="fr-FR" dirty="0"/>
+          </a:p>
+          <a:p>
+            <a:r>
               <a:rPr lang="fr-FR" dirty="0"/>
-              <a:t>-Développeur passionné avec une affinité particulière pour les technologies telles que .NET, C#, Java et les </a:t>
-            </a:r>
-            <a:r>
-              <a:rPr lang="fr-FR" dirty="0" err="1"/>
-              <a:t>frameworks</a:t>
-            </a:r>
+              <a:t>Affinité particulière pour les technologies : </a:t>
+            </a:r>
+            <a:r>
+              <a:rPr lang="fr-FR" b="1" dirty="0"/>
+              <a:t>Java, Spring, C#, .NET</a:t>
+            </a:r>
+            <a:endParaRPr lang="fr-FR" dirty="0"/>
+          </a:p>
+        </p:txBody>
+      </p:sp>
+      <p:sp>
+        <p:nvSpPr>
+          <p:cNvPr id="7" name="ZoneTexte 6">
+            <a:extLst>
+              <a:ext uri="{FF2B5EF4-FFF2-40B4-BE49-F238E27FC236}">
+                <a16:creationId xmlns:a16="http://schemas.microsoft.com/office/drawing/2014/main" id="{CB0C9B7D-7DC6-498E-A20D-F538B645ECF9}"/>
+              </a:ext>
+            </a:extLst>
+          </p:cNvPr>
+          <p:cNvSpPr txBox="1"/>
+          <p:nvPr/>
+        </p:nvSpPr>
+        <p:spPr>
+          <a:xfrm>
+            <a:off x="843032" y="2286924"/>
+            <a:ext cx="9208425" cy="1754326"/>
+          </a:xfrm>
+          <a:prstGeom prst="rect">
+            <a:avLst/>
+          </a:prstGeom>
+          <a:noFill/>
+        </p:spPr>
+        <p:txBody>
+          <a:bodyPr wrap="square">
+            <a:spAutoFit/>
+          </a:bodyPr>
+          <a:lstStyle/>
+          <a:p>
+            <a:pPr>
+              <a:buNone/>
+            </a:pPr>
+            <a:r>
+              <a:rPr lang="fr-FR" b="1" dirty="0"/>
+              <a:t>Parcours académique :</a:t>
+            </a:r>
+            <a:endParaRPr lang="fr-FR" dirty="0"/>
+          </a:p>
+          <a:p>
             <a:r>
               <a:rPr lang="fr-FR" dirty="0"/>
-              <a:t> comme Spring.</a:t>
-            </a:r>
-          </a:p>
-          <a:p>
+              <a:t>Étudiant en cours du soir en Promotion social </a:t>
+            </a:r>
+            <a:r>
+              <a:rPr lang="fr-FR" b="1" dirty="0"/>
+              <a:t>Informatique de gestion</a:t>
+            </a:r>
             <a:r>
               <a:rPr lang="fr-FR" dirty="0"/>
-              <a:t>-Étudiant en cours du soir en Informatique de gestion aux Arts et Métiers</a:t>
-            </a:r>
+              <a:t> aux </a:t>
+            </a:r>
+            <a:r>
+              <a:rPr lang="fr-FR" b="1" dirty="0"/>
+              <a:t>Arts et Métiers de La Louvière</a:t>
+            </a:r>
+          </a:p>
+          <a:p>
+            <a:endParaRPr lang="fr-FR" dirty="0"/>
           </a:p>
           <a:p>
             <a:r>
               <a:rPr lang="fr-FR" dirty="0"/>
-              <a:t>-En formation complémentaire chez </a:t>
-            </a:r>
-            <a:r>
-              <a:rPr lang="fr-FR" dirty="0" err="1"/>
+              <a:t>En formation complémentaire chez </a:t>
+            </a:r>
+            <a:r>
+              <a:rPr lang="fr-FR" b="1" dirty="0" err="1"/>
               <a:t>Technofuturtic</a:t>
             </a:r>
             <a:r>
               <a:rPr lang="fr-FR" dirty="0"/>
-              <a:t> en Développement .NET DevOps</a:t>
-            </a:r>
+              <a:t> en </a:t>
+            </a:r>
+            <a:r>
+              <a:rPr lang="fr-FR" b="1" dirty="0"/>
+              <a:t>Développement .NET DevOps et Développement .NET  en cybersécurité</a:t>
+            </a:r>
+            <a:endParaRPr lang="fr-FR" dirty="0"/>
           </a:p>
         </p:txBody>
       </p:sp>
@@ -3677,6 +5045,1285 @@
     <p:extLst>
       <p:ext uri="{BB962C8B-B14F-4D97-AF65-F5344CB8AC3E}">
         <p14:creationId xmlns:p14="http://schemas.microsoft.com/office/powerpoint/2010/main" val="3185827354"/>
+      </p:ext>
+    </p:extLst>
+  </p:cSld>
+  <p:clrMapOvr>
+    <a:masterClrMapping/>
+  </p:clrMapOvr>
+</p:sld>
+</file>
+
+<file path=ppt/slides/slide4.xml><?xml version="1.0" encoding="utf-8"?>
+<p:sld xmlns:a="http://schemas.openxmlformats.org/drawingml/2006/main" xmlns:r="http://schemas.openxmlformats.org/officeDocument/2006/relationships" xmlns:p="http://schemas.openxmlformats.org/presentationml/2006/main">
+  <p:cSld>
+    <p:spTree>
+      <p:nvGrpSpPr>
+        <p:cNvPr id="1" name=""/>
+        <p:cNvGrpSpPr/>
+        <p:nvPr/>
+      </p:nvGrpSpPr>
+      <p:grpSpPr>
+        <a:xfrm>
+          <a:off x="0" y="0"/>
+          <a:ext cx="0" cy="0"/>
+          <a:chOff x="0" y="0"/>
+          <a:chExt cx="0" cy="0"/>
+        </a:xfrm>
+      </p:grpSpPr>
+      <p:sp>
+        <p:nvSpPr>
+          <p:cNvPr id="4" name="ZoneTexte 3">
+            <a:extLst>
+              <a:ext uri="{FF2B5EF4-FFF2-40B4-BE49-F238E27FC236}">
+                <a16:creationId xmlns:a16="http://schemas.microsoft.com/office/drawing/2014/main" id="{8CAABC8F-CD70-D87F-B234-CA1D0B38533E}"/>
+              </a:ext>
+            </a:extLst>
+          </p:cNvPr>
+          <p:cNvSpPr txBox="1"/>
+          <p:nvPr/>
+        </p:nvSpPr>
+        <p:spPr>
+          <a:xfrm>
+            <a:off x="4109862" y="259086"/>
+            <a:ext cx="3972275" cy="769441"/>
+          </a:xfrm>
+          <a:prstGeom prst="rect">
+            <a:avLst/>
+          </a:prstGeom>
+          <a:noFill/>
+        </p:spPr>
+        <p:txBody>
+          <a:bodyPr wrap="square">
+            <a:spAutoFit/>
+          </a:bodyPr>
+          <a:lstStyle/>
+          <a:p>
+            <a:r>
+              <a:rPr lang="fr-FR" sz="4400" b="1" u="sng" dirty="0">
+                <a:solidFill>
+                  <a:schemeClr val="accent1">
+                    <a:lumMod val="75000"/>
+                  </a:schemeClr>
+                </a:solidFill>
+              </a:rPr>
+              <a:t>Technologies</a:t>
+            </a:r>
+            <a:endParaRPr lang="fr-BE" sz="4400" b="1" u="sng" dirty="0">
+              <a:solidFill>
+                <a:schemeClr val="accent1">
+                  <a:lumMod val="75000"/>
+                </a:schemeClr>
+              </a:solidFill>
+            </a:endParaRPr>
+          </a:p>
+        </p:txBody>
+      </p:sp>
+      <p:sp>
+        <p:nvSpPr>
+          <p:cNvPr id="5" name="ZoneTexte 4">
+            <a:extLst>
+              <a:ext uri="{FF2B5EF4-FFF2-40B4-BE49-F238E27FC236}">
+                <a16:creationId xmlns:a16="http://schemas.microsoft.com/office/drawing/2014/main" id="{10C82B88-837F-023A-DE89-DC265FF00EBC}"/>
+              </a:ext>
+            </a:extLst>
+          </p:cNvPr>
+          <p:cNvSpPr txBox="1"/>
+          <p:nvPr/>
+        </p:nvSpPr>
+        <p:spPr>
+          <a:xfrm>
+            <a:off x="1156447" y="1951672"/>
+            <a:ext cx="2398285" cy="1477328"/>
+          </a:xfrm>
+          <a:prstGeom prst="rect">
+            <a:avLst/>
+          </a:prstGeom>
+          <a:noFill/>
+        </p:spPr>
+        <p:txBody>
+          <a:bodyPr wrap="none" rtlCol="0">
+            <a:spAutoFit/>
+          </a:bodyPr>
+          <a:lstStyle/>
+          <a:p>
+            <a:r>
+              <a:rPr lang="fr-FR" b="1" u="sng" dirty="0" err="1"/>
+              <a:t>Back-end</a:t>
+            </a:r>
+            <a:r>
+              <a:rPr lang="fr-FR" b="1" u="sng" dirty="0"/>
+              <a:t> : </a:t>
+            </a:r>
+          </a:p>
+          <a:p>
+            <a:endParaRPr lang="fr-FR" dirty="0"/>
+          </a:p>
+          <a:p>
+            <a:r>
+              <a:rPr lang="fr-FR" dirty="0"/>
+              <a:t>Asp.net </a:t>
+            </a:r>
+            <a:r>
+              <a:rPr lang="fr-FR" dirty="0" err="1"/>
+              <a:t>core</a:t>
+            </a:r>
+            <a:r>
+              <a:rPr lang="fr-FR" dirty="0"/>
+              <a:t> Web Api</a:t>
+            </a:r>
+          </a:p>
+          <a:p>
+            <a:r>
+              <a:rPr lang="fr-FR" dirty="0" err="1"/>
+              <a:t>Entity</a:t>
+            </a:r>
+            <a:r>
+              <a:rPr lang="fr-FR" dirty="0"/>
+              <a:t> Framework </a:t>
+            </a:r>
+            <a:r>
+              <a:rPr lang="fr-FR" dirty="0" err="1"/>
+              <a:t>core</a:t>
+            </a:r>
+            <a:endParaRPr lang="fr-FR" dirty="0"/>
+          </a:p>
+          <a:p>
+            <a:endParaRPr lang="fr-BE" dirty="0"/>
+          </a:p>
+        </p:txBody>
+      </p:sp>
+      <p:sp>
+        <p:nvSpPr>
+          <p:cNvPr id="6" name="ZoneTexte 5">
+            <a:extLst>
+              <a:ext uri="{FF2B5EF4-FFF2-40B4-BE49-F238E27FC236}">
+                <a16:creationId xmlns:a16="http://schemas.microsoft.com/office/drawing/2014/main" id="{2685A56E-56B4-1CF4-893B-635241EDE13B}"/>
+              </a:ext>
+            </a:extLst>
+          </p:cNvPr>
+          <p:cNvSpPr txBox="1"/>
+          <p:nvPr/>
+        </p:nvSpPr>
+        <p:spPr>
+          <a:xfrm>
+            <a:off x="8451476" y="1951672"/>
+            <a:ext cx="1326069" cy="923330"/>
+          </a:xfrm>
+          <a:prstGeom prst="rect">
+            <a:avLst/>
+          </a:prstGeom>
+          <a:noFill/>
+        </p:spPr>
+        <p:txBody>
+          <a:bodyPr wrap="none" rtlCol="0">
+            <a:spAutoFit/>
+          </a:bodyPr>
+          <a:lstStyle/>
+          <a:p>
+            <a:r>
+              <a:rPr lang="fr-FR" b="1" u="sng" dirty="0" err="1"/>
+              <a:t>Front-end</a:t>
+            </a:r>
+            <a:r>
+              <a:rPr lang="fr-FR" b="1" u="sng" dirty="0"/>
+              <a:t> :</a:t>
+            </a:r>
+          </a:p>
+          <a:p>
+            <a:endParaRPr lang="fr-FR" dirty="0"/>
+          </a:p>
+          <a:p>
+            <a:r>
+              <a:rPr lang="fr-FR" dirty="0" err="1"/>
+              <a:t>Blazor</a:t>
+            </a:r>
+            <a:endParaRPr lang="fr-BE" dirty="0"/>
+          </a:p>
+        </p:txBody>
+      </p:sp>
+      <p:sp>
+        <p:nvSpPr>
+          <p:cNvPr id="7" name="ZoneTexte 6">
+            <a:extLst>
+              <a:ext uri="{FF2B5EF4-FFF2-40B4-BE49-F238E27FC236}">
+                <a16:creationId xmlns:a16="http://schemas.microsoft.com/office/drawing/2014/main" id="{E0C362D9-C2D8-FE10-14AC-D0E7E6DCD776}"/>
+              </a:ext>
+            </a:extLst>
+          </p:cNvPr>
+          <p:cNvSpPr txBox="1"/>
+          <p:nvPr/>
+        </p:nvSpPr>
+        <p:spPr>
+          <a:xfrm>
+            <a:off x="3472642" y="3982999"/>
+            <a:ext cx="5421421" cy="646331"/>
+          </a:xfrm>
+          <a:prstGeom prst="rect">
+            <a:avLst/>
+          </a:prstGeom>
+          <a:noFill/>
+        </p:spPr>
+        <p:txBody>
+          <a:bodyPr wrap="none" rtlCol="0">
+            <a:spAutoFit/>
+          </a:bodyPr>
+          <a:lstStyle/>
+          <a:p>
+            <a:r>
+              <a:rPr lang="fr-FR" b="1" u="sng" dirty="0"/>
+              <a:t>Architecture :</a:t>
+            </a:r>
+          </a:p>
+          <a:p>
+            <a:r>
+              <a:rPr lang="fr-BE" dirty="0"/>
+              <a:t>Architecture à trois couches (</a:t>
+            </a:r>
+            <a:r>
+              <a:rPr lang="fr-BE" dirty="0" err="1"/>
+              <a:t>Three</a:t>
+            </a:r>
+            <a:r>
+              <a:rPr lang="fr-BE" dirty="0"/>
+              <a:t>-Tier Architecture)</a:t>
+            </a:r>
+            <a:endParaRPr lang="fr-BE" b="1" u="sng" dirty="0"/>
+          </a:p>
+        </p:txBody>
+      </p:sp>
+    </p:spTree>
+    <p:extLst>
+      <p:ext uri="{BB962C8B-B14F-4D97-AF65-F5344CB8AC3E}">
+        <p14:creationId xmlns:p14="http://schemas.microsoft.com/office/powerpoint/2010/main" val="2586019543"/>
+      </p:ext>
+    </p:extLst>
+  </p:cSld>
+  <p:clrMapOvr>
+    <a:masterClrMapping/>
+  </p:clrMapOvr>
+</p:sld>
+</file>
+
+<file path=ppt/slides/slide5.xml><?xml version="1.0" encoding="utf-8"?>
+<p:sld xmlns:a="http://schemas.openxmlformats.org/drawingml/2006/main" xmlns:r="http://schemas.openxmlformats.org/officeDocument/2006/relationships" xmlns:p="http://schemas.openxmlformats.org/presentationml/2006/main">
+  <p:cSld>
+    <p:spTree>
+      <p:nvGrpSpPr>
+        <p:cNvPr id="1" name=""/>
+        <p:cNvGrpSpPr/>
+        <p:nvPr/>
+      </p:nvGrpSpPr>
+      <p:grpSpPr>
+        <a:xfrm>
+          <a:off x="0" y="0"/>
+          <a:ext cx="0" cy="0"/>
+          <a:chOff x="0" y="0"/>
+          <a:chExt cx="0" cy="0"/>
+        </a:xfrm>
+      </p:grpSpPr>
+      <p:sp>
+        <p:nvSpPr>
+          <p:cNvPr id="4" name="ZoneTexte 3">
+            <a:extLst>
+              <a:ext uri="{FF2B5EF4-FFF2-40B4-BE49-F238E27FC236}">
+                <a16:creationId xmlns:a16="http://schemas.microsoft.com/office/drawing/2014/main" id="{12885B2C-4BB4-979F-48F0-96B7ADE37AEE}"/>
+              </a:ext>
+            </a:extLst>
+          </p:cNvPr>
+          <p:cNvSpPr txBox="1"/>
+          <p:nvPr/>
+        </p:nvSpPr>
+        <p:spPr>
+          <a:xfrm>
+            <a:off x="2591643" y="262218"/>
+            <a:ext cx="7008714" cy="769441"/>
+          </a:xfrm>
+          <a:prstGeom prst="rect">
+            <a:avLst/>
+          </a:prstGeom>
+          <a:noFill/>
+        </p:spPr>
+        <p:txBody>
+          <a:bodyPr wrap="none" rtlCol="0">
+            <a:spAutoFit/>
+          </a:bodyPr>
+          <a:lstStyle/>
+          <a:p>
+            <a:r>
+              <a:rPr lang="fr-BE" sz="4400" b="1" u="sng" dirty="0">
+                <a:solidFill>
+                  <a:schemeClr val="accent1">
+                    <a:lumMod val="75000"/>
+                  </a:schemeClr>
+                </a:solidFill>
+              </a:rPr>
+              <a:t>Schéma entité association</a:t>
+            </a:r>
+          </a:p>
+        </p:txBody>
+      </p:sp>
+      <p:pic>
+        <p:nvPicPr>
+          <p:cNvPr id="6" name="Image 5" descr="Une image contenant texte, diagramme, capture d’écran, Plan&#10;&#10;Le contenu généré par l’IA peut être incorrect.">
+            <a:extLst>
+              <a:ext uri="{FF2B5EF4-FFF2-40B4-BE49-F238E27FC236}">
+                <a16:creationId xmlns:a16="http://schemas.microsoft.com/office/drawing/2014/main" id="{B9930978-F01B-845A-C301-D6172FE979E1}"/>
+              </a:ext>
+            </a:extLst>
+          </p:cNvPr>
+          <p:cNvPicPr>
+            <a:picLocks noChangeAspect="1"/>
+          </p:cNvPicPr>
+          <p:nvPr/>
+        </p:nvPicPr>
+        <p:blipFill>
+          <a:blip r:embed="rId2">
+            <a:extLst>
+              <a:ext uri="{28A0092B-C50C-407E-A947-70E740481C1C}">
+                <a14:useLocalDpi xmlns:a14="http://schemas.microsoft.com/office/drawing/2010/main" val="0"/>
+              </a:ext>
+            </a:extLst>
+          </a:blip>
+          <a:stretch>
+            <a:fillRect/>
+          </a:stretch>
+        </p:blipFill>
+        <p:spPr>
+          <a:xfrm>
+            <a:off x="2591643" y="1207827"/>
+            <a:ext cx="6448791" cy="5274571"/>
+          </a:xfrm>
+          <a:prstGeom prst="rect">
+            <a:avLst/>
+          </a:prstGeom>
+        </p:spPr>
+      </p:pic>
+    </p:spTree>
+    <p:extLst>
+      <p:ext uri="{BB962C8B-B14F-4D97-AF65-F5344CB8AC3E}">
+        <p14:creationId xmlns:p14="http://schemas.microsoft.com/office/powerpoint/2010/main" val="1504743319"/>
+      </p:ext>
+    </p:extLst>
+  </p:cSld>
+  <p:clrMapOvr>
+    <a:masterClrMapping/>
+  </p:clrMapOvr>
+</p:sld>
+</file>
+
+<file path=ppt/slides/slide6.xml><?xml version="1.0" encoding="utf-8"?>
+<p:sld xmlns:a="http://schemas.openxmlformats.org/drawingml/2006/main" xmlns:r="http://schemas.openxmlformats.org/officeDocument/2006/relationships" xmlns:p="http://schemas.openxmlformats.org/presentationml/2006/main">
+  <p:cSld>
+    <p:spTree>
+      <p:nvGrpSpPr>
+        <p:cNvPr id="1" name=""/>
+        <p:cNvGrpSpPr/>
+        <p:nvPr/>
+      </p:nvGrpSpPr>
+      <p:grpSpPr>
+        <a:xfrm>
+          <a:off x="0" y="0"/>
+          <a:ext cx="0" cy="0"/>
+          <a:chOff x="0" y="0"/>
+          <a:chExt cx="0" cy="0"/>
+        </a:xfrm>
+      </p:grpSpPr>
+      <p:sp>
+        <p:nvSpPr>
+          <p:cNvPr id="4" name="ZoneTexte 3">
+            <a:extLst>
+              <a:ext uri="{FF2B5EF4-FFF2-40B4-BE49-F238E27FC236}">
+                <a16:creationId xmlns:a16="http://schemas.microsoft.com/office/drawing/2014/main" id="{1CA59076-59C4-8105-EE78-86489F7ED804}"/>
+              </a:ext>
+            </a:extLst>
+          </p:cNvPr>
+          <p:cNvSpPr txBox="1"/>
+          <p:nvPr/>
+        </p:nvSpPr>
+        <p:spPr>
+          <a:xfrm>
+            <a:off x="3825919" y="238213"/>
+            <a:ext cx="4540162" cy="769441"/>
+          </a:xfrm>
+          <a:prstGeom prst="rect">
+            <a:avLst/>
+          </a:prstGeom>
+          <a:noFill/>
+        </p:spPr>
+        <p:txBody>
+          <a:bodyPr wrap="square">
+            <a:spAutoFit/>
+          </a:bodyPr>
+          <a:lstStyle/>
+          <a:p>
+            <a:r>
+              <a:rPr lang="fr-FR" sz="4400" b="1" u="sng" dirty="0">
+                <a:solidFill>
+                  <a:schemeClr val="accent1">
+                    <a:lumMod val="75000"/>
+                  </a:schemeClr>
+                </a:solidFill>
+              </a:rPr>
+              <a:t>Fonctionnalités</a:t>
+            </a:r>
+            <a:endParaRPr lang="fr-BE" sz="4400" b="1" u="sng" dirty="0">
+              <a:solidFill>
+                <a:schemeClr val="accent1">
+                  <a:lumMod val="75000"/>
+                </a:schemeClr>
+              </a:solidFill>
+            </a:endParaRPr>
+          </a:p>
+        </p:txBody>
+      </p:sp>
+      <p:pic>
+        <p:nvPicPr>
+          <p:cNvPr id="6" name="Image 5" descr="Une image contenant croquis, dessin, diagramme, ligne&#10;&#10;Le contenu généré par l’IA peut être incorrect.">
+            <a:extLst>
+              <a:ext uri="{FF2B5EF4-FFF2-40B4-BE49-F238E27FC236}">
+                <a16:creationId xmlns:a16="http://schemas.microsoft.com/office/drawing/2014/main" id="{05E90B47-776D-9C0C-5D87-5F0366FC543D}"/>
+              </a:ext>
+            </a:extLst>
+          </p:cNvPr>
+          <p:cNvPicPr>
+            <a:picLocks noChangeAspect="1"/>
+          </p:cNvPicPr>
+          <p:nvPr/>
+        </p:nvPicPr>
+        <p:blipFill>
+          <a:blip r:embed="rId2">
+            <a:extLst>
+              <a:ext uri="{28A0092B-C50C-407E-A947-70E740481C1C}">
+                <a14:useLocalDpi xmlns:a14="http://schemas.microsoft.com/office/drawing/2010/main" val="0"/>
+              </a:ext>
+            </a:extLst>
+          </a:blip>
+          <a:stretch>
+            <a:fillRect/>
+          </a:stretch>
+        </p:blipFill>
+        <p:spPr>
+          <a:xfrm>
+            <a:off x="761180" y="1317009"/>
+            <a:ext cx="5170779" cy="4858603"/>
+          </a:xfrm>
+          <a:prstGeom prst="rect">
+            <a:avLst/>
+          </a:prstGeom>
+        </p:spPr>
+      </p:pic>
+      <p:sp>
+        <p:nvSpPr>
+          <p:cNvPr id="8" name="ZoneTexte 7">
+            <a:extLst>
+              <a:ext uri="{FF2B5EF4-FFF2-40B4-BE49-F238E27FC236}">
+                <a16:creationId xmlns:a16="http://schemas.microsoft.com/office/drawing/2014/main" id="{E5DB0FA4-6CC6-A63D-B773-757BB8C4CB63}"/>
+              </a:ext>
+            </a:extLst>
+          </p:cNvPr>
+          <p:cNvSpPr txBox="1"/>
+          <p:nvPr/>
+        </p:nvSpPr>
+        <p:spPr>
+          <a:xfrm>
+            <a:off x="6675120" y="1493003"/>
+            <a:ext cx="6096000" cy="3567195"/>
+          </a:xfrm>
+          <a:prstGeom prst="rect">
+            <a:avLst/>
+          </a:prstGeom>
+          <a:noFill/>
+        </p:spPr>
+        <p:txBody>
+          <a:bodyPr wrap="square">
+            <a:spAutoFit/>
+          </a:bodyPr>
+          <a:lstStyle/>
+          <a:p>
+            <a:pPr>
+              <a:lnSpc>
+                <a:spcPct val="107000"/>
+              </a:lnSpc>
+              <a:spcAft>
+                <a:spcPts val="800"/>
+              </a:spcAft>
+              <a:buNone/>
+            </a:pPr>
+            <a:r>
+              <a:rPr lang="fr-BE" sz="1800" b="1" u="sng" dirty="0">
+                <a:effectLst/>
+                <a:latin typeface="Calibri" panose="020F0502020204030204" pitchFamily="34" charset="0"/>
+                <a:ea typeface="Calibri" panose="020F0502020204030204" pitchFamily="34" charset="0"/>
+                <a:cs typeface="Times New Roman" panose="02020603050405020304" pitchFamily="18" charset="0"/>
+              </a:rPr>
+              <a:t>Priorité : </a:t>
+            </a:r>
+            <a:endParaRPr lang="fr-BE" sz="1800" dirty="0">
+              <a:effectLst/>
+              <a:latin typeface="Calibri" panose="020F0502020204030204" pitchFamily="34" charset="0"/>
+              <a:ea typeface="Calibri" panose="020F0502020204030204" pitchFamily="34" charset="0"/>
+              <a:cs typeface="Times New Roman" panose="02020603050405020304" pitchFamily="18" charset="0"/>
+            </a:endParaRPr>
+          </a:p>
+          <a:p>
+            <a:pPr>
+              <a:lnSpc>
+                <a:spcPct val="107000"/>
+              </a:lnSpc>
+              <a:spcAft>
+                <a:spcPts val="800"/>
+              </a:spcAft>
+              <a:buNone/>
+            </a:pPr>
+            <a:r>
+              <a:rPr lang="fr-BE" sz="1800" dirty="0">
+                <a:effectLst/>
+                <a:latin typeface="Calibri" panose="020F0502020204030204" pitchFamily="34" charset="0"/>
+                <a:ea typeface="Calibri" panose="020F0502020204030204" pitchFamily="34" charset="0"/>
+                <a:cs typeface="Times New Roman" panose="02020603050405020304" pitchFamily="18" charset="0"/>
+              </a:rPr>
+              <a:t>1.Creer compte</a:t>
+            </a:r>
+          </a:p>
+          <a:p>
+            <a:pPr>
+              <a:lnSpc>
+                <a:spcPct val="107000"/>
+              </a:lnSpc>
+              <a:spcAft>
+                <a:spcPts val="800"/>
+              </a:spcAft>
+              <a:buNone/>
+            </a:pPr>
+            <a:r>
+              <a:rPr lang="fr-BE" sz="1800" dirty="0">
+                <a:effectLst/>
+                <a:latin typeface="Calibri" panose="020F0502020204030204" pitchFamily="34" charset="0"/>
+                <a:ea typeface="Calibri" panose="020F0502020204030204" pitchFamily="34" charset="0"/>
+                <a:cs typeface="Times New Roman" panose="02020603050405020304" pitchFamily="18" charset="0"/>
+              </a:rPr>
+              <a:t>2.Se connecter</a:t>
+            </a:r>
+          </a:p>
+          <a:p>
+            <a:pPr>
+              <a:lnSpc>
+                <a:spcPct val="107000"/>
+              </a:lnSpc>
+              <a:spcAft>
+                <a:spcPts val="800"/>
+              </a:spcAft>
+              <a:buNone/>
+            </a:pPr>
+            <a:r>
+              <a:rPr lang="fr-BE" sz="1800" dirty="0">
+                <a:effectLst/>
+                <a:latin typeface="Calibri" panose="020F0502020204030204" pitchFamily="34" charset="0"/>
+                <a:ea typeface="Calibri" panose="020F0502020204030204" pitchFamily="34" charset="0"/>
+                <a:cs typeface="Times New Roman" panose="02020603050405020304" pitchFamily="18" charset="0"/>
+              </a:rPr>
+              <a:t>3.Gerer utilisateur</a:t>
+            </a:r>
+          </a:p>
+          <a:p>
+            <a:pPr>
+              <a:lnSpc>
+                <a:spcPct val="107000"/>
+              </a:lnSpc>
+              <a:spcAft>
+                <a:spcPts val="800"/>
+              </a:spcAft>
+              <a:buNone/>
+            </a:pPr>
+            <a:r>
+              <a:rPr lang="fr-BE" sz="1800" dirty="0">
+                <a:effectLst/>
+                <a:latin typeface="Calibri" panose="020F0502020204030204" pitchFamily="34" charset="0"/>
+                <a:ea typeface="Calibri" panose="020F0502020204030204" pitchFamily="34" charset="0"/>
+                <a:cs typeface="Times New Roman" panose="02020603050405020304" pitchFamily="18" charset="0"/>
+              </a:rPr>
+              <a:t>4.Gerer disponibilité </a:t>
+            </a:r>
+          </a:p>
+          <a:p>
+            <a:pPr>
+              <a:lnSpc>
+                <a:spcPct val="107000"/>
+              </a:lnSpc>
+              <a:spcAft>
+                <a:spcPts val="800"/>
+              </a:spcAft>
+              <a:buNone/>
+            </a:pPr>
+            <a:r>
+              <a:rPr lang="fr-BE" sz="1800" dirty="0">
+                <a:effectLst/>
+                <a:latin typeface="Calibri" panose="020F0502020204030204" pitchFamily="34" charset="0"/>
+                <a:ea typeface="Calibri" panose="020F0502020204030204" pitchFamily="34" charset="0"/>
+                <a:cs typeface="Times New Roman" panose="02020603050405020304" pitchFamily="18" charset="0"/>
+              </a:rPr>
+              <a:t>5.Gerer raid</a:t>
+            </a:r>
+          </a:p>
+          <a:p>
+            <a:pPr>
+              <a:lnSpc>
+                <a:spcPct val="107000"/>
+              </a:lnSpc>
+              <a:spcAft>
+                <a:spcPts val="800"/>
+              </a:spcAft>
+              <a:buNone/>
+            </a:pPr>
+            <a:r>
+              <a:rPr lang="fr-BE" sz="1800" dirty="0">
+                <a:effectLst/>
+                <a:latin typeface="Calibri" panose="020F0502020204030204" pitchFamily="34" charset="0"/>
+                <a:ea typeface="Calibri" panose="020F0502020204030204" pitchFamily="34" charset="0"/>
+                <a:cs typeface="Times New Roman" panose="02020603050405020304" pitchFamily="18" charset="0"/>
+              </a:rPr>
+              <a:t>6.Gerer stratégie</a:t>
+            </a:r>
+          </a:p>
+          <a:p>
+            <a:pPr>
+              <a:lnSpc>
+                <a:spcPct val="107000"/>
+              </a:lnSpc>
+              <a:spcAft>
+                <a:spcPts val="800"/>
+              </a:spcAft>
+              <a:buNone/>
+            </a:pPr>
+            <a:r>
+              <a:rPr lang="fr-BE" sz="1800" dirty="0">
+                <a:effectLst/>
+                <a:latin typeface="Calibri" panose="020F0502020204030204" pitchFamily="34" charset="0"/>
+                <a:ea typeface="Calibri" panose="020F0502020204030204" pitchFamily="34" charset="0"/>
+                <a:cs typeface="Times New Roman" panose="02020603050405020304" pitchFamily="18" charset="0"/>
+              </a:rPr>
+              <a:t>7.Recevoir notification </a:t>
+            </a:r>
+          </a:p>
+          <a:p>
+            <a:pPr>
+              <a:lnSpc>
+                <a:spcPct val="107000"/>
+              </a:lnSpc>
+              <a:spcAft>
+                <a:spcPts val="800"/>
+              </a:spcAft>
+            </a:pPr>
+            <a:r>
+              <a:rPr lang="fr-BE" sz="1800" dirty="0">
+                <a:effectLst/>
+                <a:latin typeface="Calibri" panose="020F0502020204030204" pitchFamily="34" charset="0"/>
+                <a:ea typeface="Calibri" panose="020F0502020204030204" pitchFamily="34" charset="0"/>
+                <a:cs typeface="Times New Roman" panose="02020603050405020304" pitchFamily="18" charset="0"/>
+              </a:rPr>
+              <a:t>8.Suivre performance</a:t>
+            </a:r>
+          </a:p>
+        </p:txBody>
+      </p:sp>
+    </p:spTree>
+    <p:extLst>
+      <p:ext uri="{BB962C8B-B14F-4D97-AF65-F5344CB8AC3E}">
+        <p14:creationId xmlns:p14="http://schemas.microsoft.com/office/powerpoint/2010/main" val="1252644167"/>
+      </p:ext>
+    </p:extLst>
+  </p:cSld>
+  <p:clrMapOvr>
+    <a:masterClrMapping/>
+  </p:clrMapOvr>
+</p:sld>
+</file>
+
+<file path=ppt/slides/slide7.xml><?xml version="1.0" encoding="utf-8"?>
+<p:sld xmlns:a="http://schemas.openxmlformats.org/drawingml/2006/main" xmlns:r="http://schemas.openxmlformats.org/officeDocument/2006/relationships" xmlns:p="http://schemas.openxmlformats.org/presentationml/2006/main">
+  <p:cSld>
+    <p:spTree>
+      <p:nvGrpSpPr>
+        <p:cNvPr id="1" name=""/>
+        <p:cNvGrpSpPr/>
+        <p:nvPr/>
+      </p:nvGrpSpPr>
+      <p:grpSpPr>
+        <a:xfrm>
+          <a:off x="0" y="0"/>
+          <a:ext cx="0" cy="0"/>
+          <a:chOff x="0" y="0"/>
+          <a:chExt cx="0" cy="0"/>
+        </a:xfrm>
+      </p:grpSpPr>
+      <p:sp>
+        <p:nvSpPr>
+          <p:cNvPr id="4" name="ZoneTexte 3">
+            <a:extLst>
+              <a:ext uri="{FF2B5EF4-FFF2-40B4-BE49-F238E27FC236}">
+                <a16:creationId xmlns:a16="http://schemas.microsoft.com/office/drawing/2014/main" id="{2A2F8D18-25F9-03E9-C598-889CBB8E6019}"/>
+              </a:ext>
+            </a:extLst>
+          </p:cNvPr>
+          <p:cNvSpPr txBox="1"/>
+          <p:nvPr/>
+        </p:nvSpPr>
+        <p:spPr>
+          <a:xfrm>
+            <a:off x="3825919" y="238213"/>
+            <a:ext cx="4540162" cy="769441"/>
+          </a:xfrm>
+          <a:prstGeom prst="rect">
+            <a:avLst/>
+          </a:prstGeom>
+          <a:noFill/>
+        </p:spPr>
+        <p:txBody>
+          <a:bodyPr wrap="square">
+            <a:spAutoFit/>
+          </a:bodyPr>
+          <a:lstStyle/>
+          <a:p>
+            <a:r>
+              <a:rPr lang="fr-FR" sz="4400" b="1" u="sng" dirty="0">
+                <a:solidFill>
+                  <a:schemeClr val="accent1">
+                    <a:lumMod val="75000"/>
+                  </a:schemeClr>
+                </a:solidFill>
+              </a:rPr>
+              <a:t>Fonctionnalités</a:t>
+            </a:r>
+            <a:endParaRPr lang="fr-BE" sz="4400" b="1" u="sng" dirty="0">
+              <a:solidFill>
+                <a:schemeClr val="accent1">
+                  <a:lumMod val="75000"/>
+                </a:schemeClr>
+              </a:solidFill>
+            </a:endParaRPr>
+          </a:p>
+        </p:txBody>
+      </p:sp>
+      <p:pic>
+        <p:nvPicPr>
+          <p:cNvPr id="6" name="Image 5" descr="Une image contenant texte, capture d’écran, Police, document&#10;&#10;Le contenu généré par l’IA peut être incorrect.">
+            <a:extLst>
+              <a:ext uri="{FF2B5EF4-FFF2-40B4-BE49-F238E27FC236}">
+                <a16:creationId xmlns:a16="http://schemas.microsoft.com/office/drawing/2014/main" id="{6CB3C0F7-53D5-C876-C27E-51B9D389C3E6}"/>
+              </a:ext>
+            </a:extLst>
+          </p:cNvPr>
+          <p:cNvPicPr>
+            <a:picLocks noChangeAspect="1"/>
+          </p:cNvPicPr>
+          <p:nvPr/>
+        </p:nvPicPr>
+        <p:blipFill>
+          <a:blip r:embed="rId2">
+            <a:extLst>
+              <a:ext uri="{28A0092B-C50C-407E-A947-70E740481C1C}">
+                <a14:useLocalDpi xmlns:a14="http://schemas.microsoft.com/office/drawing/2010/main" val="0"/>
+              </a:ext>
+            </a:extLst>
+          </a:blip>
+          <a:stretch>
+            <a:fillRect/>
+          </a:stretch>
+        </p:blipFill>
+        <p:spPr>
+          <a:xfrm>
+            <a:off x="491341" y="1136280"/>
+            <a:ext cx="6173619" cy="5296639"/>
+          </a:xfrm>
+          <a:prstGeom prst="rect">
+            <a:avLst/>
+          </a:prstGeom>
+        </p:spPr>
+      </p:pic>
+      <p:pic>
+        <p:nvPicPr>
+          <p:cNvPr id="8" name="Image 7" descr="Une image contenant texte, capture d’écran, Police, algèbre&#10;&#10;Le contenu généré par l’IA peut être incorrect.">
+            <a:extLst>
+              <a:ext uri="{FF2B5EF4-FFF2-40B4-BE49-F238E27FC236}">
+                <a16:creationId xmlns:a16="http://schemas.microsoft.com/office/drawing/2014/main" id="{2C5462AE-7D7B-4AFC-5821-082A6CCFA78D}"/>
+              </a:ext>
+            </a:extLst>
+          </p:cNvPr>
+          <p:cNvPicPr>
+            <a:picLocks noChangeAspect="1"/>
+          </p:cNvPicPr>
+          <p:nvPr/>
+        </p:nvPicPr>
+        <p:blipFill>
+          <a:blip r:embed="rId3">
+            <a:extLst>
+              <a:ext uri="{28A0092B-C50C-407E-A947-70E740481C1C}">
+                <a14:useLocalDpi xmlns:a14="http://schemas.microsoft.com/office/drawing/2010/main" val="0"/>
+              </a:ext>
+            </a:extLst>
+          </a:blip>
+          <a:stretch>
+            <a:fillRect/>
+          </a:stretch>
+        </p:blipFill>
+        <p:spPr>
+          <a:xfrm>
+            <a:off x="6096000" y="1136280"/>
+            <a:ext cx="6098098" cy="3362794"/>
+          </a:xfrm>
+          <a:prstGeom prst="rect">
+            <a:avLst/>
+          </a:prstGeom>
+        </p:spPr>
+      </p:pic>
+    </p:spTree>
+    <p:extLst>
+      <p:ext uri="{BB962C8B-B14F-4D97-AF65-F5344CB8AC3E}">
+        <p14:creationId xmlns:p14="http://schemas.microsoft.com/office/powerpoint/2010/main" val="3454020182"/>
+      </p:ext>
+    </p:extLst>
+  </p:cSld>
+  <p:clrMapOvr>
+    <a:masterClrMapping/>
+  </p:clrMapOvr>
+</p:sld>
+</file>
+
+<file path=ppt/slides/slide8.xml><?xml version="1.0" encoding="utf-8"?>
+<p:sld xmlns:a="http://schemas.openxmlformats.org/drawingml/2006/main" xmlns:r="http://schemas.openxmlformats.org/officeDocument/2006/relationships" xmlns:p="http://schemas.openxmlformats.org/presentationml/2006/main">
+  <p:cSld>
+    <p:spTree>
+      <p:nvGrpSpPr>
+        <p:cNvPr id="1" name=""/>
+        <p:cNvGrpSpPr/>
+        <p:nvPr/>
+      </p:nvGrpSpPr>
+      <p:grpSpPr>
+        <a:xfrm>
+          <a:off x="0" y="0"/>
+          <a:ext cx="0" cy="0"/>
+          <a:chOff x="0" y="0"/>
+          <a:chExt cx="0" cy="0"/>
+        </a:xfrm>
+      </p:grpSpPr>
+      <p:sp>
+        <p:nvSpPr>
+          <p:cNvPr id="4" name="ZoneTexte 3">
+            <a:extLst>
+              <a:ext uri="{FF2B5EF4-FFF2-40B4-BE49-F238E27FC236}">
+                <a16:creationId xmlns:a16="http://schemas.microsoft.com/office/drawing/2014/main" id="{83052425-3F7F-9A59-F370-CE54B79D5700}"/>
+              </a:ext>
+            </a:extLst>
+          </p:cNvPr>
+          <p:cNvSpPr txBox="1"/>
+          <p:nvPr/>
+        </p:nvSpPr>
+        <p:spPr>
+          <a:xfrm>
+            <a:off x="3825919" y="238213"/>
+            <a:ext cx="4540162" cy="769441"/>
+          </a:xfrm>
+          <a:prstGeom prst="rect">
+            <a:avLst/>
+          </a:prstGeom>
+          <a:noFill/>
+        </p:spPr>
+        <p:txBody>
+          <a:bodyPr wrap="square">
+            <a:spAutoFit/>
+          </a:bodyPr>
+          <a:lstStyle/>
+          <a:p>
+            <a:r>
+              <a:rPr lang="fr-FR" sz="4400" b="1" u="sng" dirty="0">
+                <a:solidFill>
+                  <a:schemeClr val="accent1">
+                    <a:lumMod val="75000"/>
+                  </a:schemeClr>
+                </a:solidFill>
+              </a:rPr>
+              <a:t>Fonctionnalités</a:t>
+            </a:r>
+            <a:endParaRPr lang="fr-BE" sz="4400" b="1" u="sng" dirty="0">
+              <a:solidFill>
+                <a:schemeClr val="accent1">
+                  <a:lumMod val="75000"/>
+                </a:schemeClr>
+              </a:solidFill>
+            </a:endParaRPr>
+          </a:p>
+        </p:txBody>
+      </p:sp>
+      <p:sp>
+        <p:nvSpPr>
+          <p:cNvPr id="6" name="ZoneTexte 5">
+            <a:extLst>
+              <a:ext uri="{FF2B5EF4-FFF2-40B4-BE49-F238E27FC236}">
+                <a16:creationId xmlns:a16="http://schemas.microsoft.com/office/drawing/2014/main" id="{929BA9DA-D5FC-1AAF-DC18-C06B792551D1}"/>
+              </a:ext>
+            </a:extLst>
+          </p:cNvPr>
+          <p:cNvSpPr txBox="1"/>
+          <p:nvPr/>
+        </p:nvSpPr>
+        <p:spPr>
+          <a:xfrm>
+            <a:off x="650240" y="1422400"/>
+            <a:ext cx="2377189" cy="369332"/>
+          </a:xfrm>
+          <a:prstGeom prst="rect">
+            <a:avLst/>
+          </a:prstGeom>
+          <a:noFill/>
+        </p:spPr>
+        <p:txBody>
+          <a:bodyPr wrap="none" rtlCol="0">
+            <a:spAutoFit/>
+          </a:bodyPr>
+          <a:lstStyle/>
+          <a:p>
+            <a:r>
+              <a:rPr lang="fr-FR" b="1" u="sng" dirty="0"/>
+              <a:t>Créer un utilisateur : </a:t>
+            </a:r>
+            <a:endParaRPr lang="fr-BE" b="1" u="sng" dirty="0"/>
+          </a:p>
+        </p:txBody>
+      </p:sp>
+      <p:pic>
+        <p:nvPicPr>
+          <p:cNvPr id="8" name="Image 7" descr="Une image contenant capture d’écran, texte, ligne&#10;&#10;Le contenu généré par l’IA peut être incorrect.">
+            <a:extLst>
+              <a:ext uri="{FF2B5EF4-FFF2-40B4-BE49-F238E27FC236}">
+                <a16:creationId xmlns:a16="http://schemas.microsoft.com/office/drawing/2014/main" id="{A8AE0817-0EE2-0CCA-14CF-D7B3FB29DC89}"/>
+              </a:ext>
+            </a:extLst>
+          </p:cNvPr>
+          <p:cNvPicPr>
+            <a:picLocks noChangeAspect="1"/>
+          </p:cNvPicPr>
+          <p:nvPr/>
+        </p:nvPicPr>
+        <p:blipFill>
+          <a:blip r:embed="rId2">
+            <a:extLst>
+              <a:ext uri="{28A0092B-C50C-407E-A947-70E740481C1C}">
+                <a14:useLocalDpi xmlns:a14="http://schemas.microsoft.com/office/drawing/2010/main" val="0"/>
+              </a:ext>
+            </a:extLst>
+          </a:blip>
+          <a:stretch>
+            <a:fillRect/>
+          </a:stretch>
+        </p:blipFill>
+        <p:spPr>
+          <a:xfrm>
+            <a:off x="650240" y="2030091"/>
+            <a:ext cx="11115040" cy="2318389"/>
+          </a:xfrm>
+          <a:prstGeom prst="rect">
+            <a:avLst/>
+          </a:prstGeom>
+        </p:spPr>
+      </p:pic>
+      <p:sp>
+        <p:nvSpPr>
+          <p:cNvPr id="9" name="ZoneTexte 8">
+            <a:extLst>
+              <a:ext uri="{FF2B5EF4-FFF2-40B4-BE49-F238E27FC236}">
+                <a16:creationId xmlns:a16="http://schemas.microsoft.com/office/drawing/2014/main" id="{7A2B21D6-D9C5-CFE0-201D-1C319008A671}"/>
+              </a:ext>
+            </a:extLst>
+          </p:cNvPr>
+          <p:cNvSpPr txBox="1"/>
+          <p:nvPr/>
+        </p:nvSpPr>
+        <p:spPr>
+          <a:xfrm>
+            <a:off x="650240" y="4402173"/>
+            <a:ext cx="1429943" cy="369332"/>
+          </a:xfrm>
+          <a:prstGeom prst="rect">
+            <a:avLst/>
+          </a:prstGeom>
+          <a:noFill/>
+        </p:spPr>
+        <p:txBody>
+          <a:bodyPr wrap="none" rtlCol="0">
+            <a:spAutoFit/>
+          </a:bodyPr>
+          <a:lstStyle/>
+          <a:p>
+            <a:r>
+              <a:rPr lang="fr-FR" b="1" u="sng" dirty="0"/>
+              <a:t>Connexion :</a:t>
+            </a:r>
+            <a:endParaRPr lang="fr-BE" b="1" u="sng" dirty="0"/>
+          </a:p>
+        </p:txBody>
+      </p:sp>
+      <p:pic>
+        <p:nvPicPr>
+          <p:cNvPr id="11" name="Image 10">
+            <a:extLst>
+              <a:ext uri="{FF2B5EF4-FFF2-40B4-BE49-F238E27FC236}">
+                <a16:creationId xmlns:a16="http://schemas.microsoft.com/office/drawing/2014/main" id="{3A327DE5-C1B0-4E92-5028-5E3F5C06BEF1}"/>
+              </a:ext>
+            </a:extLst>
+          </p:cNvPr>
+          <p:cNvPicPr>
+            <a:picLocks noChangeAspect="1"/>
+          </p:cNvPicPr>
+          <p:nvPr/>
+        </p:nvPicPr>
+        <p:blipFill>
+          <a:blip r:embed="rId3">
+            <a:extLst>
+              <a:ext uri="{28A0092B-C50C-407E-A947-70E740481C1C}">
+                <a14:useLocalDpi xmlns:a14="http://schemas.microsoft.com/office/drawing/2010/main" val="0"/>
+              </a:ext>
+            </a:extLst>
+          </a:blip>
+          <a:stretch>
+            <a:fillRect/>
+          </a:stretch>
+        </p:blipFill>
+        <p:spPr>
+          <a:xfrm>
+            <a:off x="639829" y="5007545"/>
+            <a:ext cx="11338811" cy="1496190"/>
+          </a:xfrm>
+          <a:prstGeom prst="rect">
+            <a:avLst/>
+          </a:prstGeom>
+        </p:spPr>
+      </p:pic>
+    </p:spTree>
+    <p:extLst>
+      <p:ext uri="{BB962C8B-B14F-4D97-AF65-F5344CB8AC3E}">
+        <p14:creationId xmlns:p14="http://schemas.microsoft.com/office/powerpoint/2010/main" val="3750552407"/>
+      </p:ext>
+    </p:extLst>
+  </p:cSld>
+  <p:clrMapOvr>
+    <a:masterClrMapping/>
+  </p:clrMapOvr>
+</p:sld>
+</file>
+
+<file path=ppt/slides/slide9.xml><?xml version="1.0" encoding="utf-8"?>
+<p:sld xmlns:a="http://schemas.openxmlformats.org/drawingml/2006/main" xmlns:r="http://schemas.openxmlformats.org/officeDocument/2006/relationships" xmlns:p="http://schemas.openxmlformats.org/presentationml/2006/main">
+  <p:cSld>
+    <p:spTree>
+      <p:nvGrpSpPr>
+        <p:cNvPr id="1" name=""/>
+        <p:cNvGrpSpPr/>
+        <p:nvPr/>
+      </p:nvGrpSpPr>
+      <p:grpSpPr>
+        <a:xfrm>
+          <a:off x="0" y="0"/>
+          <a:ext cx="0" cy="0"/>
+          <a:chOff x="0" y="0"/>
+          <a:chExt cx="0" cy="0"/>
+        </a:xfrm>
+      </p:grpSpPr>
+      <p:sp>
+        <p:nvSpPr>
+          <p:cNvPr id="4" name="ZoneTexte 3">
+            <a:extLst>
+              <a:ext uri="{FF2B5EF4-FFF2-40B4-BE49-F238E27FC236}">
+                <a16:creationId xmlns:a16="http://schemas.microsoft.com/office/drawing/2014/main" id="{712BDE98-DFDF-704B-20A6-FF48A3EAFFC4}"/>
+              </a:ext>
+            </a:extLst>
+          </p:cNvPr>
+          <p:cNvSpPr txBox="1"/>
+          <p:nvPr/>
+        </p:nvSpPr>
+        <p:spPr>
+          <a:xfrm>
+            <a:off x="3825919" y="238213"/>
+            <a:ext cx="4540162" cy="769441"/>
+          </a:xfrm>
+          <a:prstGeom prst="rect">
+            <a:avLst/>
+          </a:prstGeom>
+          <a:noFill/>
+        </p:spPr>
+        <p:txBody>
+          <a:bodyPr wrap="square">
+            <a:spAutoFit/>
+          </a:bodyPr>
+          <a:lstStyle/>
+          <a:p>
+            <a:r>
+              <a:rPr lang="fr-FR" sz="4400" b="1" u="sng" dirty="0">
+                <a:solidFill>
+                  <a:schemeClr val="accent1">
+                    <a:lumMod val="75000"/>
+                  </a:schemeClr>
+                </a:solidFill>
+              </a:rPr>
+              <a:t>Fonctionnalités</a:t>
+            </a:r>
+            <a:endParaRPr lang="fr-BE" sz="4400" b="1" u="sng" dirty="0">
+              <a:solidFill>
+                <a:schemeClr val="accent1">
+                  <a:lumMod val="75000"/>
+                </a:schemeClr>
+              </a:solidFill>
+            </a:endParaRPr>
+          </a:p>
+        </p:txBody>
+      </p:sp>
+      <p:sp>
+        <p:nvSpPr>
+          <p:cNvPr id="5" name="ZoneTexte 4">
+            <a:extLst>
+              <a:ext uri="{FF2B5EF4-FFF2-40B4-BE49-F238E27FC236}">
+                <a16:creationId xmlns:a16="http://schemas.microsoft.com/office/drawing/2014/main" id="{81C3657B-98C8-E266-F331-73B8732E7A8F}"/>
+              </a:ext>
+            </a:extLst>
+          </p:cNvPr>
+          <p:cNvSpPr txBox="1"/>
+          <p:nvPr/>
+        </p:nvSpPr>
+        <p:spPr>
+          <a:xfrm>
+            <a:off x="443551" y="1146412"/>
+            <a:ext cx="1409360" cy="369332"/>
+          </a:xfrm>
+          <a:prstGeom prst="rect">
+            <a:avLst/>
+          </a:prstGeom>
+          <a:noFill/>
+        </p:spPr>
+        <p:txBody>
+          <a:bodyPr wrap="none" rtlCol="0">
+            <a:spAutoFit/>
+          </a:bodyPr>
+          <a:lstStyle/>
+          <a:p>
+            <a:r>
+              <a:rPr lang="fr-FR" b="1" u="sng" dirty="0"/>
+              <a:t>Mon Profil : </a:t>
+            </a:r>
+            <a:endParaRPr lang="fr-BE" b="1" u="sng" dirty="0"/>
+          </a:p>
+        </p:txBody>
+      </p:sp>
+      <p:pic>
+        <p:nvPicPr>
+          <p:cNvPr id="7" name="Image 6" descr="Une image contenant texte, capture d’écran, Police&#10;&#10;Le contenu généré par l’IA peut être incorrect.">
+            <a:extLst>
+              <a:ext uri="{FF2B5EF4-FFF2-40B4-BE49-F238E27FC236}">
+                <a16:creationId xmlns:a16="http://schemas.microsoft.com/office/drawing/2014/main" id="{10C37728-0328-8A05-5389-764DC44ABAFE}"/>
+              </a:ext>
+            </a:extLst>
+          </p:cNvPr>
+          <p:cNvPicPr>
+            <a:picLocks noChangeAspect="1"/>
+          </p:cNvPicPr>
+          <p:nvPr/>
+        </p:nvPicPr>
+        <p:blipFill>
+          <a:blip r:embed="rId2">
+            <a:extLst>
+              <a:ext uri="{28A0092B-C50C-407E-A947-70E740481C1C}">
+                <a14:useLocalDpi xmlns:a14="http://schemas.microsoft.com/office/drawing/2010/main" val="0"/>
+              </a:ext>
+            </a:extLst>
+          </a:blip>
+          <a:stretch>
+            <a:fillRect/>
+          </a:stretch>
+        </p:blipFill>
+        <p:spPr>
+          <a:xfrm>
+            <a:off x="443551" y="1673712"/>
+            <a:ext cx="3562067" cy="2362213"/>
+          </a:xfrm>
+          <a:prstGeom prst="rect">
+            <a:avLst/>
+          </a:prstGeom>
+        </p:spPr>
+      </p:pic>
+      <p:sp>
+        <p:nvSpPr>
+          <p:cNvPr id="9" name="ZoneTexte 8">
+            <a:extLst>
+              <a:ext uri="{FF2B5EF4-FFF2-40B4-BE49-F238E27FC236}">
+                <a16:creationId xmlns:a16="http://schemas.microsoft.com/office/drawing/2014/main" id="{308CACBC-2B75-16D2-9E98-C1BD6CEE3FCC}"/>
+              </a:ext>
+            </a:extLst>
+          </p:cNvPr>
+          <p:cNvSpPr txBox="1"/>
+          <p:nvPr/>
+        </p:nvSpPr>
+        <p:spPr>
+          <a:xfrm>
+            <a:off x="443551" y="4140361"/>
+            <a:ext cx="6096000" cy="369332"/>
+          </a:xfrm>
+          <a:prstGeom prst="rect">
+            <a:avLst/>
+          </a:prstGeom>
+          <a:noFill/>
+        </p:spPr>
+        <p:txBody>
+          <a:bodyPr wrap="square">
+            <a:spAutoFit/>
+          </a:bodyPr>
+          <a:lstStyle/>
+          <a:p>
+            <a:r>
+              <a:rPr lang="fr-BE" b="1" u="sng" dirty="0"/>
+              <a:t>Créer un Personnage :</a:t>
+            </a:r>
+          </a:p>
+        </p:txBody>
+      </p:sp>
+      <p:pic>
+        <p:nvPicPr>
+          <p:cNvPr id="11" name="Image 10" descr="Une image contenant texte, ligne, Police, capture d’écran&#10;&#10;Le contenu généré par l’IA peut être incorrect.">
+            <a:extLst>
+              <a:ext uri="{FF2B5EF4-FFF2-40B4-BE49-F238E27FC236}">
+                <a16:creationId xmlns:a16="http://schemas.microsoft.com/office/drawing/2014/main" id="{EB4D91D2-4BA6-EA38-1C53-9513CD0FD9BE}"/>
+              </a:ext>
+            </a:extLst>
+          </p:cNvPr>
+          <p:cNvPicPr>
+            <a:picLocks noChangeAspect="1"/>
+          </p:cNvPicPr>
+          <p:nvPr/>
+        </p:nvPicPr>
+        <p:blipFill>
+          <a:blip r:embed="rId3">
+            <a:extLst>
+              <a:ext uri="{28A0092B-C50C-407E-A947-70E740481C1C}">
+                <a14:useLocalDpi xmlns:a14="http://schemas.microsoft.com/office/drawing/2010/main" val="0"/>
+              </a:ext>
+            </a:extLst>
+          </a:blip>
+          <a:stretch>
+            <a:fillRect/>
+          </a:stretch>
+        </p:blipFill>
+        <p:spPr>
+          <a:xfrm>
+            <a:off x="443551" y="4597145"/>
+            <a:ext cx="11748449" cy="2228885"/>
+          </a:xfrm>
+          <a:prstGeom prst="rect">
+            <a:avLst/>
+          </a:prstGeom>
+        </p:spPr>
+      </p:pic>
+    </p:spTree>
+    <p:extLst>
+      <p:ext uri="{BB962C8B-B14F-4D97-AF65-F5344CB8AC3E}">
+        <p14:creationId xmlns:p14="http://schemas.microsoft.com/office/powerpoint/2010/main" val="2408316066"/>
       </p:ext>
     </p:extLst>
   </p:cSld>

--- a/RaidPlanner.Analyse/Presentation/Présentation1.pptx
+++ b/RaidPlanner.Analyse/Presentation/Présentation1.pptx
@@ -8,17 +8,21 @@
     <p:sldId id="256" r:id="rId2"/>
     <p:sldId id="257" r:id="rId3"/>
     <p:sldId id="258" r:id="rId4"/>
-    <p:sldId id="259" r:id="rId5"/>
-    <p:sldId id="260" r:id="rId6"/>
-    <p:sldId id="261" r:id="rId7"/>
-    <p:sldId id="262" r:id="rId8"/>
-    <p:sldId id="263" r:id="rId9"/>
-    <p:sldId id="264" r:id="rId10"/>
-    <p:sldId id="265" r:id="rId11"/>
-    <p:sldId id="266" r:id="rId12"/>
-    <p:sldId id="267" r:id="rId13"/>
-    <p:sldId id="268" r:id="rId14"/>
-    <p:sldId id="269" r:id="rId15"/>
+    <p:sldId id="272" r:id="rId5"/>
+    <p:sldId id="273" r:id="rId6"/>
+    <p:sldId id="259" r:id="rId7"/>
+    <p:sldId id="260" r:id="rId8"/>
+    <p:sldId id="261" r:id="rId9"/>
+    <p:sldId id="262" r:id="rId10"/>
+    <p:sldId id="263" r:id="rId11"/>
+    <p:sldId id="264" r:id="rId12"/>
+    <p:sldId id="265" r:id="rId13"/>
+    <p:sldId id="266" r:id="rId14"/>
+    <p:sldId id="267" r:id="rId15"/>
+    <p:sldId id="270" r:id="rId16"/>
+    <p:sldId id="271" r:id="rId17"/>
+    <p:sldId id="268" r:id="rId18"/>
+    <p:sldId id="269" r:id="rId19"/>
   </p:sldIdLst>
   <p:sldSz cx="12192000" cy="6858000"/>
   <p:notesSz cx="6858000" cy="9144000"/>
@@ -3555,7 +3559,7 @@
           <p:cNvPr id="4" name="ZoneTexte 3">
             <a:extLst>
               <a:ext uri="{FF2B5EF4-FFF2-40B4-BE49-F238E27FC236}">
-                <a16:creationId xmlns:a16="http://schemas.microsoft.com/office/drawing/2014/main" id="{C8C54987-4E9A-F799-089E-5F1EF368EE09}"/>
+                <a16:creationId xmlns:a16="http://schemas.microsoft.com/office/drawing/2014/main" id="{83052425-3F7F-9A59-F370-CE54B79D5700}"/>
               </a:ext>
             </a:extLst>
           </p:cNvPr>
@@ -3600,10 +3604,10 @@
       </p:sp>
       <p:sp>
         <p:nvSpPr>
-          <p:cNvPr id="5" name="ZoneTexte 4">
-            <a:extLst>
-              <a:ext uri="{FF2B5EF4-FFF2-40B4-BE49-F238E27FC236}">
-                <a16:creationId xmlns:a16="http://schemas.microsoft.com/office/drawing/2014/main" id="{0F3AC144-D466-771E-1050-5881E34A8F45}"/>
+          <p:cNvPr id="6" name="ZoneTexte 5">
+            <a:extLst>
+              <a:ext uri="{FF2B5EF4-FFF2-40B4-BE49-F238E27FC236}">
+                <a16:creationId xmlns:a16="http://schemas.microsoft.com/office/drawing/2014/main" id="{929BA9DA-D5FC-1AAF-DC18-C06B792551D1}"/>
               </a:ext>
             </a:extLst>
           </p:cNvPr>
@@ -3612,8 +3616,8 @@
         </p:nvSpPr>
         <p:spPr>
           <a:xfrm>
-            <a:off x="609600" y="1390134"/>
-            <a:ext cx="2135265" cy="369332"/>
+            <a:off x="650240" y="1422400"/>
+            <a:ext cx="2377189" cy="369332"/>
           </a:xfrm>
           <a:prstGeom prst="rect">
             <a:avLst/>
@@ -3627,18 +3631,19 @@
           <a:lstStyle/>
           <a:p>
             <a:r>
-              <a:rPr lang="fr-BE" b="1" u="sng" dirty="0"/>
-              <a:t>Mes personnages :</a:t>
-            </a:r>
+              <a:rPr lang="fr-FR" b="1" u="sng" dirty="0"/>
+              <a:t>Créer un utilisateur : </a:t>
+            </a:r>
+            <a:endParaRPr lang="fr-BE" b="1" u="sng" dirty="0"/>
           </a:p>
         </p:txBody>
       </p:sp>
       <p:pic>
         <p:nvPicPr>
-          <p:cNvPr id="7" name="Image 6" descr="Une image contenant texte, capture d’écran, ligne, nombre&#10;&#10;Le contenu généré par l’IA peut être incorrect.">
-            <a:extLst>
-              <a:ext uri="{FF2B5EF4-FFF2-40B4-BE49-F238E27FC236}">
-                <a16:creationId xmlns:a16="http://schemas.microsoft.com/office/drawing/2014/main" id="{24D00447-9962-BE1E-58A9-AD19781C6B36}"/>
+          <p:cNvPr id="8" name="Image 7" descr="Une image contenant capture d’écran, texte, ligne&#10;&#10;Le contenu généré par l’IA peut être incorrect.">
+            <a:extLst>
+              <a:ext uri="{FF2B5EF4-FFF2-40B4-BE49-F238E27FC236}">
+                <a16:creationId xmlns:a16="http://schemas.microsoft.com/office/drawing/2014/main" id="{A8AE0817-0EE2-0CCA-14CF-D7B3FB29DC89}"/>
               </a:ext>
             </a:extLst>
           </p:cNvPr>
@@ -3661,8 +3666,80 @@
         </p:blipFill>
         <p:spPr>
           <a:xfrm>
-            <a:off x="609600" y="1915383"/>
-            <a:ext cx="8996374" cy="3286537"/>
+            <a:off x="650240" y="2030091"/>
+            <a:ext cx="11115040" cy="2318389"/>
+          </a:xfrm>
+          <a:prstGeom prst="rect">
+            <a:avLst/>
+          </a:prstGeom>
+        </p:spPr>
+      </p:pic>
+      <p:sp>
+        <p:nvSpPr>
+          <p:cNvPr id="9" name="ZoneTexte 8">
+            <a:extLst>
+              <a:ext uri="{FF2B5EF4-FFF2-40B4-BE49-F238E27FC236}">
+                <a16:creationId xmlns:a16="http://schemas.microsoft.com/office/drawing/2014/main" id="{7A2B21D6-D9C5-CFE0-201D-1C319008A671}"/>
+              </a:ext>
+            </a:extLst>
+          </p:cNvPr>
+          <p:cNvSpPr txBox="1"/>
+          <p:nvPr/>
+        </p:nvSpPr>
+        <p:spPr>
+          <a:xfrm>
+            <a:off x="650240" y="4402173"/>
+            <a:ext cx="1429943" cy="369332"/>
+          </a:xfrm>
+          <a:prstGeom prst="rect">
+            <a:avLst/>
+          </a:prstGeom>
+          <a:noFill/>
+        </p:spPr>
+        <p:txBody>
+          <a:bodyPr wrap="none" rtlCol="0">
+            <a:spAutoFit/>
+          </a:bodyPr>
+          <a:lstStyle/>
+          <a:p>
+            <a:r>
+              <a:rPr lang="fr-FR" b="1" u="sng" dirty="0"/>
+              <a:t>Connexion :</a:t>
+            </a:r>
+            <a:endParaRPr lang="fr-BE" b="1" u="sng" dirty="0"/>
+          </a:p>
+        </p:txBody>
+      </p:sp>
+      <p:pic>
+        <p:nvPicPr>
+          <p:cNvPr id="11" name="Image 10">
+            <a:extLst>
+              <a:ext uri="{FF2B5EF4-FFF2-40B4-BE49-F238E27FC236}">
+                <a16:creationId xmlns:a16="http://schemas.microsoft.com/office/drawing/2014/main" id="{3A327DE5-C1B0-4E92-5028-5E3F5C06BEF1}"/>
+              </a:ext>
+            </a:extLst>
+          </p:cNvPr>
+          <p:cNvPicPr>
+            <a:picLocks noChangeAspect="1"/>
+          </p:cNvPicPr>
+          <p:nvPr/>
+        </p:nvPicPr>
+        <p:blipFill>
+          <a:blip r:embed="rId3">
+            <a:extLst>
+              <a:ext uri="{28A0092B-C50C-407E-A947-70E740481C1C}">
+                <a14:useLocalDpi xmlns:a14="http://schemas.microsoft.com/office/drawing/2010/main" val="0"/>
+              </a:ext>
+            </a:extLst>
+          </a:blip>
+          <a:stretch>
+            <a:fillRect/>
+          </a:stretch>
+        </p:blipFill>
+        <p:spPr>
+          <a:xfrm>
+            <a:off x="639829" y="5007545"/>
+            <a:ext cx="11338811" cy="1496190"/>
           </a:xfrm>
           <a:prstGeom prst="rect">
             <a:avLst/>
@@ -3672,7 +3749,7 @@
     </p:spTree>
     <p:extLst>
       <p:ext uri="{BB962C8B-B14F-4D97-AF65-F5344CB8AC3E}">
-        <p14:creationId xmlns:p14="http://schemas.microsoft.com/office/powerpoint/2010/main" val="2385088295"/>
+        <p14:creationId xmlns:p14="http://schemas.microsoft.com/office/powerpoint/2010/main" val="3750552407"/>
       </p:ext>
     </p:extLst>
   </p:cSld>
@@ -3704,7 +3781,7 @@
           <p:cNvPr id="4" name="ZoneTexte 3">
             <a:extLst>
               <a:ext uri="{FF2B5EF4-FFF2-40B4-BE49-F238E27FC236}">
-                <a16:creationId xmlns:a16="http://schemas.microsoft.com/office/drawing/2014/main" id="{75D54B25-1C51-23DE-144C-1B770B8C5237}"/>
+                <a16:creationId xmlns:a16="http://schemas.microsoft.com/office/drawing/2014/main" id="{712BDE98-DFDF-704B-20A6-FF48A3EAFFC4}"/>
               </a:ext>
             </a:extLst>
           </p:cNvPr>
@@ -3752,7 +3829,7 @@
           <p:cNvPr id="5" name="ZoneTexte 4">
             <a:extLst>
               <a:ext uri="{FF2B5EF4-FFF2-40B4-BE49-F238E27FC236}">
-                <a16:creationId xmlns:a16="http://schemas.microsoft.com/office/drawing/2014/main" id="{3F8EA224-7646-132E-ABD4-A9E7A44A487E}"/>
+                <a16:creationId xmlns:a16="http://schemas.microsoft.com/office/drawing/2014/main" id="{81C3657B-98C8-E266-F331-73B8732E7A8F}"/>
               </a:ext>
             </a:extLst>
           </p:cNvPr>
@@ -3761,8 +3838,8 @@
         </p:nvSpPr>
         <p:spPr>
           <a:xfrm>
-            <a:off x="255340" y="1287907"/>
-            <a:ext cx="3180614" cy="646331"/>
+            <a:off x="443551" y="1146412"/>
+            <a:ext cx="1409360" cy="369332"/>
           </a:xfrm>
           <a:prstGeom prst="rect">
             <a:avLst/>
@@ -3776,21 +3853,19 @@
           <a:lstStyle/>
           <a:p>
             <a:r>
-              <a:rPr lang="fr-FR" b="1" dirty="0"/>
-              <a:t>Toutes les Sessions de Raid :</a:t>
-            </a:r>
-          </a:p>
-          <a:p>
-            <a:endParaRPr lang="fr-BE" dirty="0"/>
+              <a:rPr lang="fr-FR" b="1" u="sng" dirty="0"/>
+              <a:t>Mon Profil : </a:t>
+            </a:r>
+            <a:endParaRPr lang="fr-BE" b="1" u="sng" dirty="0"/>
           </a:p>
         </p:txBody>
       </p:sp>
       <p:pic>
         <p:nvPicPr>
-          <p:cNvPr id="7" name="Image 6">
-            <a:extLst>
-              <a:ext uri="{FF2B5EF4-FFF2-40B4-BE49-F238E27FC236}">
-                <a16:creationId xmlns:a16="http://schemas.microsoft.com/office/drawing/2014/main" id="{CE10C073-38E5-F1E4-210D-58DA727305D9}"/>
+          <p:cNvPr id="7" name="Image 6" descr="Une image contenant texte, capture d’écran, Police&#10;&#10;Le contenu généré par l’IA peut être incorrect.">
+            <a:extLst>
+              <a:ext uri="{FF2B5EF4-FFF2-40B4-BE49-F238E27FC236}">
+                <a16:creationId xmlns:a16="http://schemas.microsoft.com/office/drawing/2014/main" id="{10C37728-0328-8A05-5389-764DC44ABAFE}"/>
               </a:ext>
             </a:extLst>
           </p:cNvPr>
@@ -3813,8 +3888,8 @@
         </p:blipFill>
         <p:spPr>
           <a:xfrm>
-            <a:off x="255340" y="1842873"/>
-            <a:ext cx="11419840" cy="1266990"/>
+            <a:off x="443551" y="1673712"/>
+            <a:ext cx="3562067" cy="2362213"/>
           </a:xfrm>
           <a:prstGeom prst="rect">
             <a:avLst/>
@@ -3826,7 +3901,7 @@
           <p:cNvPr id="9" name="ZoneTexte 8">
             <a:extLst>
               <a:ext uri="{FF2B5EF4-FFF2-40B4-BE49-F238E27FC236}">
-                <a16:creationId xmlns:a16="http://schemas.microsoft.com/office/drawing/2014/main" id="{D3B565D0-F829-4C75-FE0B-155E30E5A8ED}"/>
+                <a16:creationId xmlns:a16="http://schemas.microsoft.com/office/drawing/2014/main" id="{308CACBC-2B75-16D2-9E98-C1BD6CEE3FCC}"/>
               </a:ext>
             </a:extLst>
           </p:cNvPr>
@@ -3835,8 +3910,8 @@
         </p:nvSpPr>
         <p:spPr>
           <a:xfrm>
-            <a:off x="255340" y="3368951"/>
-            <a:ext cx="6094878" cy="369332"/>
+            <a:off x="443551" y="4140361"/>
+            <a:ext cx="6096000" cy="369332"/>
           </a:xfrm>
           <a:prstGeom prst="rect">
             <a:avLst/>
@@ -3850,8 +3925,8 @@
           <a:lstStyle/>
           <a:p>
             <a:r>
-              <a:rPr lang="fr-BE" b="1" dirty="0"/>
-              <a:t>Créer une disponibilité :</a:t>
+              <a:rPr lang="fr-BE" b="1" u="sng" dirty="0"/>
+              <a:t>Créer un Personnage :</a:t>
             </a:r>
           </a:p>
         </p:txBody>
@@ -3861,7 +3936,7 @@
           <p:cNvPr id="11" name="Image 10" descr="Une image contenant texte, ligne, Police, capture d’écran&#10;&#10;Le contenu généré par l’IA peut être incorrect.">
             <a:extLst>
               <a:ext uri="{FF2B5EF4-FFF2-40B4-BE49-F238E27FC236}">
-                <a16:creationId xmlns:a16="http://schemas.microsoft.com/office/drawing/2014/main" id="{A4D5D826-5807-B9DA-FB9D-B9CAEBE68155}"/>
+                <a16:creationId xmlns:a16="http://schemas.microsoft.com/office/drawing/2014/main" id="{EB4D91D2-4BA6-EA38-1C53-9513CD0FD9BE}"/>
               </a:ext>
             </a:extLst>
           </p:cNvPr>
@@ -3884,8 +3959,8 @@
         </p:blipFill>
         <p:spPr>
           <a:xfrm>
-            <a:off x="255340" y="3998274"/>
-            <a:ext cx="12192000" cy="2468353"/>
+            <a:off x="443551" y="4597145"/>
+            <a:ext cx="11748449" cy="2228885"/>
           </a:xfrm>
           <a:prstGeom prst="rect">
             <a:avLst/>
@@ -3895,7 +3970,7 @@
     </p:spTree>
     <p:extLst>
       <p:ext uri="{BB962C8B-B14F-4D97-AF65-F5344CB8AC3E}">
-        <p14:creationId xmlns:p14="http://schemas.microsoft.com/office/powerpoint/2010/main" val="2844846351"/>
+        <p14:creationId xmlns:p14="http://schemas.microsoft.com/office/powerpoint/2010/main" val="2408316066"/>
       </p:ext>
     </p:extLst>
   </p:cSld>
@@ -3927,7 +4002,7 @@
           <p:cNvPr id="4" name="ZoneTexte 3">
             <a:extLst>
               <a:ext uri="{FF2B5EF4-FFF2-40B4-BE49-F238E27FC236}">
-                <a16:creationId xmlns:a16="http://schemas.microsoft.com/office/drawing/2014/main" id="{B2FECE07-4874-CD6A-26ED-C72979EB0DBE}"/>
+                <a16:creationId xmlns:a16="http://schemas.microsoft.com/office/drawing/2014/main" id="{C8C54987-4E9A-F799-089E-5F1EF368EE09}"/>
               </a:ext>
             </a:extLst>
           </p:cNvPr>
@@ -3972,10 +4047,10 @@
       </p:sp>
       <p:sp>
         <p:nvSpPr>
-          <p:cNvPr id="6" name="ZoneTexte 5">
-            <a:extLst>
-              <a:ext uri="{FF2B5EF4-FFF2-40B4-BE49-F238E27FC236}">
-                <a16:creationId xmlns:a16="http://schemas.microsoft.com/office/drawing/2014/main" id="{EB7F86A6-BF47-B440-4371-67B9186318A8}"/>
+          <p:cNvPr id="5" name="ZoneTexte 4">
+            <a:extLst>
+              <a:ext uri="{FF2B5EF4-FFF2-40B4-BE49-F238E27FC236}">
+                <a16:creationId xmlns:a16="http://schemas.microsoft.com/office/drawing/2014/main" id="{0F3AC144-D466-771E-1050-5881E34A8F45}"/>
               </a:ext>
             </a:extLst>
           </p:cNvPr>
@@ -3984,8 +4059,8 @@
         </p:nvSpPr>
         <p:spPr>
           <a:xfrm>
-            <a:off x="331134" y="1328128"/>
-            <a:ext cx="6094878" cy="369332"/>
+            <a:off x="609600" y="1390134"/>
+            <a:ext cx="2135265" cy="369332"/>
           </a:xfrm>
           <a:prstGeom prst="rect">
             <a:avLst/>
@@ -3993,24 +4068,24 @@
           <a:noFill/>
         </p:spPr>
         <p:txBody>
-          <a:bodyPr wrap="square">
+          <a:bodyPr wrap="none" rtlCol="0">
             <a:spAutoFit/>
           </a:bodyPr>
           <a:lstStyle/>
           <a:p>
             <a:r>
-              <a:rPr lang="fr-BE" b="1" dirty="0"/>
-              <a:t>Mes disponibilités :</a:t>
+              <a:rPr lang="fr-BE" b="1" u="sng" dirty="0"/>
+              <a:t>Mes personnages :</a:t>
             </a:r>
           </a:p>
         </p:txBody>
       </p:sp>
       <p:pic>
         <p:nvPicPr>
-          <p:cNvPr id="8" name="Image 7">
-            <a:extLst>
-              <a:ext uri="{FF2B5EF4-FFF2-40B4-BE49-F238E27FC236}">
-                <a16:creationId xmlns:a16="http://schemas.microsoft.com/office/drawing/2014/main" id="{45EAFBC4-2260-728F-DF36-A080DEC5604A}"/>
+          <p:cNvPr id="7" name="Image 6" descr="Une image contenant texte, capture d’écran, ligne, nombre&#10;&#10;Le contenu généré par l’IA peut être incorrect.">
+            <a:extLst>
+              <a:ext uri="{FF2B5EF4-FFF2-40B4-BE49-F238E27FC236}">
+                <a16:creationId xmlns:a16="http://schemas.microsoft.com/office/drawing/2014/main" id="{24D00447-9962-BE1E-58A9-AD19781C6B36}"/>
               </a:ext>
             </a:extLst>
           </p:cNvPr>
@@ -4033,8 +4108,8 @@
         </p:blipFill>
         <p:spPr>
           <a:xfrm>
-            <a:off x="331134" y="2090465"/>
-            <a:ext cx="11607988" cy="1112429"/>
+            <a:off x="609600" y="1915383"/>
+            <a:ext cx="8996374" cy="3286537"/>
           </a:xfrm>
           <a:prstGeom prst="rect">
             <a:avLst/>
@@ -4044,7 +4119,7 @@
     </p:spTree>
     <p:extLst>
       <p:ext uri="{BB962C8B-B14F-4D97-AF65-F5344CB8AC3E}">
-        <p14:creationId xmlns:p14="http://schemas.microsoft.com/office/powerpoint/2010/main" val="1117131475"/>
+        <p14:creationId xmlns:p14="http://schemas.microsoft.com/office/powerpoint/2010/main" val="2385088295"/>
       </p:ext>
     </p:extLst>
   </p:cSld>
@@ -4076,6 +4151,678 @@
           <p:cNvPr id="4" name="ZoneTexte 3">
             <a:extLst>
               <a:ext uri="{FF2B5EF4-FFF2-40B4-BE49-F238E27FC236}">
+                <a16:creationId xmlns:a16="http://schemas.microsoft.com/office/drawing/2014/main" id="{75D54B25-1C51-23DE-144C-1B770B8C5237}"/>
+              </a:ext>
+            </a:extLst>
+          </p:cNvPr>
+          <p:cNvSpPr txBox="1"/>
+          <p:nvPr/>
+        </p:nvSpPr>
+        <p:spPr>
+          <a:xfrm>
+            <a:off x="3825919" y="238213"/>
+            <a:ext cx="4540162" cy="769441"/>
+          </a:xfrm>
+          <a:prstGeom prst="rect">
+            <a:avLst/>
+          </a:prstGeom>
+          <a:noFill/>
+        </p:spPr>
+        <p:txBody>
+          <a:bodyPr wrap="square">
+            <a:spAutoFit/>
+          </a:bodyPr>
+          <a:lstStyle/>
+          <a:p>
+            <a:r>
+              <a:rPr lang="fr-FR" sz="4400" b="1" u="sng" dirty="0">
+                <a:solidFill>
+                  <a:schemeClr val="accent1">
+                    <a:lumMod val="75000"/>
+                  </a:schemeClr>
+                </a:solidFill>
+              </a:rPr>
+              <a:t>Fonctionnalités</a:t>
+            </a:r>
+            <a:endParaRPr lang="fr-BE" sz="4400" b="1" u="sng" dirty="0">
+              <a:solidFill>
+                <a:schemeClr val="accent1">
+                  <a:lumMod val="75000"/>
+                </a:schemeClr>
+              </a:solidFill>
+            </a:endParaRPr>
+          </a:p>
+        </p:txBody>
+      </p:sp>
+      <p:sp>
+        <p:nvSpPr>
+          <p:cNvPr id="5" name="ZoneTexte 4">
+            <a:extLst>
+              <a:ext uri="{FF2B5EF4-FFF2-40B4-BE49-F238E27FC236}">
+                <a16:creationId xmlns:a16="http://schemas.microsoft.com/office/drawing/2014/main" id="{3F8EA224-7646-132E-ABD4-A9E7A44A487E}"/>
+              </a:ext>
+            </a:extLst>
+          </p:cNvPr>
+          <p:cNvSpPr txBox="1"/>
+          <p:nvPr/>
+        </p:nvSpPr>
+        <p:spPr>
+          <a:xfrm>
+            <a:off x="255340" y="1287907"/>
+            <a:ext cx="3180614" cy="646331"/>
+          </a:xfrm>
+          <a:prstGeom prst="rect">
+            <a:avLst/>
+          </a:prstGeom>
+          <a:noFill/>
+        </p:spPr>
+        <p:txBody>
+          <a:bodyPr wrap="none" rtlCol="0">
+            <a:spAutoFit/>
+          </a:bodyPr>
+          <a:lstStyle/>
+          <a:p>
+            <a:r>
+              <a:rPr lang="fr-FR" b="1" dirty="0"/>
+              <a:t>Toutes les Sessions de Raid :</a:t>
+            </a:r>
+          </a:p>
+          <a:p>
+            <a:endParaRPr lang="fr-BE" dirty="0"/>
+          </a:p>
+        </p:txBody>
+      </p:sp>
+      <p:pic>
+        <p:nvPicPr>
+          <p:cNvPr id="7" name="Image 6">
+            <a:extLst>
+              <a:ext uri="{FF2B5EF4-FFF2-40B4-BE49-F238E27FC236}">
+                <a16:creationId xmlns:a16="http://schemas.microsoft.com/office/drawing/2014/main" id="{CE10C073-38E5-F1E4-210D-58DA727305D9}"/>
+              </a:ext>
+            </a:extLst>
+          </p:cNvPr>
+          <p:cNvPicPr>
+            <a:picLocks noChangeAspect="1"/>
+          </p:cNvPicPr>
+          <p:nvPr/>
+        </p:nvPicPr>
+        <p:blipFill>
+          <a:blip r:embed="rId2">
+            <a:extLst>
+              <a:ext uri="{28A0092B-C50C-407E-A947-70E740481C1C}">
+                <a14:useLocalDpi xmlns:a14="http://schemas.microsoft.com/office/drawing/2010/main" val="0"/>
+              </a:ext>
+            </a:extLst>
+          </a:blip>
+          <a:stretch>
+            <a:fillRect/>
+          </a:stretch>
+        </p:blipFill>
+        <p:spPr>
+          <a:xfrm>
+            <a:off x="255340" y="1842873"/>
+            <a:ext cx="11419840" cy="1266990"/>
+          </a:xfrm>
+          <a:prstGeom prst="rect">
+            <a:avLst/>
+          </a:prstGeom>
+        </p:spPr>
+      </p:pic>
+      <p:sp>
+        <p:nvSpPr>
+          <p:cNvPr id="9" name="ZoneTexte 8">
+            <a:extLst>
+              <a:ext uri="{FF2B5EF4-FFF2-40B4-BE49-F238E27FC236}">
+                <a16:creationId xmlns:a16="http://schemas.microsoft.com/office/drawing/2014/main" id="{D3B565D0-F829-4C75-FE0B-155E30E5A8ED}"/>
+              </a:ext>
+            </a:extLst>
+          </p:cNvPr>
+          <p:cNvSpPr txBox="1"/>
+          <p:nvPr/>
+        </p:nvSpPr>
+        <p:spPr>
+          <a:xfrm>
+            <a:off x="255340" y="3368951"/>
+            <a:ext cx="6094878" cy="369332"/>
+          </a:xfrm>
+          <a:prstGeom prst="rect">
+            <a:avLst/>
+          </a:prstGeom>
+          <a:noFill/>
+        </p:spPr>
+        <p:txBody>
+          <a:bodyPr wrap="square">
+            <a:spAutoFit/>
+          </a:bodyPr>
+          <a:lstStyle/>
+          <a:p>
+            <a:r>
+              <a:rPr lang="fr-BE" b="1" dirty="0"/>
+              <a:t>Créer une disponibilité :</a:t>
+            </a:r>
+          </a:p>
+        </p:txBody>
+      </p:sp>
+      <p:pic>
+        <p:nvPicPr>
+          <p:cNvPr id="11" name="Image 10" descr="Une image contenant texte, ligne, Police, capture d’écran&#10;&#10;Le contenu généré par l’IA peut être incorrect.">
+            <a:extLst>
+              <a:ext uri="{FF2B5EF4-FFF2-40B4-BE49-F238E27FC236}">
+                <a16:creationId xmlns:a16="http://schemas.microsoft.com/office/drawing/2014/main" id="{A4D5D826-5807-B9DA-FB9D-B9CAEBE68155}"/>
+              </a:ext>
+            </a:extLst>
+          </p:cNvPr>
+          <p:cNvPicPr>
+            <a:picLocks noChangeAspect="1"/>
+          </p:cNvPicPr>
+          <p:nvPr/>
+        </p:nvPicPr>
+        <p:blipFill>
+          <a:blip r:embed="rId3">
+            <a:extLst>
+              <a:ext uri="{28A0092B-C50C-407E-A947-70E740481C1C}">
+                <a14:useLocalDpi xmlns:a14="http://schemas.microsoft.com/office/drawing/2010/main" val="0"/>
+              </a:ext>
+            </a:extLst>
+          </a:blip>
+          <a:stretch>
+            <a:fillRect/>
+          </a:stretch>
+        </p:blipFill>
+        <p:spPr>
+          <a:xfrm>
+            <a:off x="255340" y="3998274"/>
+            <a:ext cx="12192000" cy="2468353"/>
+          </a:xfrm>
+          <a:prstGeom prst="rect">
+            <a:avLst/>
+          </a:prstGeom>
+        </p:spPr>
+      </p:pic>
+    </p:spTree>
+    <p:extLst>
+      <p:ext uri="{BB962C8B-B14F-4D97-AF65-F5344CB8AC3E}">
+        <p14:creationId xmlns:p14="http://schemas.microsoft.com/office/powerpoint/2010/main" val="2844846351"/>
+      </p:ext>
+    </p:extLst>
+  </p:cSld>
+  <p:clrMapOvr>
+    <a:masterClrMapping/>
+  </p:clrMapOvr>
+</p:sld>
+</file>
+
+<file path=ppt/slides/slide14.xml><?xml version="1.0" encoding="utf-8"?>
+<p:sld xmlns:a="http://schemas.openxmlformats.org/drawingml/2006/main" xmlns:r="http://schemas.openxmlformats.org/officeDocument/2006/relationships" xmlns:p="http://schemas.openxmlformats.org/presentationml/2006/main">
+  <p:cSld>
+    <p:spTree>
+      <p:nvGrpSpPr>
+        <p:cNvPr id="1" name=""/>
+        <p:cNvGrpSpPr/>
+        <p:nvPr/>
+      </p:nvGrpSpPr>
+      <p:grpSpPr>
+        <a:xfrm>
+          <a:off x="0" y="0"/>
+          <a:ext cx="0" cy="0"/>
+          <a:chOff x="0" y="0"/>
+          <a:chExt cx="0" cy="0"/>
+        </a:xfrm>
+      </p:grpSpPr>
+      <p:sp>
+        <p:nvSpPr>
+          <p:cNvPr id="4" name="ZoneTexte 3">
+            <a:extLst>
+              <a:ext uri="{FF2B5EF4-FFF2-40B4-BE49-F238E27FC236}">
+                <a16:creationId xmlns:a16="http://schemas.microsoft.com/office/drawing/2014/main" id="{B2FECE07-4874-CD6A-26ED-C72979EB0DBE}"/>
+              </a:ext>
+            </a:extLst>
+          </p:cNvPr>
+          <p:cNvSpPr txBox="1"/>
+          <p:nvPr/>
+        </p:nvSpPr>
+        <p:spPr>
+          <a:xfrm>
+            <a:off x="3825919" y="238213"/>
+            <a:ext cx="4540162" cy="769441"/>
+          </a:xfrm>
+          <a:prstGeom prst="rect">
+            <a:avLst/>
+          </a:prstGeom>
+          <a:noFill/>
+        </p:spPr>
+        <p:txBody>
+          <a:bodyPr wrap="square">
+            <a:spAutoFit/>
+          </a:bodyPr>
+          <a:lstStyle/>
+          <a:p>
+            <a:r>
+              <a:rPr lang="fr-FR" sz="4400" b="1" u="sng" dirty="0">
+                <a:solidFill>
+                  <a:schemeClr val="accent1">
+                    <a:lumMod val="75000"/>
+                  </a:schemeClr>
+                </a:solidFill>
+              </a:rPr>
+              <a:t>Fonctionnalités</a:t>
+            </a:r>
+            <a:endParaRPr lang="fr-BE" sz="4400" b="1" u="sng" dirty="0">
+              <a:solidFill>
+                <a:schemeClr val="accent1">
+                  <a:lumMod val="75000"/>
+                </a:schemeClr>
+              </a:solidFill>
+            </a:endParaRPr>
+          </a:p>
+        </p:txBody>
+      </p:sp>
+      <p:sp>
+        <p:nvSpPr>
+          <p:cNvPr id="6" name="ZoneTexte 5">
+            <a:extLst>
+              <a:ext uri="{FF2B5EF4-FFF2-40B4-BE49-F238E27FC236}">
+                <a16:creationId xmlns:a16="http://schemas.microsoft.com/office/drawing/2014/main" id="{EB7F86A6-BF47-B440-4371-67B9186318A8}"/>
+              </a:ext>
+            </a:extLst>
+          </p:cNvPr>
+          <p:cNvSpPr txBox="1"/>
+          <p:nvPr/>
+        </p:nvSpPr>
+        <p:spPr>
+          <a:xfrm>
+            <a:off x="331134" y="1328128"/>
+            <a:ext cx="6094878" cy="369332"/>
+          </a:xfrm>
+          <a:prstGeom prst="rect">
+            <a:avLst/>
+          </a:prstGeom>
+          <a:noFill/>
+        </p:spPr>
+        <p:txBody>
+          <a:bodyPr wrap="square">
+            <a:spAutoFit/>
+          </a:bodyPr>
+          <a:lstStyle/>
+          <a:p>
+            <a:r>
+              <a:rPr lang="fr-BE" b="1" dirty="0"/>
+              <a:t>Mes disponibilités :</a:t>
+            </a:r>
+          </a:p>
+        </p:txBody>
+      </p:sp>
+      <p:pic>
+        <p:nvPicPr>
+          <p:cNvPr id="8" name="Image 7">
+            <a:extLst>
+              <a:ext uri="{FF2B5EF4-FFF2-40B4-BE49-F238E27FC236}">
+                <a16:creationId xmlns:a16="http://schemas.microsoft.com/office/drawing/2014/main" id="{45EAFBC4-2260-728F-DF36-A080DEC5604A}"/>
+              </a:ext>
+            </a:extLst>
+          </p:cNvPr>
+          <p:cNvPicPr>
+            <a:picLocks noChangeAspect="1"/>
+          </p:cNvPicPr>
+          <p:nvPr/>
+        </p:nvPicPr>
+        <p:blipFill>
+          <a:blip r:embed="rId2">
+            <a:extLst>
+              <a:ext uri="{28A0092B-C50C-407E-A947-70E740481C1C}">
+                <a14:useLocalDpi xmlns:a14="http://schemas.microsoft.com/office/drawing/2010/main" val="0"/>
+              </a:ext>
+            </a:extLst>
+          </a:blip>
+          <a:stretch>
+            <a:fillRect/>
+          </a:stretch>
+        </p:blipFill>
+        <p:spPr>
+          <a:xfrm>
+            <a:off x="331134" y="2090465"/>
+            <a:ext cx="11607988" cy="1112429"/>
+          </a:xfrm>
+          <a:prstGeom prst="rect">
+            <a:avLst/>
+          </a:prstGeom>
+        </p:spPr>
+      </p:pic>
+    </p:spTree>
+    <p:extLst>
+      <p:ext uri="{BB962C8B-B14F-4D97-AF65-F5344CB8AC3E}">
+        <p14:creationId xmlns:p14="http://schemas.microsoft.com/office/powerpoint/2010/main" val="1117131475"/>
+      </p:ext>
+    </p:extLst>
+  </p:cSld>
+  <p:clrMapOvr>
+    <a:masterClrMapping/>
+  </p:clrMapOvr>
+</p:sld>
+</file>
+
+<file path=ppt/slides/slide15.xml><?xml version="1.0" encoding="utf-8"?>
+<p:sld xmlns:a="http://schemas.openxmlformats.org/drawingml/2006/main" xmlns:r="http://schemas.openxmlformats.org/officeDocument/2006/relationships" xmlns:p="http://schemas.openxmlformats.org/presentationml/2006/main">
+  <p:cSld>
+    <p:spTree>
+      <p:nvGrpSpPr>
+        <p:cNvPr id="1" name=""/>
+        <p:cNvGrpSpPr/>
+        <p:nvPr/>
+      </p:nvGrpSpPr>
+      <p:grpSpPr>
+        <a:xfrm>
+          <a:off x="0" y="0"/>
+          <a:ext cx="0" cy="0"/>
+          <a:chOff x="0" y="0"/>
+          <a:chExt cx="0" cy="0"/>
+        </a:xfrm>
+      </p:grpSpPr>
+      <p:sp>
+        <p:nvSpPr>
+          <p:cNvPr id="4" name="ZoneTexte 3">
+            <a:extLst>
+              <a:ext uri="{FF2B5EF4-FFF2-40B4-BE49-F238E27FC236}">
+                <a16:creationId xmlns:a16="http://schemas.microsoft.com/office/drawing/2014/main" id="{C133AB55-6EFD-4499-A2E4-0C3AB9104AE4}"/>
+              </a:ext>
+            </a:extLst>
+          </p:cNvPr>
+          <p:cNvSpPr txBox="1"/>
+          <p:nvPr/>
+        </p:nvSpPr>
+        <p:spPr>
+          <a:xfrm>
+            <a:off x="3825919" y="238213"/>
+            <a:ext cx="4540162" cy="769441"/>
+          </a:xfrm>
+          <a:prstGeom prst="rect">
+            <a:avLst/>
+          </a:prstGeom>
+          <a:noFill/>
+        </p:spPr>
+        <p:txBody>
+          <a:bodyPr wrap="square">
+            <a:spAutoFit/>
+          </a:bodyPr>
+          <a:lstStyle/>
+          <a:p>
+            <a:r>
+              <a:rPr lang="fr-FR" sz="4400" b="1" u="sng" dirty="0">
+                <a:solidFill>
+                  <a:schemeClr val="accent1">
+                    <a:lumMod val="75000"/>
+                  </a:schemeClr>
+                </a:solidFill>
+              </a:rPr>
+              <a:t>Fonctionnalités</a:t>
+            </a:r>
+            <a:endParaRPr lang="fr-BE" sz="4400" b="1" u="sng" dirty="0">
+              <a:solidFill>
+                <a:schemeClr val="accent1">
+                  <a:lumMod val="75000"/>
+                </a:schemeClr>
+              </a:solidFill>
+            </a:endParaRPr>
+          </a:p>
+        </p:txBody>
+      </p:sp>
+      <p:pic>
+        <p:nvPicPr>
+          <p:cNvPr id="6" name="Image 5">
+            <a:extLst>
+              <a:ext uri="{FF2B5EF4-FFF2-40B4-BE49-F238E27FC236}">
+                <a16:creationId xmlns:a16="http://schemas.microsoft.com/office/drawing/2014/main" id="{18774109-BF9C-461C-A47F-85E88C47DCDC}"/>
+              </a:ext>
+            </a:extLst>
+          </p:cNvPr>
+          <p:cNvPicPr>
+            <a:picLocks noChangeAspect="1"/>
+          </p:cNvPicPr>
+          <p:nvPr/>
+        </p:nvPicPr>
+        <p:blipFill>
+          <a:blip r:embed="rId2">
+            <a:extLst>
+              <a:ext uri="{28A0092B-C50C-407E-A947-70E740481C1C}">
+                <a14:useLocalDpi xmlns:a14="http://schemas.microsoft.com/office/drawing/2010/main" val="0"/>
+              </a:ext>
+            </a:extLst>
+          </a:blip>
+          <a:stretch>
+            <a:fillRect/>
+          </a:stretch>
+        </p:blipFill>
+        <p:spPr>
+          <a:xfrm>
+            <a:off x="299697" y="1171853"/>
+            <a:ext cx="5703538" cy="4864963"/>
+          </a:xfrm>
+          <a:prstGeom prst="rect">
+            <a:avLst/>
+          </a:prstGeom>
+        </p:spPr>
+      </p:pic>
+      <p:pic>
+        <p:nvPicPr>
+          <p:cNvPr id="8" name="Image 7">
+            <a:extLst>
+              <a:ext uri="{FF2B5EF4-FFF2-40B4-BE49-F238E27FC236}">
+                <a16:creationId xmlns:a16="http://schemas.microsoft.com/office/drawing/2014/main" id="{44B277C7-D1BF-48A2-8637-D7FC16BA1321}"/>
+              </a:ext>
+            </a:extLst>
+          </p:cNvPr>
+          <p:cNvPicPr>
+            <a:picLocks noChangeAspect="1"/>
+          </p:cNvPicPr>
+          <p:nvPr/>
+        </p:nvPicPr>
+        <p:blipFill>
+          <a:blip r:embed="rId3">
+            <a:extLst>
+              <a:ext uri="{28A0092B-C50C-407E-A947-70E740481C1C}">
+                <a14:useLocalDpi xmlns:a14="http://schemas.microsoft.com/office/drawing/2010/main" val="0"/>
+              </a:ext>
+            </a:extLst>
+          </a:blip>
+          <a:stretch>
+            <a:fillRect/>
+          </a:stretch>
+        </p:blipFill>
+        <p:spPr>
+          <a:xfrm>
+            <a:off x="6188767" y="1171853"/>
+            <a:ext cx="5870711" cy="4864963"/>
+          </a:xfrm>
+          <a:prstGeom prst="rect">
+            <a:avLst/>
+          </a:prstGeom>
+        </p:spPr>
+      </p:pic>
+    </p:spTree>
+    <p:extLst>
+      <p:ext uri="{BB962C8B-B14F-4D97-AF65-F5344CB8AC3E}">
+        <p14:creationId xmlns:p14="http://schemas.microsoft.com/office/powerpoint/2010/main" val="476016653"/>
+      </p:ext>
+    </p:extLst>
+  </p:cSld>
+  <p:clrMapOvr>
+    <a:masterClrMapping/>
+  </p:clrMapOvr>
+</p:sld>
+</file>
+
+<file path=ppt/slides/slide16.xml><?xml version="1.0" encoding="utf-8"?>
+<p:sld xmlns:a="http://schemas.openxmlformats.org/drawingml/2006/main" xmlns:r="http://schemas.openxmlformats.org/officeDocument/2006/relationships" xmlns:p="http://schemas.openxmlformats.org/presentationml/2006/main">
+  <p:cSld>
+    <p:spTree>
+      <p:nvGrpSpPr>
+        <p:cNvPr id="1" name=""/>
+        <p:cNvGrpSpPr/>
+        <p:nvPr/>
+      </p:nvGrpSpPr>
+      <p:grpSpPr>
+        <a:xfrm>
+          <a:off x="0" y="0"/>
+          <a:ext cx="0" cy="0"/>
+          <a:chOff x="0" y="0"/>
+          <a:chExt cx="0" cy="0"/>
+        </a:xfrm>
+      </p:grpSpPr>
+      <p:sp>
+        <p:nvSpPr>
+          <p:cNvPr id="4" name="ZoneTexte 3">
+            <a:extLst>
+              <a:ext uri="{FF2B5EF4-FFF2-40B4-BE49-F238E27FC236}">
+                <a16:creationId xmlns:a16="http://schemas.microsoft.com/office/drawing/2014/main" id="{07BC41C8-A7A5-4349-90FF-7F5B865EBD07}"/>
+              </a:ext>
+            </a:extLst>
+          </p:cNvPr>
+          <p:cNvSpPr txBox="1"/>
+          <p:nvPr/>
+        </p:nvSpPr>
+        <p:spPr>
+          <a:xfrm>
+            <a:off x="4182684" y="300357"/>
+            <a:ext cx="3826632" cy="769441"/>
+          </a:xfrm>
+          <a:prstGeom prst="rect">
+            <a:avLst/>
+          </a:prstGeom>
+          <a:noFill/>
+        </p:spPr>
+        <p:txBody>
+          <a:bodyPr wrap="square">
+            <a:spAutoFit/>
+          </a:bodyPr>
+          <a:lstStyle/>
+          <a:p>
+            <a:r>
+              <a:rPr lang="fr-FR" sz="4400" b="1" u="sng" dirty="0">
+                <a:solidFill>
+                  <a:schemeClr val="accent1">
+                    <a:lumMod val="75000"/>
+                  </a:schemeClr>
+                </a:solidFill>
+              </a:rPr>
+              <a:t>Fonctionnalités</a:t>
+            </a:r>
+            <a:endParaRPr lang="fr-BE" sz="4400" b="1" u="sng" dirty="0">
+              <a:solidFill>
+                <a:schemeClr val="accent1">
+                  <a:lumMod val="75000"/>
+                </a:schemeClr>
+              </a:solidFill>
+            </a:endParaRPr>
+          </a:p>
+        </p:txBody>
+      </p:sp>
+      <p:pic>
+        <p:nvPicPr>
+          <p:cNvPr id="6" name="Image 5">
+            <a:extLst>
+              <a:ext uri="{FF2B5EF4-FFF2-40B4-BE49-F238E27FC236}">
+                <a16:creationId xmlns:a16="http://schemas.microsoft.com/office/drawing/2014/main" id="{AA72F015-EA72-4027-8799-A876C4911CF0}"/>
+              </a:ext>
+            </a:extLst>
+          </p:cNvPr>
+          <p:cNvPicPr>
+            <a:picLocks noChangeAspect="1"/>
+          </p:cNvPicPr>
+          <p:nvPr/>
+        </p:nvPicPr>
+        <p:blipFill>
+          <a:blip r:embed="rId2">
+            <a:extLst>
+              <a:ext uri="{28A0092B-C50C-407E-A947-70E740481C1C}">
+                <a14:useLocalDpi xmlns:a14="http://schemas.microsoft.com/office/drawing/2010/main" val="0"/>
+              </a:ext>
+            </a:extLst>
+          </a:blip>
+          <a:stretch>
+            <a:fillRect/>
+          </a:stretch>
+        </p:blipFill>
+        <p:spPr>
+          <a:xfrm>
+            <a:off x="270015" y="1166191"/>
+            <a:ext cx="5825985" cy="4929809"/>
+          </a:xfrm>
+          <a:prstGeom prst="rect">
+            <a:avLst/>
+          </a:prstGeom>
+        </p:spPr>
+      </p:pic>
+      <p:pic>
+        <p:nvPicPr>
+          <p:cNvPr id="8" name="Image 7">
+            <a:extLst>
+              <a:ext uri="{FF2B5EF4-FFF2-40B4-BE49-F238E27FC236}">
+                <a16:creationId xmlns:a16="http://schemas.microsoft.com/office/drawing/2014/main" id="{4A0CAD52-5F6F-47D4-AA3F-805D4874128C}"/>
+              </a:ext>
+            </a:extLst>
+          </p:cNvPr>
+          <p:cNvPicPr>
+            <a:picLocks noChangeAspect="1"/>
+          </p:cNvPicPr>
+          <p:nvPr/>
+        </p:nvPicPr>
+        <p:blipFill>
+          <a:blip r:embed="rId3">
+            <a:extLst>
+              <a:ext uri="{28A0092B-C50C-407E-A947-70E740481C1C}">
+                <a14:useLocalDpi xmlns:a14="http://schemas.microsoft.com/office/drawing/2010/main" val="0"/>
+              </a:ext>
+            </a:extLst>
+          </a:blip>
+          <a:stretch>
+            <a:fillRect/>
+          </a:stretch>
+        </p:blipFill>
+        <p:spPr>
+          <a:xfrm>
+            <a:off x="6096001" y="1166191"/>
+            <a:ext cx="6096000" cy="3057952"/>
+          </a:xfrm>
+          <a:prstGeom prst="rect">
+            <a:avLst/>
+          </a:prstGeom>
+        </p:spPr>
+      </p:pic>
+    </p:spTree>
+    <p:extLst>
+      <p:ext uri="{BB962C8B-B14F-4D97-AF65-F5344CB8AC3E}">
+        <p14:creationId xmlns:p14="http://schemas.microsoft.com/office/powerpoint/2010/main" val="2108634618"/>
+      </p:ext>
+    </p:extLst>
+  </p:cSld>
+  <p:clrMapOvr>
+    <a:masterClrMapping/>
+  </p:clrMapOvr>
+</p:sld>
+</file>
+
+<file path=ppt/slides/slide17.xml><?xml version="1.0" encoding="utf-8"?>
+<p:sld xmlns:a="http://schemas.openxmlformats.org/drawingml/2006/main" xmlns:r="http://schemas.openxmlformats.org/officeDocument/2006/relationships" xmlns:p="http://schemas.openxmlformats.org/presentationml/2006/main">
+  <p:cSld>
+    <p:spTree>
+      <p:nvGrpSpPr>
+        <p:cNvPr id="1" name=""/>
+        <p:cNvGrpSpPr/>
+        <p:nvPr/>
+      </p:nvGrpSpPr>
+      <p:grpSpPr>
+        <a:xfrm>
+          <a:off x="0" y="0"/>
+          <a:ext cx="0" cy="0"/>
+          <a:chOff x="0" y="0"/>
+          <a:chExt cx="0" cy="0"/>
+        </a:xfrm>
+      </p:grpSpPr>
+      <p:sp>
+        <p:nvSpPr>
+          <p:cNvPr id="4" name="ZoneTexte 3">
+            <a:extLst>
+              <a:ext uri="{FF2B5EF4-FFF2-40B4-BE49-F238E27FC236}">
                 <a16:creationId xmlns:a16="http://schemas.microsoft.com/office/drawing/2014/main" id="{6FF1AFD5-6B7D-A72D-8CED-9E3EB4BFA11D}"/>
               </a:ext>
             </a:extLst>
@@ -4276,7 +5023,7 @@
         <p:spPr>
           <a:xfrm>
             <a:off x="6854088" y="2455674"/>
-            <a:ext cx="3436710" cy="1754326"/>
+            <a:ext cx="3302827" cy="1754326"/>
           </a:xfrm>
           <a:prstGeom prst="rect">
             <a:avLst/>
@@ -4335,15 +5082,15 @@
             </a:r>
             <a:r>
               <a:rPr lang="fr-FR" dirty="0" err="1"/>
-              <a:t>Graphana</a:t>
+              <a:t>Grafana</a:t>
             </a:r>
             <a:r>
               <a:rPr lang="fr-FR" dirty="0"/>
-              <a:t> </a:t>
+              <a:t> &amp; </a:t>
             </a:r>
             <a:r>
               <a:rPr lang="fr-FR" dirty="0" err="1"/>
-              <a:t>prometeus</a:t>
+              <a:t>Prometheus</a:t>
             </a:r>
             <a:endParaRPr lang="fr-FR" dirty="0"/>
           </a:p>
@@ -4369,7 +5116,7 @@
 </p:sld>
 </file>
 
-<file path=ppt/slides/slide14.xml><?xml version="1.0" encoding="utf-8"?>
+<file path=ppt/slides/slide18.xml><?xml version="1.0" encoding="utf-8"?>
 <p:sld xmlns:a="http://schemas.openxmlformats.org/drawingml/2006/main" xmlns:r="http://schemas.openxmlformats.org/officeDocument/2006/relationships" xmlns:p="http://schemas.openxmlformats.org/presentationml/2006/main">
   <p:cSld>
     <p:spTree>
@@ -4507,8 +5254,8 @@
         </p:nvSpPr>
         <p:spPr>
           <a:xfrm>
-            <a:off x="914400" y="1371600"/>
-            <a:ext cx="11134330" cy="369332"/>
+            <a:off x="798990" y="1918460"/>
+            <a:ext cx="1500283" cy="369332"/>
           </a:xfrm>
           <a:prstGeom prst="rect">
             <a:avLst/>
@@ -4533,24 +5280,9 @@
               </a:rPr>
               <a:t>Présentation</a:t>
             </a:r>
-            <a:r>
-              <a:rPr sz="1800" dirty="0">
-                <a:latin typeface="Calibri"/>
-              </a:rPr>
-              <a:t>................</a:t>
-            </a:r>
-            <a:r>
-              <a:rPr lang="fr-FR" sz="1800" dirty="0">
-                <a:latin typeface="Calibri"/>
-              </a:rPr>
-              <a:t>.....................................................................................................................</a:t>
-            </a:r>
-            <a:r>
-              <a:rPr sz="1800" dirty="0">
-                <a:latin typeface="Calibri"/>
-              </a:rPr>
-              <a:t>................................ 3</a:t>
-            </a:r>
+            <a:endParaRPr sz="1800" dirty="0">
+              <a:latin typeface="Calibri"/>
+            </a:endParaRPr>
           </a:p>
         </p:txBody>
       </p:sp>
@@ -4568,8 +5300,8 @@
         </p:nvSpPr>
         <p:spPr>
           <a:xfrm>
-            <a:off x="914400" y="1828800"/>
-            <a:ext cx="11109452" cy="369332"/>
+            <a:off x="798990" y="2854712"/>
+            <a:ext cx="2341025" cy="369332"/>
           </a:xfrm>
           <a:prstGeom prst="rect">
             <a:avLst/>
@@ -4594,24 +5326,9 @@
               </a:rPr>
               <a:t>utilisées</a:t>
             </a:r>
-            <a:r>
-              <a:rPr sz="1800" dirty="0">
-                <a:latin typeface="Calibri"/>
-              </a:rPr>
-              <a:t>.......................</a:t>
-            </a:r>
-            <a:r>
-              <a:rPr lang="fr-FR" sz="1800" dirty="0">
-                <a:latin typeface="Calibri"/>
-              </a:rPr>
-              <a:t>.....................................................................................................................</a:t>
-            </a:r>
-            <a:r>
-              <a:rPr sz="1800" dirty="0">
-                <a:latin typeface="Calibri"/>
-              </a:rPr>
-              <a:t>.......... 4</a:t>
-            </a:r>
+            <a:endParaRPr sz="1800" dirty="0">
+              <a:latin typeface="Calibri"/>
+            </a:endParaRPr>
           </a:p>
         </p:txBody>
       </p:sp>
@@ -4629,8 +5346,8 @@
         </p:nvSpPr>
         <p:spPr>
           <a:xfrm>
-            <a:off x="914400" y="2286000"/>
-            <a:ext cx="11150488" cy="369332"/>
+            <a:off x="798990" y="3351019"/>
+            <a:ext cx="2114361" cy="369332"/>
           </a:xfrm>
           <a:prstGeom prst="rect">
             <a:avLst/>
@@ -4662,29 +5379,12 @@
               <a:t> </a:t>
             </a:r>
             <a:r>
-              <a:rPr sz="1800" dirty="0" err="1">
-                <a:latin typeface="Calibri"/>
-              </a:rPr>
-              <a:t>Entité</a:t>
-            </a:r>
-            <a:r>
-              <a:rPr sz="1800" dirty="0">
-                <a:latin typeface="Calibri"/>
-              </a:rPr>
-              <a:t>-Association........</a:t>
-            </a:r>
-            <a:r>
-              <a:rPr lang="fr-FR" sz="1800" dirty="0">
-                <a:latin typeface="Calibri"/>
-              </a:rPr>
-              <a:t>...........................................................................................................</a:t>
-            </a:r>
-            <a:r>
-              <a:rPr sz="1800" dirty="0">
-                <a:latin typeface="Calibri"/>
-              </a:rPr>
-              <a:t>........................... 5</a:t>
-            </a:r>
+              <a:rPr lang="fr-BE" dirty="0"/>
+              <a:t>relationnel</a:t>
+            </a:r>
+            <a:endParaRPr sz="1800" dirty="0">
+              <a:latin typeface="Calibri"/>
+            </a:endParaRPr>
           </a:p>
         </p:txBody>
       </p:sp>
@@ -4702,8 +5402,8 @@
         </p:nvSpPr>
         <p:spPr>
           <a:xfrm>
-            <a:off x="914400" y="2743200"/>
-            <a:ext cx="11226728" cy="369332"/>
+            <a:off x="849862" y="3786367"/>
+            <a:ext cx="2988895" cy="369332"/>
           </a:xfrm>
           <a:prstGeom prst="rect">
             <a:avLst/>
@@ -4740,24 +5440,9 @@
               </a:rPr>
               <a:t>développées</a:t>
             </a:r>
-            <a:r>
-              <a:rPr sz="1800" dirty="0">
-                <a:latin typeface="Calibri"/>
-              </a:rPr>
-              <a:t>..............................</a:t>
-            </a:r>
-            <a:r>
-              <a:rPr lang="fr-FR" sz="1800" dirty="0">
-                <a:latin typeface="Calibri"/>
-              </a:rPr>
-              <a:t>...................................................................................................</a:t>
-            </a:r>
-            <a:r>
-              <a:rPr sz="1800" dirty="0">
-                <a:latin typeface="Calibri"/>
-              </a:rPr>
-              <a:t>... 6 à 12</a:t>
-            </a:r>
+            <a:endParaRPr sz="1800" dirty="0">
+              <a:latin typeface="Calibri"/>
+            </a:endParaRPr>
           </a:p>
         </p:txBody>
       </p:sp>
@@ -4775,8 +5460,8 @@
         </p:nvSpPr>
         <p:spPr>
           <a:xfrm>
-            <a:off x="914400" y="3287807"/>
-            <a:ext cx="11139396" cy="369332"/>
+            <a:off x="798990" y="4282673"/>
+            <a:ext cx="3027367" cy="369332"/>
           </a:xfrm>
           <a:prstGeom prst="rect">
             <a:avLst/>
@@ -4813,23 +5498,43 @@
               </a:rPr>
               <a:t>développer</a:t>
             </a:r>
-            <a:r>
-              <a:rPr sz="1800" dirty="0">
-                <a:latin typeface="Calibri"/>
-              </a:rPr>
-              <a:t>..............................</a:t>
-            </a:r>
-            <a:r>
-              <a:rPr lang="fr-FR" sz="1800" dirty="0">
-                <a:latin typeface="Calibri"/>
-              </a:rPr>
-              <a:t>.........................................................................................................</a:t>
-            </a:r>
-            <a:r>
-              <a:rPr sz="1800" dirty="0">
-                <a:latin typeface="Calibri"/>
-              </a:rPr>
-              <a:t>.. 13</a:t>
+            <a:endParaRPr sz="1800" dirty="0">
+              <a:latin typeface="Calibri"/>
+            </a:endParaRPr>
+          </a:p>
+        </p:txBody>
+      </p:sp>
+      <p:sp>
+        <p:nvSpPr>
+          <p:cNvPr id="2" name="ZoneTexte 1">
+            <a:extLst>
+              <a:ext uri="{FF2B5EF4-FFF2-40B4-BE49-F238E27FC236}">
+                <a16:creationId xmlns:a16="http://schemas.microsoft.com/office/drawing/2014/main" id="{A8A49E5A-F577-4AC2-9313-232D1D5B50F1}"/>
+              </a:ext>
+            </a:extLst>
+          </p:cNvPr>
+          <p:cNvSpPr txBox="1"/>
+          <p:nvPr/>
+        </p:nvSpPr>
+        <p:spPr>
+          <a:xfrm>
+            <a:off x="849862" y="2358406"/>
+            <a:ext cx="2362570" cy="369332"/>
+          </a:xfrm>
+          <a:prstGeom prst="rect">
+            <a:avLst/>
+          </a:prstGeom>
+          <a:noFill/>
+        </p:spPr>
+        <p:txBody>
+          <a:bodyPr wrap="none" rtlCol="0">
+            <a:spAutoFit/>
+          </a:bodyPr>
+          <a:lstStyle/>
+          <a:p>
+            <a:r>
+              <a:rPr lang="fr-BE" dirty="0"/>
+              <a:t>-Présentation du projet</a:t>
             </a:r>
           </a:p>
         </p:txBody>
@@ -5073,10 +5778,10 @@
       </p:grpSpPr>
       <p:sp>
         <p:nvSpPr>
-          <p:cNvPr id="4" name="ZoneTexte 3">
-            <a:extLst>
-              <a:ext uri="{FF2B5EF4-FFF2-40B4-BE49-F238E27FC236}">
-                <a16:creationId xmlns:a16="http://schemas.microsoft.com/office/drawing/2014/main" id="{8CAABC8F-CD70-D87F-B234-CA1D0B38533E}"/>
+          <p:cNvPr id="5" name="ZoneTexte 4">
+            <a:extLst>
+              <a:ext uri="{FF2B5EF4-FFF2-40B4-BE49-F238E27FC236}">
+                <a16:creationId xmlns:a16="http://schemas.microsoft.com/office/drawing/2014/main" id="{731DE7C9-C76B-4285-9841-991E3D469A00}"/>
               </a:ext>
             </a:extLst>
           </p:cNvPr>
@@ -5085,8 +5790,8 @@
         </p:nvSpPr>
         <p:spPr>
           <a:xfrm>
-            <a:off x="4109862" y="259086"/>
-            <a:ext cx="3972275" cy="769441"/>
+            <a:off x="2899660" y="152815"/>
+            <a:ext cx="6392680" cy="769441"/>
           </a:xfrm>
           <a:prstGeom prst="rect">
             <a:avLst/>
@@ -5107,7 +5812,7 @@
                   </a:schemeClr>
                 </a:solidFill>
               </a:rPr>
-              <a:t>Technologies</a:t>
+              <a:t>Présentation du projet : </a:t>
             </a:r>
             <a:endParaRPr lang="fr-BE" sz="4400" b="1" u="sng" dirty="0">
               <a:solidFill>
@@ -5121,10 +5826,10 @@
       </p:sp>
       <p:sp>
         <p:nvSpPr>
-          <p:cNvPr id="5" name="ZoneTexte 4">
-            <a:extLst>
-              <a:ext uri="{FF2B5EF4-FFF2-40B4-BE49-F238E27FC236}">
-                <a16:creationId xmlns:a16="http://schemas.microsoft.com/office/drawing/2014/main" id="{10C82B88-837F-023A-DE89-DC265FF00EBC}"/>
+          <p:cNvPr id="6" name="ZoneTexte 5">
+            <a:extLst>
+              <a:ext uri="{FF2B5EF4-FFF2-40B4-BE49-F238E27FC236}">
+                <a16:creationId xmlns:a16="http://schemas.microsoft.com/office/drawing/2014/main" id="{2705BC30-C8E7-4523-9C93-20932FB63462}"/>
               </a:ext>
             </a:extLst>
           </p:cNvPr>
@@ -5133,8 +5838,8 @@
         </p:nvSpPr>
         <p:spPr>
           <a:xfrm>
-            <a:off x="1156447" y="1951672"/>
-            <a:ext cx="2398285" cy="1477328"/>
+            <a:off x="665826" y="1393794"/>
+            <a:ext cx="10520302" cy="646331"/>
           </a:xfrm>
           <a:prstGeom prst="rect">
             <a:avLst/>
@@ -5142,63 +5847,24 @@
           <a:noFill/>
         </p:spPr>
         <p:txBody>
-          <a:bodyPr wrap="none" rtlCol="0">
+          <a:bodyPr wrap="square" rtlCol="0">
             <a:spAutoFit/>
           </a:bodyPr>
           <a:lstStyle/>
           <a:p>
             <a:r>
-              <a:rPr lang="fr-FR" b="1" u="sng" dirty="0" err="1"/>
-              <a:t>Back-end</a:t>
-            </a:r>
-            <a:r>
-              <a:rPr lang="fr-FR" b="1" u="sng" dirty="0"/>
-              <a:t> : </a:t>
-            </a:r>
-          </a:p>
-          <a:p>
-            <a:endParaRPr lang="fr-FR" dirty="0"/>
-          </a:p>
-          <a:p>
-            <a:r>
-              <a:rPr lang="fr-FR" dirty="0"/>
-              <a:t>Asp.net </a:t>
-            </a:r>
-            <a:r>
-              <a:rPr lang="fr-FR" dirty="0" err="1"/>
-              <a:t>core</a:t>
-            </a:r>
-            <a:r>
-              <a:rPr lang="fr-FR" dirty="0"/>
-              <a:t> Web Api</a:t>
-            </a:r>
-          </a:p>
-          <a:p>
-            <a:r>
-              <a:rPr lang="fr-FR" dirty="0" err="1"/>
-              <a:t>Entity</a:t>
-            </a:r>
-            <a:r>
-              <a:rPr lang="fr-FR" dirty="0"/>
-              <a:t> Framework </a:t>
-            </a:r>
-            <a:r>
-              <a:rPr lang="fr-FR" dirty="0" err="1"/>
-              <a:t>core</a:t>
-            </a:r>
-            <a:endParaRPr lang="fr-FR" dirty="0"/>
-          </a:p>
-          <a:p>
-            <a:endParaRPr lang="fr-BE" dirty="0"/>
-          </a:p>
-        </p:txBody>
-      </p:sp>
-      <p:sp>
-        <p:nvSpPr>
-          <p:cNvPr id="6" name="ZoneTexte 5">
-            <a:extLst>
-              <a:ext uri="{FF2B5EF4-FFF2-40B4-BE49-F238E27FC236}">
-                <a16:creationId xmlns:a16="http://schemas.microsoft.com/office/drawing/2014/main" id="{2685A56E-56B4-1CF4-893B-635241EDE13B}"/>
+              <a:rPr lang="fr-BE" dirty="0"/>
+              <a:t>Ce projet vise à développer une application web pour planifier efficacement les raids dans Final Fantasy XIV, en facilitant la coordination des joueurs et la discussion des stratégies.</a:t>
+            </a:r>
+          </a:p>
+        </p:txBody>
+      </p:sp>
+      <p:sp>
+        <p:nvSpPr>
+          <p:cNvPr id="7" name="ZoneTexte 6">
+            <a:extLst>
+              <a:ext uri="{FF2B5EF4-FFF2-40B4-BE49-F238E27FC236}">
+                <a16:creationId xmlns:a16="http://schemas.microsoft.com/office/drawing/2014/main" id="{BED4F96A-3590-4A9F-8910-07065734D852}"/>
               </a:ext>
             </a:extLst>
           </p:cNvPr>
@@ -5207,8 +5873,8 @@
         </p:nvSpPr>
         <p:spPr>
           <a:xfrm>
-            <a:off x="8451476" y="1951672"/>
-            <a:ext cx="1326069" cy="923330"/>
+            <a:off x="665826" y="2326997"/>
+            <a:ext cx="1615635" cy="369332"/>
           </a:xfrm>
           <a:prstGeom prst="rect">
             <a:avLst/>
@@ -5222,80 +5888,52 @@
           <a:lstStyle/>
           <a:p>
             <a:r>
-              <a:rPr lang="fr-FR" b="1" u="sng" dirty="0" err="1"/>
-              <a:t>Front-end</a:t>
-            </a:r>
-            <a:r>
-              <a:rPr lang="fr-FR" b="1" u="sng" dirty="0"/>
-              <a:t> :</a:t>
-            </a:r>
-          </a:p>
-          <a:p>
-            <a:endParaRPr lang="fr-FR" dirty="0"/>
-          </a:p>
-          <a:p>
-            <a:r>
-              <a:rPr lang="fr-FR" dirty="0" err="1"/>
-              <a:t>Blazor</a:t>
-            </a:r>
-            <a:endParaRPr lang="fr-BE" dirty="0"/>
-          </a:p>
-        </p:txBody>
-      </p:sp>
-      <p:sp>
-        <p:nvSpPr>
-          <p:cNvPr id="7" name="ZoneTexte 6">
-            <a:extLst>
-              <a:ext uri="{FF2B5EF4-FFF2-40B4-BE49-F238E27FC236}">
-                <a16:creationId xmlns:a16="http://schemas.microsoft.com/office/drawing/2014/main" id="{E0C362D9-C2D8-FE10-14AC-D0E7E6DCD776}"/>
-              </a:ext>
-            </a:extLst>
-          </p:cNvPr>
-          <p:cNvSpPr txBox="1"/>
+              <a:rPr lang="fr-BE" dirty="0"/>
+              <a:t>Actuellement : </a:t>
+            </a:r>
+          </a:p>
+        </p:txBody>
+      </p:sp>
+      <p:pic>
+        <p:nvPicPr>
+          <p:cNvPr id="9" name="Image 8">
+            <a:extLst>
+              <a:ext uri="{FF2B5EF4-FFF2-40B4-BE49-F238E27FC236}">
+                <a16:creationId xmlns:a16="http://schemas.microsoft.com/office/drawing/2014/main" id="{E637B3AA-7693-451A-BCEC-FB4CA57C361B}"/>
+              </a:ext>
+            </a:extLst>
+          </p:cNvPr>
+          <p:cNvPicPr>
+            <a:picLocks noChangeAspect="1"/>
+          </p:cNvPicPr>
           <p:nvPr/>
-        </p:nvSpPr>
-        <p:spPr>
-          <a:xfrm>
-            <a:off x="3472642" y="3982999"/>
-            <a:ext cx="5421421" cy="646331"/>
+        </p:nvPicPr>
+        <p:blipFill>
+          <a:blip r:embed="rId2">
+            <a:extLst>
+              <a:ext uri="{28A0092B-C50C-407E-A947-70E740481C1C}">
+                <a14:useLocalDpi xmlns:a14="http://schemas.microsoft.com/office/drawing/2010/main" val="0"/>
+              </a:ext>
+            </a:extLst>
+          </a:blip>
+          <a:stretch>
+            <a:fillRect/>
+          </a:stretch>
+        </p:blipFill>
+        <p:spPr>
+          <a:xfrm>
+            <a:off x="665826" y="2696330"/>
+            <a:ext cx="9487637" cy="3757480"/>
           </a:xfrm>
           <a:prstGeom prst="rect">
             <a:avLst/>
           </a:prstGeom>
-          <a:noFill/>
-        </p:spPr>
-        <p:txBody>
-          <a:bodyPr wrap="none" rtlCol="0">
-            <a:spAutoFit/>
-          </a:bodyPr>
-          <a:lstStyle/>
-          <a:p>
-            <a:r>
-              <a:rPr lang="fr-FR" b="1" u="sng" dirty="0"/>
-              <a:t>Architecture :</a:t>
-            </a:r>
-          </a:p>
-          <a:p>
-            <a:r>
-              <a:rPr lang="fr-BE" dirty="0"/>
-              <a:t>Architecture à trois couches (</a:t>
-            </a:r>
-            <a:r>
-              <a:rPr lang="fr-BE" dirty="0" err="1"/>
-              <a:t>Three</a:t>
-            </a:r>
-            <a:r>
-              <a:rPr lang="fr-BE" dirty="0"/>
-              <a:t>-Tier Architecture)</a:t>
-            </a:r>
-            <a:endParaRPr lang="fr-BE" b="1" u="sng" dirty="0"/>
-          </a:p>
-        </p:txBody>
-      </p:sp>
+        </p:spPr>
+      </p:pic>
     </p:spTree>
     <p:extLst>
       <p:ext uri="{BB962C8B-B14F-4D97-AF65-F5344CB8AC3E}">
-        <p14:creationId xmlns:p14="http://schemas.microsoft.com/office/powerpoint/2010/main" val="2586019543"/>
+        <p14:creationId xmlns:p14="http://schemas.microsoft.com/office/powerpoint/2010/main" val="3387244132"/>
       </p:ext>
     </p:extLst>
   </p:cSld>
@@ -5327,7 +5965,7 @@
           <p:cNvPr id="4" name="ZoneTexte 3">
             <a:extLst>
               <a:ext uri="{FF2B5EF4-FFF2-40B4-BE49-F238E27FC236}">
-                <a16:creationId xmlns:a16="http://schemas.microsoft.com/office/drawing/2014/main" id="{12885B2C-4BB4-979F-48F0-96B7ADE37AEE}"/>
+                <a16:creationId xmlns:a16="http://schemas.microsoft.com/office/drawing/2014/main" id="{A773F499-3BA9-4F99-A787-D4B0F5F26CE8}"/>
               </a:ext>
             </a:extLst>
           </p:cNvPr>
@@ -5336,8 +5974,8 @@
         </p:nvSpPr>
         <p:spPr>
           <a:xfrm>
-            <a:off x="2591643" y="262218"/>
-            <a:ext cx="7008714" cy="769441"/>
+            <a:off x="2899660" y="152815"/>
+            <a:ext cx="6392680" cy="769441"/>
           </a:xfrm>
           <a:prstGeom prst="rect">
             <a:avLst/>
@@ -5345,30 +5983,37 @@
           <a:noFill/>
         </p:spPr>
         <p:txBody>
-          <a:bodyPr wrap="none" rtlCol="0">
+          <a:bodyPr wrap="square">
             <a:spAutoFit/>
           </a:bodyPr>
           <a:lstStyle/>
           <a:p>
             <a:r>
-              <a:rPr lang="fr-BE" sz="4400" b="1" u="sng" dirty="0">
+              <a:rPr lang="fr-FR" sz="4400" b="1" u="sng" dirty="0">
                 <a:solidFill>
                   <a:schemeClr val="accent1">
                     <a:lumMod val="75000"/>
                   </a:schemeClr>
                 </a:solidFill>
               </a:rPr>
-              <a:t>Schéma entité association</a:t>
-            </a:r>
+              <a:t>Présentation du projet : </a:t>
+            </a:r>
+            <a:endParaRPr lang="fr-BE" sz="4400" b="1" u="sng" dirty="0">
+              <a:solidFill>
+                <a:schemeClr val="accent1">
+                  <a:lumMod val="75000"/>
+                </a:schemeClr>
+              </a:solidFill>
+            </a:endParaRPr>
           </a:p>
         </p:txBody>
       </p:sp>
       <p:pic>
         <p:nvPicPr>
-          <p:cNvPr id="6" name="Image 5" descr="Une image contenant texte, diagramme, capture d’écran, Plan&#10;&#10;Le contenu généré par l’IA peut être incorrect.">
-            <a:extLst>
-              <a:ext uri="{FF2B5EF4-FFF2-40B4-BE49-F238E27FC236}">
-                <a16:creationId xmlns:a16="http://schemas.microsoft.com/office/drawing/2014/main" id="{B9930978-F01B-845A-C301-D6172FE979E1}"/>
+          <p:cNvPr id="6" name="Image 5">
+            <a:extLst>
+              <a:ext uri="{FF2B5EF4-FFF2-40B4-BE49-F238E27FC236}">
+                <a16:creationId xmlns:a16="http://schemas.microsoft.com/office/drawing/2014/main" id="{8F0C06F1-95ED-4A21-BDC2-F2D30A2B26D9}"/>
               </a:ext>
             </a:extLst>
           </p:cNvPr>
@@ -5391,8 +6036,44 @@
         </p:blipFill>
         <p:spPr>
           <a:xfrm>
-            <a:off x="2591643" y="1207827"/>
-            <a:ext cx="6448791" cy="5274571"/>
+            <a:off x="397566" y="1247718"/>
+            <a:ext cx="6851374" cy="2661673"/>
+          </a:xfrm>
+          <a:prstGeom prst="rect">
+            <a:avLst/>
+          </a:prstGeom>
+        </p:spPr>
+      </p:pic>
+      <p:pic>
+        <p:nvPicPr>
+          <p:cNvPr id="8" name="Image 7">
+            <a:extLst>
+              <a:ext uri="{FF2B5EF4-FFF2-40B4-BE49-F238E27FC236}">
+                <a16:creationId xmlns:a16="http://schemas.microsoft.com/office/drawing/2014/main" id="{98B86AFC-CDA4-43B7-ACC5-1212C114944E}"/>
+              </a:ext>
+            </a:extLst>
+          </p:cNvPr>
+          <p:cNvPicPr>
+            <a:picLocks noChangeAspect="1"/>
+          </p:cNvPicPr>
+          <p:nvPr/>
+        </p:nvPicPr>
+        <p:blipFill>
+          <a:blip r:embed="rId3">
+            <a:extLst>
+              <a:ext uri="{28A0092B-C50C-407E-A947-70E740481C1C}">
+                <a14:useLocalDpi xmlns:a14="http://schemas.microsoft.com/office/drawing/2010/main" val="0"/>
+              </a:ext>
+            </a:extLst>
+          </a:blip>
+          <a:stretch>
+            <a:fillRect/>
+          </a:stretch>
+        </p:blipFill>
+        <p:spPr>
+          <a:xfrm>
+            <a:off x="7525237" y="1054778"/>
+            <a:ext cx="4603068" cy="5344502"/>
           </a:xfrm>
           <a:prstGeom prst="rect">
             <a:avLst/>
@@ -5402,7 +6083,7 @@
     </p:spTree>
     <p:extLst>
       <p:ext uri="{BB962C8B-B14F-4D97-AF65-F5344CB8AC3E}">
-        <p14:creationId xmlns:p14="http://schemas.microsoft.com/office/powerpoint/2010/main" val="1504743319"/>
+        <p14:creationId xmlns:p14="http://schemas.microsoft.com/office/powerpoint/2010/main" val="2843050397"/>
       </p:ext>
     </p:extLst>
   </p:cSld>
@@ -5434,7 +6115,7 @@
           <p:cNvPr id="4" name="ZoneTexte 3">
             <a:extLst>
               <a:ext uri="{FF2B5EF4-FFF2-40B4-BE49-F238E27FC236}">
-                <a16:creationId xmlns:a16="http://schemas.microsoft.com/office/drawing/2014/main" id="{1CA59076-59C4-8105-EE78-86489F7ED804}"/>
+                <a16:creationId xmlns:a16="http://schemas.microsoft.com/office/drawing/2014/main" id="{8CAABC8F-CD70-D87F-B234-CA1D0B38533E}"/>
               </a:ext>
             </a:extLst>
           </p:cNvPr>
@@ -5443,8 +6124,8 @@
         </p:nvSpPr>
         <p:spPr>
           <a:xfrm>
-            <a:off x="3825919" y="238213"/>
-            <a:ext cx="4540162" cy="769441"/>
+            <a:off x="4109862" y="259086"/>
+            <a:ext cx="3972275" cy="769441"/>
           </a:xfrm>
           <a:prstGeom prst="rect">
             <a:avLst/>
@@ -5465,7 +6146,7 @@
                   </a:schemeClr>
                 </a:solidFill>
               </a:rPr>
-              <a:t>Fonctionnalités</a:t>
+              <a:t>Technologies</a:t>
             </a:r>
             <a:endParaRPr lang="fr-BE" sz="4400" b="1" u="sng" dirty="0">
               <a:solidFill>
@@ -5477,48 +6158,12 @@
           </a:p>
         </p:txBody>
       </p:sp>
-      <p:pic>
-        <p:nvPicPr>
-          <p:cNvPr id="6" name="Image 5" descr="Une image contenant croquis, dessin, diagramme, ligne&#10;&#10;Le contenu généré par l’IA peut être incorrect.">
-            <a:extLst>
-              <a:ext uri="{FF2B5EF4-FFF2-40B4-BE49-F238E27FC236}">
-                <a16:creationId xmlns:a16="http://schemas.microsoft.com/office/drawing/2014/main" id="{05E90B47-776D-9C0C-5D87-5F0366FC543D}"/>
-              </a:ext>
-            </a:extLst>
-          </p:cNvPr>
-          <p:cNvPicPr>
-            <a:picLocks noChangeAspect="1"/>
-          </p:cNvPicPr>
-          <p:nvPr/>
-        </p:nvPicPr>
-        <p:blipFill>
-          <a:blip r:embed="rId2">
-            <a:extLst>
-              <a:ext uri="{28A0092B-C50C-407E-A947-70E740481C1C}">
-                <a14:useLocalDpi xmlns:a14="http://schemas.microsoft.com/office/drawing/2010/main" val="0"/>
-              </a:ext>
-            </a:extLst>
-          </a:blip>
-          <a:stretch>
-            <a:fillRect/>
-          </a:stretch>
-        </p:blipFill>
-        <p:spPr>
-          <a:xfrm>
-            <a:off x="761180" y="1317009"/>
-            <a:ext cx="5170779" cy="4858603"/>
-          </a:xfrm>
-          <a:prstGeom prst="rect">
-            <a:avLst/>
-          </a:prstGeom>
-        </p:spPr>
-      </p:pic>
-      <p:sp>
-        <p:nvSpPr>
-          <p:cNvPr id="8" name="ZoneTexte 7">
-            <a:extLst>
-              <a:ext uri="{FF2B5EF4-FFF2-40B4-BE49-F238E27FC236}">
-                <a16:creationId xmlns:a16="http://schemas.microsoft.com/office/drawing/2014/main" id="{E5DB0FA4-6CC6-A63D-B773-757BB8C4CB63}"/>
+      <p:sp>
+        <p:nvSpPr>
+          <p:cNvPr id="5" name="ZoneTexte 4">
+            <a:extLst>
+              <a:ext uri="{FF2B5EF4-FFF2-40B4-BE49-F238E27FC236}">
+                <a16:creationId xmlns:a16="http://schemas.microsoft.com/office/drawing/2014/main" id="{10C82B88-837F-023A-DE89-DC265FF00EBC}"/>
               </a:ext>
             </a:extLst>
           </p:cNvPr>
@@ -5527,8 +6172,8 @@
         </p:nvSpPr>
         <p:spPr>
           <a:xfrm>
-            <a:off x="6675120" y="1493003"/>
-            <a:ext cx="6096000" cy="3567195"/>
+            <a:off x="1156447" y="1951672"/>
+            <a:ext cx="2398285" cy="1477328"/>
           </a:xfrm>
           <a:prstGeom prst="rect">
             <a:avLst/>
@@ -5536,201 +6181,160 @@
           <a:noFill/>
         </p:spPr>
         <p:txBody>
-          <a:bodyPr wrap="square">
+          <a:bodyPr wrap="none" rtlCol="0">
             <a:spAutoFit/>
           </a:bodyPr>
           <a:lstStyle/>
           <a:p>
-            <a:pPr>
-              <a:lnSpc>
-                <a:spcPct val="107000"/>
-              </a:lnSpc>
-              <a:spcAft>
-                <a:spcPts val="800"/>
-              </a:spcAft>
-              <a:buNone/>
-            </a:pPr>
-            <a:r>
-              <a:rPr lang="fr-BE" sz="1800" b="1" u="sng" dirty="0">
-                <a:effectLst/>
-                <a:latin typeface="Calibri" panose="020F0502020204030204" pitchFamily="34" charset="0"/>
-                <a:ea typeface="Calibri" panose="020F0502020204030204" pitchFamily="34" charset="0"/>
-                <a:cs typeface="Times New Roman" panose="02020603050405020304" pitchFamily="18" charset="0"/>
-              </a:rPr>
-              <a:t>Priorité : </a:t>
-            </a:r>
-            <a:endParaRPr lang="fr-BE" sz="1800" dirty="0">
-              <a:effectLst/>
-              <a:latin typeface="Calibri" panose="020F0502020204030204" pitchFamily="34" charset="0"/>
-              <a:ea typeface="Calibri" panose="020F0502020204030204" pitchFamily="34" charset="0"/>
-              <a:cs typeface="Times New Roman" panose="02020603050405020304" pitchFamily="18" charset="0"/>
-            </a:endParaRPr>
-          </a:p>
-          <a:p>
-            <a:pPr>
-              <a:lnSpc>
-                <a:spcPct val="107000"/>
-              </a:lnSpc>
-              <a:spcAft>
-                <a:spcPts val="800"/>
-              </a:spcAft>
-              <a:buNone/>
-            </a:pPr>
-            <a:r>
-              <a:rPr lang="fr-BE" sz="1800" dirty="0">
-                <a:effectLst/>
-                <a:latin typeface="Calibri" panose="020F0502020204030204" pitchFamily="34" charset="0"/>
-                <a:ea typeface="Calibri" panose="020F0502020204030204" pitchFamily="34" charset="0"/>
-                <a:cs typeface="Times New Roman" panose="02020603050405020304" pitchFamily="18" charset="0"/>
-              </a:rPr>
-              <a:t>1.Creer compte</a:t>
-            </a:r>
-          </a:p>
-          <a:p>
-            <a:pPr>
-              <a:lnSpc>
-                <a:spcPct val="107000"/>
-              </a:lnSpc>
-              <a:spcAft>
-                <a:spcPts val="800"/>
-              </a:spcAft>
-              <a:buNone/>
-            </a:pPr>
-            <a:r>
-              <a:rPr lang="fr-BE" sz="1800" dirty="0">
-                <a:effectLst/>
-                <a:latin typeface="Calibri" panose="020F0502020204030204" pitchFamily="34" charset="0"/>
-                <a:ea typeface="Calibri" panose="020F0502020204030204" pitchFamily="34" charset="0"/>
-                <a:cs typeface="Times New Roman" panose="02020603050405020304" pitchFamily="18" charset="0"/>
-              </a:rPr>
-              <a:t>2.Se connecter</a:t>
-            </a:r>
-          </a:p>
-          <a:p>
-            <a:pPr>
-              <a:lnSpc>
-                <a:spcPct val="107000"/>
-              </a:lnSpc>
-              <a:spcAft>
-                <a:spcPts val="800"/>
-              </a:spcAft>
-              <a:buNone/>
-            </a:pPr>
-            <a:r>
-              <a:rPr lang="fr-BE" sz="1800" dirty="0">
-                <a:effectLst/>
-                <a:latin typeface="Calibri" panose="020F0502020204030204" pitchFamily="34" charset="0"/>
-                <a:ea typeface="Calibri" panose="020F0502020204030204" pitchFamily="34" charset="0"/>
-                <a:cs typeface="Times New Roman" panose="02020603050405020304" pitchFamily="18" charset="0"/>
-              </a:rPr>
-              <a:t>3.Gerer utilisateur</a:t>
-            </a:r>
-          </a:p>
-          <a:p>
-            <a:pPr>
-              <a:lnSpc>
-                <a:spcPct val="107000"/>
-              </a:lnSpc>
-              <a:spcAft>
-                <a:spcPts val="800"/>
-              </a:spcAft>
-              <a:buNone/>
-            </a:pPr>
-            <a:r>
-              <a:rPr lang="fr-BE" sz="1800" dirty="0">
-                <a:effectLst/>
-                <a:latin typeface="Calibri" panose="020F0502020204030204" pitchFamily="34" charset="0"/>
-                <a:ea typeface="Calibri" panose="020F0502020204030204" pitchFamily="34" charset="0"/>
-                <a:cs typeface="Times New Roman" panose="02020603050405020304" pitchFamily="18" charset="0"/>
-              </a:rPr>
-              <a:t>4.Gerer disponibilité </a:t>
-            </a:r>
-          </a:p>
-          <a:p>
-            <a:pPr>
-              <a:lnSpc>
-                <a:spcPct val="107000"/>
-              </a:lnSpc>
-              <a:spcAft>
-                <a:spcPts val="800"/>
-              </a:spcAft>
-              <a:buNone/>
-            </a:pPr>
-            <a:r>
-              <a:rPr lang="fr-BE" sz="1800" dirty="0">
-                <a:effectLst/>
-                <a:latin typeface="Calibri" panose="020F0502020204030204" pitchFamily="34" charset="0"/>
-                <a:ea typeface="Calibri" panose="020F0502020204030204" pitchFamily="34" charset="0"/>
-                <a:cs typeface="Times New Roman" panose="02020603050405020304" pitchFamily="18" charset="0"/>
-              </a:rPr>
-              <a:t>5.Gerer raid</a:t>
-            </a:r>
-          </a:p>
-          <a:p>
-            <a:pPr>
-              <a:lnSpc>
-                <a:spcPct val="107000"/>
-              </a:lnSpc>
-              <a:spcAft>
-                <a:spcPts val="800"/>
-              </a:spcAft>
-              <a:buNone/>
-            </a:pPr>
-            <a:r>
-              <a:rPr lang="fr-BE" sz="1800" dirty="0">
-                <a:effectLst/>
-                <a:latin typeface="Calibri" panose="020F0502020204030204" pitchFamily="34" charset="0"/>
-                <a:ea typeface="Calibri" panose="020F0502020204030204" pitchFamily="34" charset="0"/>
-                <a:cs typeface="Times New Roman" panose="02020603050405020304" pitchFamily="18" charset="0"/>
-              </a:rPr>
-              <a:t>6.Gerer stratégie</a:t>
-            </a:r>
-          </a:p>
-          <a:p>
-            <a:pPr>
-              <a:lnSpc>
-                <a:spcPct val="107000"/>
-              </a:lnSpc>
-              <a:spcAft>
-                <a:spcPts val="800"/>
-              </a:spcAft>
-              <a:buNone/>
-            </a:pPr>
-            <a:r>
-              <a:rPr lang="fr-BE" sz="1800" dirty="0">
-                <a:effectLst/>
-                <a:latin typeface="Calibri" panose="020F0502020204030204" pitchFamily="34" charset="0"/>
-                <a:ea typeface="Calibri" panose="020F0502020204030204" pitchFamily="34" charset="0"/>
-                <a:cs typeface="Times New Roman" panose="02020603050405020304" pitchFamily="18" charset="0"/>
-              </a:rPr>
-              <a:t>7.Recevoir notification </a:t>
-            </a:r>
-          </a:p>
-          <a:p>
-            <a:pPr>
-              <a:lnSpc>
-                <a:spcPct val="107000"/>
-              </a:lnSpc>
-              <a:spcAft>
-                <a:spcPts val="800"/>
-              </a:spcAft>
-            </a:pPr>
-            <a:r>
-              <a:rPr lang="fr-BE" sz="1800" dirty="0">
-                <a:effectLst/>
-                <a:latin typeface="Calibri" panose="020F0502020204030204" pitchFamily="34" charset="0"/>
-                <a:ea typeface="Calibri" panose="020F0502020204030204" pitchFamily="34" charset="0"/>
-                <a:cs typeface="Times New Roman" panose="02020603050405020304" pitchFamily="18" charset="0"/>
-              </a:rPr>
-              <a:t>8.Suivre performance</a:t>
-            </a:r>
+            <a:r>
+              <a:rPr lang="fr-FR" b="1" u="sng" dirty="0" err="1"/>
+              <a:t>Back-end</a:t>
+            </a:r>
+            <a:r>
+              <a:rPr lang="fr-FR" b="1" u="sng" dirty="0"/>
+              <a:t> : </a:t>
+            </a:r>
+          </a:p>
+          <a:p>
+            <a:endParaRPr lang="fr-FR" dirty="0"/>
+          </a:p>
+          <a:p>
+            <a:r>
+              <a:rPr lang="fr-FR" dirty="0"/>
+              <a:t>Asp.net </a:t>
+            </a:r>
+            <a:r>
+              <a:rPr lang="fr-FR" dirty="0" err="1"/>
+              <a:t>core</a:t>
+            </a:r>
+            <a:r>
+              <a:rPr lang="fr-FR" dirty="0"/>
+              <a:t> Web Api</a:t>
+            </a:r>
+          </a:p>
+          <a:p>
+            <a:r>
+              <a:rPr lang="fr-FR" dirty="0" err="1"/>
+              <a:t>Entity</a:t>
+            </a:r>
+            <a:r>
+              <a:rPr lang="fr-FR" dirty="0"/>
+              <a:t> Framework </a:t>
+            </a:r>
+            <a:r>
+              <a:rPr lang="fr-FR" dirty="0" err="1"/>
+              <a:t>core</a:t>
+            </a:r>
+            <a:endParaRPr lang="fr-FR" dirty="0"/>
+          </a:p>
+          <a:p>
+            <a:endParaRPr lang="fr-BE" dirty="0"/>
+          </a:p>
+        </p:txBody>
+      </p:sp>
+      <p:sp>
+        <p:nvSpPr>
+          <p:cNvPr id="6" name="ZoneTexte 5">
+            <a:extLst>
+              <a:ext uri="{FF2B5EF4-FFF2-40B4-BE49-F238E27FC236}">
+                <a16:creationId xmlns:a16="http://schemas.microsoft.com/office/drawing/2014/main" id="{2685A56E-56B4-1CF4-893B-635241EDE13B}"/>
+              </a:ext>
+            </a:extLst>
+          </p:cNvPr>
+          <p:cNvSpPr txBox="1"/>
+          <p:nvPr/>
+        </p:nvSpPr>
+        <p:spPr>
+          <a:xfrm>
+            <a:off x="8451476" y="1951672"/>
+            <a:ext cx="1326069" cy="923330"/>
+          </a:xfrm>
+          <a:prstGeom prst="rect">
+            <a:avLst/>
+          </a:prstGeom>
+          <a:noFill/>
+        </p:spPr>
+        <p:txBody>
+          <a:bodyPr wrap="none" rtlCol="0">
+            <a:spAutoFit/>
+          </a:bodyPr>
+          <a:lstStyle/>
+          <a:p>
+            <a:r>
+              <a:rPr lang="fr-FR" b="1" u="sng" dirty="0" err="1"/>
+              <a:t>Front-end</a:t>
+            </a:r>
+            <a:r>
+              <a:rPr lang="fr-FR" b="1" u="sng" dirty="0"/>
+              <a:t> :</a:t>
+            </a:r>
+          </a:p>
+          <a:p>
+            <a:endParaRPr lang="fr-FR" dirty="0"/>
+          </a:p>
+          <a:p>
+            <a:r>
+              <a:rPr lang="fr-FR" dirty="0" err="1"/>
+              <a:t>Blazor</a:t>
+            </a:r>
+            <a:endParaRPr lang="fr-BE" dirty="0"/>
+          </a:p>
+        </p:txBody>
+      </p:sp>
+      <p:sp>
+        <p:nvSpPr>
+          <p:cNvPr id="7" name="ZoneTexte 6">
+            <a:extLst>
+              <a:ext uri="{FF2B5EF4-FFF2-40B4-BE49-F238E27FC236}">
+                <a16:creationId xmlns:a16="http://schemas.microsoft.com/office/drawing/2014/main" id="{E0C362D9-C2D8-FE10-14AC-D0E7E6DCD776}"/>
+              </a:ext>
+            </a:extLst>
+          </p:cNvPr>
+          <p:cNvSpPr txBox="1"/>
+          <p:nvPr/>
+        </p:nvSpPr>
+        <p:spPr>
+          <a:xfrm>
+            <a:off x="3472642" y="3982999"/>
+            <a:ext cx="5421421" cy="646331"/>
+          </a:xfrm>
+          <a:prstGeom prst="rect">
+            <a:avLst/>
+          </a:prstGeom>
+          <a:noFill/>
+        </p:spPr>
+        <p:txBody>
+          <a:bodyPr wrap="none" rtlCol="0">
+            <a:spAutoFit/>
+          </a:bodyPr>
+          <a:lstStyle/>
+          <a:p>
+            <a:r>
+              <a:rPr lang="fr-FR" b="1" u="sng" dirty="0"/>
+              <a:t>Architecture :</a:t>
+            </a:r>
+          </a:p>
+          <a:p>
+            <a:r>
+              <a:rPr lang="fr-BE" dirty="0"/>
+              <a:t>Architecture à trois couches (</a:t>
+            </a:r>
+            <a:r>
+              <a:rPr lang="fr-BE" dirty="0" err="1"/>
+              <a:t>Three</a:t>
+            </a:r>
+            <a:r>
+              <a:rPr lang="fr-BE" dirty="0"/>
+              <a:t>-Tier Architecture)</a:t>
+            </a:r>
+            <a:endParaRPr lang="fr-BE" b="1" u="sng" dirty="0"/>
           </a:p>
         </p:txBody>
       </p:sp>
     </p:spTree>
     <p:extLst>
       <p:ext uri="{BB962C8B-B14F-4D97-AF65-F5344CB8AC3E}">
-        <p14:creationId xmlns:p14="http://schemas.microsoft.com/office/powerpoint/2010/main" val="1252644167"/>
+        <p14:creationId xmlns:p14="http://schemas.microsoft.com/office/powerpoint/2010/main" val="2586019543"/>
       </p:ext>
     </p:extLst>
   </p:cSld>
@@ -5762,7 +6366,7 @@
           <p:cNvPr id="4" name="ZoneTexte 3">
             <a:extLst>
               <a:ext uri="{FF2B5EF4-FFF2-40B4-BE49-F238E27FC236}">
-                <a16:creationId xmlns:a16="http://schemas.microsoft.com/office/drawing/2014/main" id="{2A2F8D18-25F9-03E9-C598-889CBB8E6019}"/>
+                <a16:creationId xmlns:a16="http://schemas.microsoft.com/office/drawing/2014/main" id="{12885B2C-4BB4-979F-48F0-96B7ADE37AEE}"/>
               </a:ext>
             </a:extLst>
           </p:cNvPr>
@@ -5771,8 +6375,8 @@
         </p:nvSpPr>
         <p:spPr>
           <a:xfrm>
-            <a:off x="3825919" y="238213"/>
-            <a:ext cx="4540162" cy="769441"/>
+            <a:off x="3692489" y="375602"/>
+            <a:ext cx="4691925" cy="769441"/>
           </a:xfrm>
           <a:prstGeom prst="rect">
             <a:avLst/>
@@ -5780,37 +6384,30 @@
           <a:noFill/>
         </p:spPr>
         <p:txBody>
-          <a:bodyPr wrap="square">
+          <a:bodyPr wrap="none" rtlCol="0">
             <a:spAutoFit/>
           </a:bodyPr>
           <a:lstStyle/>
           <a:p>
             <a:r>
-              <a:rPr lang="fr-FR" sz="4400" b="1" u="sng" dirty="0">
+              <a:rPr lang="fr-BE" sz="4400" b="1" u="sng" dirty="0">
                 <a:solidFill>
                   <a:schemeClr val="accent1">
                     <a:lumMod val="75000"/>
                   </a:schemeClr>
                 </a:solidFill>
               </a:rPr>
-              <a:t>Fonctionnalités</a:t>
-            </a:r>
-            <a:endParaRPr lang="fr-BE" sz="4400" b="1" u="sng" dirty="0">
-              <a:solidFill>
-                <a:schemeClr val="accent1">
-                  <a:lumMod val="75000"/>
-                </a:schemeClr>
-              </a:solidFill>
-            </a:endParaRPr>
+              <a:t>Schéma relationnel</a:t>
+            </a:r>
           </a:p>
         </p:txBody>
       </p:sp>
       <p:pic>
         <p:nvPicPr>
-          <p:cNvPr id="6" name="Image 5" descr="Une image contenant texte, capture d’écran, Police, document&#10;&#10;Le contenu généré par l’IA peut être incorrect.">
-            <a:extLst>
-              <a:ext uri="{FF2B5EF4-FFF2-40B4-BE49-F238E27FC236}">
-                <a16:creationId xmlns:a16="http://schemas.microsoft.com/office/drawing/2014/main" id="{6CB3C0F7-53D5-C876-C27E-51B9D389C3E6}"/>
+          <p:cNvPr id="6" name="Image 5" descr="Une image contenant texte, diagramme, capture d’écran, Plan&#10;&#10;Le contenu généré par l’IA peut être incorrect.">
+            <a:extLst>
+              <a:ext uri="{FF2B5EF4-FFF2-40B4-BE49-F238E27FC236}">
+                <a16:creationId xmlns:a16="http://schemas.microsoft.com/office/drawing/2014/main" id="{B9930978-F01B-845A-C301-D6172FE979E1}"/>
               </a:ext>
             </a:extLst>
           </p:cNvPr>
@@ -5833,44 +6430,8 @@
         </p:blipFill>
         <p:spPr>
           <a:xfrm>
-            <a:off x="491341" y="1136280"/>
-            <a:ext cx="6173619" cy="5296639"/>
-          </a:xfrm>
-          <a:prstGeom prst="rect">
-            <a:avLst/>
-          </a:prstGeom>
-        </p:spPr>
-      </p:pic>
-      <p:pic>
-        <p:nvPicPr>
-          <p:cNvPr id="8" name="Image 7" descr="Une image contenant texte, capture d’écran, Police, algèbre&#10;&#10;Le contenu généré par l’IA peut être incorrect.">
-            <a:extLst>
-              <a:ext uri="{FF2B5EF4-FFF2-40B4-BE49-F238E27FC236}">
-                <a16:creationId xmlns:a16="http://schemas.microsoft.com/office/drawing/2014/main" id="{2C5462AE-7D7B-4AFC-5821-082A6CCFA78D}"/>
-              </a:ext>
-            </a:extLst>
-          </p:cNvPr>
-          <p:cNvPicPr>
-            <a:picLocks noChangeAspect="1"/>
-          </p:cNvPicPr>
-          <p:nvPr/>
-        </p:nvPicPr>
-        <p:blipFill>
-          <a:blip r:embed="rId3">
-            <a:extLst>
-              <a:ext uri="{28A0092B-C50C-407E-A947-70E740481C1C}">
-                <a14:useLocalDpi xmlns:a14="http://schemas.microsoft.com/office/drawing/2010/main" val="0"/>
-              </a:ext>
-            </a:extLst>
-          </a:blip>
-          <a:stretch>
-            <a:fillRect/>
-          </a:stretch>
-        </p:blipFill>
-        <p:spPr>
-          <a:xfrm>
-            <a:off x="6096000" y="1136280"/>
-            <a:ext cx="6098098" cy="3362794"/>
+            <a:off x="2591643" y="1207827"/>
+            <a:ext cx="6448791" cy="5274571"/>
           </a:xfrm>
           <a:prstGeom prst="rect">
             <a:avLst/>
@@ -5880,7 +6441,7 @@
     </p:spTree>
     <p:extLst>
       <p:ext uri="{BB962C8B-B14F-4D97-AF65-F5344CB8AC3E}">
-        <p14:creationId xmlns:p14="http://schemas.microsoft.com/office/powerpoint/2010/main" val="3454020182"/>
+        <p14:creationId xmlns:p14="http://schemas.microsoft.com/office/powerpoint/2010/main" val="1504743319"/>
       </p:ext>
     </p:extLst>
   </p:cSld>
@@ -5912,7 +6473,7 @@
           <p:cNvPr id="4" name="ZoneTexte 3">
             <a:extLst>
               <a:ext uri="{FF2B5EF4-FFF2-40B4-BE49-F238E27FC236}">
-                <a16:creationId xmlns:a16="http://schemas.microsoft.com/office/drawing/2014/main" id="{83052425-3F7F-9A59-F370-CE54B79D5700}"/>
+                <a16:creationId xmlns:a16="http://schemas.microsoft.com/office/drawing/2014/main" id="{1CA59076-59C4-8105-EE78-86489F7ED804}"/>
               </a:ext>
             </a:extLst>
           </p:cNvPr>
@@ -5955,48 +6516,12 @@
           </a:p>
         </p:txBody>
       </p:sp>
-      <p:sp>
-        <p:nvSpPr>
-          <p:cNvPr id="6" name="ZoneTexte 5">
-            <a:extLst>
-              <a:ext uri="{FF2B5EF4-FFF2-40B4-BE49-F238E27FC236}">
-                <a16:creationId xmlns:a16="http://schemas.microsoft.com/office/drawing/2014/main" id="{929BA9DA-D5FC-1AAF-DC18-C06B792551D1}"/>
-              </a:ext>
-            </a:extLst>
-          </p:cNvPr>
-          <p:cNvSpPr txBox="1"/>
-          <p:nvPr/>
-        </p:nvSpPr>
-        <p:spPr>
-          <a:xfrm>
-            <a:off x="650240" y="1422400"/>
-            <a:ext cx="2377189" cy="369332"/>
-          </a:xfrm>
-          <a:prstGeom prst="rect">
-            <a:avLst/>
-          </a:prstGeom>
-          <a:noFill/>
-        </p:spPr>
-        <p:txBody>
-          <a:bodyPr wrap="none" rtlCol="0">
-            <a:spAutoFit/>
-          </a:bodyPr>
-          <a:lstStyle/>
-          <a:p>
-            <a:r>
-              <a:rPr lang="fr-FR" b="1" u="sng" dirty="0"/>
-              <a:t>Créer un utilisateur : </a:t>
-            </a:r>
-            <a:endParaRPr lang="fr-BE" b="1" u="sng" dirty="0"/>
-          </a:p>
-        </p:txBody>
-      </p:sp>
       <p:pic>
         <p:nvPicPr>
-          <p:cNvPr id="8" name="Image 7" descr="Une image contenant capture d’écran, texte, ligne&#10;&#10;Le contenu généré par l’IA peut être incorrect.">
-            <a:extLst>
-              <a:ext uri="{FF2B5EF4-FFF2-40B4-BE49-F238E27FC236}">
-                <a16:creationId xmlns:a16="http://schemas.microsoft.com/office/drawing/2014/main" id="{A8AE0817-0EE2-0CCA-14CF-D7B3FB29DC89}"/>
+          <p:cNvPr id="6" name="Image 5" descr="Une image contenant croquis, dessin, diagramme, ligne&#10;&#10;Le contenu généré par l’IA peut être incorrect.">
+            <a:extLst>
+              <a:ext uri="{FF2B5EF4-FFF2-40B4-BE49-F238E27FC236}">
+                <a16:creationId xmlns:a16="http://schemas.microsoft.com/office/drawing/2014/main" id="{05E90B47-776D-9C0C-5D87-5F0366FC543D}"/>
               </a:ext>
             </a:extLst>
           </p:cNvPr>
@@ -6019,8 +6544,8 @@
         </p:blipFill>
         <p:spPr>
           <a:xfrm>
-            <a:off x="650240" y="2030091"/>
-            <a:ext cx="11115040" cy="2318389"/>
+            <a:off x="761180" y="1317009"/>
+            <a:ext cx="5170779" cy="4858603"/>
           </a:xfrm>
           <a:prstGeom prst="rect">
             <a:avLst/>
@@ -6029,10 +6554,10 @@
       </p:pic>
       <p:sp>
         <p:nvSpPr>
-          <p:cNvPr id="9" name="ZoneTexte 8">
-            <a:extLst>
-              <a:ext uri="{FF2B5EF4-FFF2-40B4-BE49-F238E27FC236}">
-                <a16:creationId xmlns:a16="http://schemas.microsoft.com/office/drawing/2014/main" id="{7A2B21D6-D9C5-CFE0-201D-1C319008A671}"/>
+          <p:cNvPr id="8" name="ZoneTexte 7">
+            <a:extLst>
+              <a:ext uri="{FF2B5EF4-FFF2-40B4-BE49-F238E27FC236}">
+                <a16:creationId xmlns:a16="http://schemas.microsoft.com/office/drawing/2014/main" id="{E5DB0FA4-6CC6-A63D-B773-757BB8C4CB63}"/>
               </a:ext>
             </a:extLst>
           </p:cNvPr>
@@ -6041,8 +6566,8 @@
         </p:nvSpPr>
         <p:spPr>
           <a:xfrm>
-            <a:off x="650240" y="4402173"/>
-            <a:ext cx="1429943" cy="369332"/>
+            <a:off x="6675120" y="1493003"/>
+            <a:ext cx="6096000" cy="3567195"/>
           </a:xfrm>
           <a:prstGeom prst="rect">
             <a:avLst/>
@@ -6050,59 +6575,201 @@
           <a:noFill/>
         </p:spPr>
         <p:txBody>
-          <a:bodyPr wrap="none" rtlCol="0">
+          <a:bodyPr wrap="square">
             <a:spAutoFit/>
           </a:bodyPr>
           <a:lstStyle/>
           <a:p>
-            <a:r>
-              <a:rPr lang="fr-FR" b="1" u="sng" dirty="0"/>
-              <a:t>Connexion :</a:t>
-            </a:r>
-            <a:endParaRPr lang="fr-BE" b="1" u="sng" dirty="0"/>
-          </a:p>
-        </p:txBody>
-      </p:sp>
-      <p:pic>
-        <p:nvPicPr>
-          <p:cNvPr id="11" name="Image 10">
-            <a:extLst>
-              <a:ext uri="{FF2B5EF4-FFF2-40B4-BE49-F238E27FC236}">
-                <a16:creationId xmlns:a16="http://schemas.microsoft.com/office/drawing/2014/main" id="{3A327DE5-C1B0-4E92-5028-5E3F5C06BEF1}"/>
-              </a:ext>
-            </a:extLst>
-          </p:cNvPr>
-          <p:cNvPicPr>
-            <a:picLocks noChangeAspect="1"/>
-          </p:cNvPicPr>
-          <p:nvPr/>
-        </p:nvPicPr>
-        <p:blipFill>
-          <a:blip r:embed="rId3">
-            <a:extLst>
-              <a:ext uri="{28A0092B-C50C-407E-A947-70E740481C1C}">
-                <a14:useLocalDpi xmlns:a14="http://schemas.microsoft.com/office/drawing/2010/main" val="0"/>
-              </a:ext>
-            </a:extLst>
-          </a:blip>
-          <a:stretch>
-            <a:fillRect/>
-          </a:stretch>
-        </p:blipFill>
-        <p:spPr>
-          <a:xfrm>
-            <a:off x="639829" y="5007545"/>
-            <a:ext cx="11338811" cy="1496190"/>
-          </a:xfrm>
-          <a:prstGeom prst="rect">
-            <a:avLst/>
-          </a:prstGeom>
-        </p:spPr>
-      </p:pic>
+            <a:pPr>
+              <a:lnSpc>
+                <a:spcPct val="107000"/>
+              </a:lnSpc>
+              <a:spcAft>
+                <a:spcPts val="800"/>
+              </a:spcAft>
+              <a:buNone/>
+            </a:pPr>
+            <a:r>
+              <a:rPr lang="fr-BE" sz="1800" b="1" u="sng" dirty="0">
+                <a:effectLst/>
+                <a:latin typeface="Calibri" panose="020F0502020204030204" pitchFamily="34" charset="0"/>
+                <a:ea typeface="Calibri" panose="020F0502020204030204" pitchFamily="34" charset="0"/>
+                <a:cs typeface="Times New Roman" panose="02020603050405020304" pitchFamily="18" charset="0"/>
+              </a:rPr>
+              <a:t>Priorité : </a:t>
+            </a:r>
+            <a:endParaRPr lang="fr-BE" sz="1800" dirty="0">
+              <a:effectLst/>
+              <a:latin typeface="Calibri" panose="020F0502020204030204" pitchFamily="34" charset="0"/>
+              <a:ea typeface="Calibri" panose="020F0502020204030204" pitchFamily="34" charset="0"/>
+              <a:cs typeface="Times New Roman" panose="02020603050405020304" pitchFamily="18" charset="0"/>
+            </a:endParaRPr>
+          </a:p>
+          <a:p>
+            <a:pPr>
+              <a:lnSpc>
+                <a:spcPct val="107000"/>
+              </a:lnSpc>
+              <a:spcAft>
+                <a:spcPts val="800"/>
+              </a:spcAft>
+              <a:buNone/>
+            </a:pPr>
+            <a:r>
+              <a:rPr lang="fr-BE" sz="1800" dirty="0">
+                <a:effectLst/>
+                <a:latin typeface="Calibri" panose="020F0502020204030204" pitchFamily="34" charset="0"/>
+                <a:ea typeface="Calibri" panose="020F0502020204030204" pitchFamily="34" charset="0"/>
+                <a:cs typeface="Times New Roman" panose="02020603050405020304" pitchFamily="18" charset="0"/>
+              </a:rPr>
+              <a:t>1.Creer compte</a:t>
+            </a:r>
+          </a:p>
+          <a:p>
+            <a:pPr>
+              <a:lnSpc>
+                <a:spcPct val="107000"/>
+              </a:lnSpc>
+              <a:spcAft>
+                <a:spcPts val="800"/>
+              </a:spcAft>
+              <a:buNone/>
+            </a:pPr>
+            <a:r>
+              <a:rPr lang="fr-BE" sz="1800" dirty="0">
+                <a:effectLst/>
+                <a:latin typeface="Calibri" panose="020F0502020204030204" pitchFamily="34" charset="0"/>
+                <a:ea typeface="Calibri" panose="020F0502020204030204" pitchFamily="34" charset="0"/>
+                <a:cs typeface="Times New Roman" panose="02020603050405020304" pitchFamily="18" charset="0"/>
+              </a:rPr>
+              <a:t>2.Se connecter</a:t>
+            </a:r>
+          </a:p>
+          <a:p>
+            <a:pPr>
+              <a:lnSpc>
+                <a:spcPct val="107000"/>
+              </a:lnSpc>
+              <a:spcAft>
+                <a:spcPts val="800"/>
+              </a:spcAft>
+              <a:buNone/>
+            </a:pPr>
+            <a:r>
+              <a:rPr lang="fr-BE" sz="1800" dirty="0">
+                <a:effectLst/>
+                <a:latin typeface="Calibri" panose="020F0502020204030204" pitchFamily="34" charset="0"/>
+                <a:ea typeface="Calibri" panose="020F0502020204030204" pitchFamily="34" charset="0"/>
+                <a:cs typeface="Times New Roman" panose="02020603050405020304" pitchFamily="18" charset="0"/>
+              </a:rPr>
+              <a:t>3.Gerer utilisateur</a:t>
+            </a:r>
+          </a:p>
+          <a:p>
+            <a:pPr>
+              <a:lnSpc>
+                <a:spcPct val="107000"/>
+              </a:lnSpc>
+              <a:spcAft>
+                <a:spcPts val="800"/>
+              </a:spcAft>
+              <a:buNone/>
+            </a:pPr>
+            <a:r>
+              <a:rPr lang="fr-BE" sz="1800" dirty="0">
+                <a:effectLst/>
+                <a:latin typeface="Calibri" panose="020F0502020204030204" pitchFamily="34" charset="0"/>
+                <a:ea typeface="Calibri" panose="020F0502020204030204" pitchFamily="34" charset="0"/>
+                <a:cs typeface="Times New Roman" panose="02020603050405020304" pitchFamily="18" charset="0"/>
+              </a:rPr>
+              <a:t>4.Gerer disponibilité </a:t>
+            </a:r>
+          </a:p>
+          <a:p>
+            <a:pPr>
+              <a:lnSpc>
+                <a:spcPct val="107000"/>
+              </a:lnSpc>
+              <a:spcAft>
+                <a:spcPts val="800"/>
+              </a:spcAft>
+              <a:buNone/>
+            </a:pPr>
+            <a:r>
+              <a:rPr lang="fr-BE" sz="1800" dirty="0">
+                <a:effectLst/>
+                <a:latin typeface="Calibri" panose="020F0502020204030204" pitchFamily="34" charset="0"/>
+                <a:ea typeface="Calibri" panose="020F0502020204030204" pitchFamily="34" charset="0"/>
+                <a:cs typeface="Times New Roman" panose="02020603050405020304" pitchFamily="18" charset="0"/>
+              </a:rPr>
+              <a:t>5.Gerer raid</a:t>
+            </a:r>
+          </a:p>
+          <a:p>
+            <a:pPr>
+              <a:lnSpc>
+                <a:spcPct val="107000"/>
+              </a:lnSpc>
+              <a:spcAft>
+                <a:spcPts val="800"/>
+              </a:spcAft>
+              <a:buNone/>
+            </a:pPr>
+            <a:r>
+              <a:rPr lang="fr-BE" sz="1800" dirty="0">
+                <a:effectLst/>
+                <a:latin typeface="Calibri" panose="020F0502020204030204" pitchFamily="34" charset="0"/>
+                <a:ea typeface="Calibri" panose="020F0502020204030204" pitchFamily="34" charset="0"/>
+                <a:cs typeface="Times New Roman" panose="02020603050405020304" pitchFamily="18" charset="0"/>
+              </a:rPr>
+              <a:t>6.Gerer stratégie</a:t>
+            </a:r>
+          </a:p>
+          <a:p>
+            <a:pPr>
+              <a:lnSpc>
+                <a:spcPct val="107000"/>
+              </a:lnSpc>
+              <a:spcAft>
+                <a:spcPts val="800"/>
+              </a:spcAft>
+              <a:buNone/>
+            </a:pPr>
+            <a:r>
+              <a:rPr lang="fr-BE" sz="1800" dirty="0">
+                <a:effectLst/>
+                <a:latin typeface="Calibri" panose="020F0502020204030204" pitchFamily="34" charset="0"/>
+                <a:ea typeface="Calibri" panose="020F0502020204030204" pitchFamily="34" charset="0"/>
+                <a:cs typeface="Times New Roman" panose="02020603050405020304" pitchFamily="18" charset="0"/>
+              </a:rPr>
+              <a:t>7.Recevoir notification </a:t>
+            </a:r>
+          </a:p>
+          <a:p>
+            <a:pPr>
+              <a:lnSpc>
+                <a:spcPct val="107000"/>
+              </a:lnSpc>
+              <a:spcAft>
+                <a:spcPts val="800"/>
+              </a:spcAft>
+            </a:pPr>
+            <a:r>
+              <a:rPr lang="fr-BE" sz="1800" dirty="0">
+                <a:effectLst/>
+                <a:latin typeface="Calibri" panose="020F0502020204030204" pitchFamily="34" charset="0"/>
+                <a:ea typeface="Calibri" panose="020F0502020204030204" pitchFamily="34" charset="0"/>
+                <a:cs typeface="Times New Roman" panose="02020603050405020304" pitchFamily="18" charset="0"/>
+              </a:rPr>
+              <a:t>8.Suivre performance</a:t>
+            </a:r>
+          </a:p>
+        </p:txBody>
+      </p:sp>
     </p:spTree>
     <p:extLst>
       <p:ext uri="{BB962C8B-B14F-4D97-AF65-F5344CB8AC3E}">
-        <p14:creationId xmlns:p14="http://schemas.microsoft.com/office/powerpoint/2010/main" val="3750552407"/>
+        <p14:creationId xmlns:p14="http://schemas.microsoft.com/office/powerpoint/2010/main" val="1252644167"/>
       </p:ext>
     </p:extLst>
   </p:cSld>
@@ -6134,7 +6801,7 @@
           <p:cNvPr id="4" name="ZoneTexte 3">
             <a:extLst>
               <a:ext uri="{FF2B5EF4-FFF2-40B4-BE49-F238E27FC236}">
-                <a16:creationId xmlns:a16="http://schemas.microsoft.com/office/drawing/2014/main" id="{712BDE98-DFDF-704B-20A6-FF48A3EAFFC4}"/>
+                <a16:creationId xmlns:a16="http://schemas.microsoft.com/office/drawing/2014/main" id="{2A2F8D18-25F9-03E9-C598-889CBB8E6019}"/>
               </a:ext>
             </a:extLst>
           </p:cNvPr>
@@ -6177,48 +6844,12 @@
           </a:p>
         </p:txBody>
       </p:sp>
-      <p:sp>
-        <p:nvSpPr>
-          <p:cNvPr id="5" name="ZoneTexte 4">
-            <a:extLst>
-              <a:ext uri="{FF2B5EF4-FFF2-40B4-BE49-F238E27FC236}">
-                <a16:creationId xmlns:a16="http://schemas.microsoft.com/office/drawing/2014/main" id="{81C3657B-98C8-E266-F331-73B8732E7A8F}"/>
-              </a:ext>
-            </a:extLst>
-          </p:cNvPr>
-          <p:cNvSpPr txBox="1"/>
-          <p:nvPr/>
-        </p:nvSpPr>
-        <p:spPr>
-          <a:xfrm>
-            <a:off x="443551" y="1146412"/>
-            <a:ext cx="1409360" cy="369332"/>
-          </a:xfrm>
-          <a:prstGeom prst="rect">
-            <a:avLst/>
-          </a:prstGeom>
-          <a:noFill/>
-        </p:spPr>
-        <p:txBody>
-          <a:bodyPr wrap="none" rtlCol="0">
-            <a:spAutoFit/>
-          </a:bodyPr>
-          <a:lstStyle/>
-          <a:p>
-            <a:r>
-              <a:rPr lang="fr-FR" b="1" u="sng" dirty="0"/>
-              <a:t>Mon Profil : </a:t>
-            </a:r>
-            <a:endParaRPr lang="fr-BE" b="1" u="sng" dirty="0"/>
-          </a:p>
-        </p:txBody>
-      </p:sp>
       <p:pic>
         <p:nvPicPr>
-          <p:cNvPr id="7" name="Image 6" descr="Une image contenant texte, capture d’écran, Police&#10;&#10;Le contenu généré par l’IA peut être incorrect.">
-            <a:extLst>
-              <a:ext uri="{FF2B5EF4-FFF2-40B4-BE49-F238E27FC236}">
-                <a16:creationId xmlns:a16="http://schemas.microsoft.com/office/drawing/2014/main" id="{10C37728-0328-8A05-5389-764DC44ABAFE}"/>
+          <p:cNvPr id="6" name="Image 5" descr="Une image contenant texte, capture d’écran, Police, document&#10;&#10;Le contenu généré par l’IA peut être incorrect.">
+            <a:extLst>
+              <a:ext uri="{FF2B5EF4-FFF2-40B4-BE49-F238E27FC236}">
+                <a16:creationId xmlns:a16="http://schemas.microsoft.com/office/drawing/2014/main" id="{6CB3C0F7-53D5-C876-C27E-51B9D389C3E6}"/>
               </a:ext>
             </a:extLst>
           </p:cNvPr>
@@ -6241,55 +6872,20 @@
         </p:blipFill>
         <p:spPr>
           <a:xfrm>
-            <a:off x="443551" y="1673712"/>
-            <a:ext cx="3562067" cy="2362213"/>
+            <a:off x="491341" y="1136280"/>
+            <a:ext cx="6173619" cy="5296639"/>
           </a:xfrm>
           <a:prstGeom prst="rect">
             <a:avLst/>
           </a:prstGeom>
         </p:spPr>
       </p:pic>
-      <p:sp>
-        <p:nvSpPr>
-          <p:cNvPr id="9" name="ZoneTexte 8">
-            <a:extLst>
-              <a:ext uri="{FF2B5EF4-FFF2-40B4-BE49-F238E27FC236}">
-                <a16:creationId xmlns:a16="http://schemas.microsoft.com/office/drawing/2014/main" id="{308CACBC-2B75-16D2-9E98-C1BD6CEE3FCC}"/>
-              </a:ext>
-            </a:extLst>
-          </p:cNvPr>
-          <p:cNvSpPr txBox="1"/>
-          <p:nvPr/>
-        </p:nvSpPr>
-        <p:spPr>
-          <a:xfrm>
-            <a:off x="443551" y="4140361"/>
-            <a:ext cx="6096000" cy="369332"/>
-          </a:xfrm>
-          <a:prstGeom prst="rect">
-            <a:avLst/>
-          </a:prstGeom>
-          <a:noFill/>
-        </p:spPr>
-        <p:txBody>
-          <a:bodyPr wrap="square">
-            <a:spAutoFit/>
-          </a:bodyPr>
-          <a:lstStyle/>
-          <a:p>
-            <a:r>
-              <a:rPr lang="fr-BE" b="1" u="sng" dirty="0"/>
-              <a:t>Créer un Personnage :</a:t>
-            </a:r>
-          </a:p>
-        </p:txBody>
-      </p:sp>
       <p:pic>
         <p:nvPicPr>
-          <p:cNvPr id="11" name="Image 10" descr="Une image contenant texte, ligne, Police, capture d’écran&#10;&#10;Le contenu généré par l’IA peut être incorrect.">
-            <a:extLst>
-              <a:ext uri="{FF2B5EF4-FFF2-40B4-BE49-F238E27FC236}">
-                <a16:creationId xmlns:a16="http://schemas.microsoft.com/office/drawing/2014/main" id="{EB4D91D2-4BA6-EA38-1C53-9513CD0FD9BE}"/>
+          <p:cNvPr id="8" name="Image 7" descr="Une image contenant texte, capture d’écran, Police, algèbre&#10;&#10;Le contenu généré par l’IA peut être incorrect.">
+            <a:extLst>
+              <a:ext uri="{FF2B5EF4-FFF2-40B4-BE49-F238E27FC236}">
+                <a16:creationId xmlns:a16="http://schemas.microsoft.com/office/drawing/2014/main" id="{2C5462AE-7D7B-4AFC-5821-082A6CCFA78D}"/>
               </a:ext>
             </a:extLst>
           </p:cNvPr>
@@ -6312,8 +6908,8 @@
         </p:blipFill>
         <p:spPr>
           <a:xfrm>
-            <a:off x="443551" y="4597145"/>
-            <a:ext cx="11748449" cy="2228885"/>
+            <a:off x="6096000" y="1136280"/>
+            <a:ext cx="6098098" cy="3362794"/>
           </a:xfrm>
           <a:prstGeom prst="rect">
             <a:avLst/>
@@ -6323,7 +6919,7 @@
     </p:spTree>
     <p:extLst>
       <p:ext uri="{BB962C8B-B14F-4D97-AF65-F5344CB8AC3E}">
-        <p14:creationId xmlns:p14="http://schemas.microsoft.com/office/powerpoint/2010/main" val="2408316066"/>
+        <p14:creationId xmlns:p14="http://schemas.microsoft.com/office/powerpoint/2010/main" val="3454020182"/>
       </p:ext>
     </p:extLst>
   </p:cSld>

--- a/RaidPlanner.Analyse/Presentation/Présentation1.pptx
+++ b/RaidPlanner.Analyse/Presentation/Présentation1.pptx
@@ -278,7 +278,7 @@
           <a:p>
             <a:fld id="{4BC9399A-B2E3-4AB7-92E1-47F8CEF9770B}" type="datetimeFigureOut">
               <a:rPr lang="fr-BE" smtClean="0"/>
-              <a:t>08-05-25</a:t>
+              <a:t>11-05-25</a:t>
             </a:fld>
             <a:endParaRPr lang="fr-BE"/>
           </a:p>
@@ -478,7 +478,7 @@
           <a:p>
             <a:fld id="{4BC9399A-B2E3-4AB7-92E1-47F8CEF9770B}" type="datetimeFigureOut">
               <a:rPr lang="fr-BE" smtClean="0"/>
-              <a:t>08-05-25</a:t>
+              <a:t>11-05-25</a:t>
             </a:fld>
             <a:endParaRPr lang="fr-BE"/>
           </a:p>
@@ -688,7 +688,7 @@
           <a:p>
             <a:fld id="{4BC9399A-B2E3-4AB7-92E1-47F8CEF9770B}" type="datetimeFigureOut">
               <a:rPr lang="fr-BE" smtClean="0"/>
-              <a:t>08-05-25</a:t>
+              <a:t>11-05-25</a:t>
             </a:fld>
             <a:endParaRPr lang="fr-BE"/>
           </a:p>
@@ -888,7 +888,7 @@
           <a:p>
             <a:fld id="{4BC9399A-B2E3-4AB7-92E1-47F8CEF9770B}" type="datetimeFigureOut">
               <a:rPr lang="fr-BE" smtClean="0"/>
-              <a:t>08-05-25</a:t>
+              <a:t>11-05-25</a:t>
             </a:fld>
             <a:endParaRPr lang="fr-BE"/>
           </a:p>
@@ -1164,7 +1164,7 @@
           <a:p>
             <a:fld id="{4BC9399A-B2E3-4AB7-92E1-47F8CEF9770B}" type="datetimeFigureOut">
               <a:rPr lang="fr-BE" smtClean="0"/>
-              <a:t>08-05-25</a:t>
+              <a:t>11-05-25</a:t>
             </a:fld>
             <a:endParaRPr lang="fr-BE"/>
           </a:p>
@@ -1432,7 +1432,7 @@
           <a:p>
             <a:fld id="{4BC9399A-B2E3-4AB7-92E1-47F8CEF9770B}" type="datetimeFigureOut">
               <a:rPr lang="fr-BE" smtClean="0"/>
-              <a:t>08-05-25</a:t>
+              <a:t>11-05-25</a:t>
             </a:fld>
             <a:endParaRPr lang="fr-BE"/>
           </a:p>
@@ -1847,7 +1847,7 @@
           <a:p>
             <a:fld id="{4BC9399A-B2E3-4AB7-92E1-47F8CEF9770B}" type="datetimeFigureOut">
               <a:rPr lang="fr-BE" smtClean="0"/>
-              <a:t>08-05-25</a:t>
+              <a:t>11-05-25</a:t>
             </a:fld>
             <a:endParaRPr lang="fr-BE"/>
           </a:p>
@@ -1989,7 +1989,7 @@
           <a:p>
             <a:fld id="{4BC9399A-B2E3-4AB7-92E1-47F8CEF9770B}" type="datetimeFigureOut">
               <a:rPr lang="fr-BE" smtClean="0"/>
-              <a:t>08-05-25</a:t>
+              <a:t>11-05-25</a:t>
             </a:fld>
             <a:endParaRPr lang="fr-BE"/>
           </a:p>
@@ -2102,7 +2102,7 @@
           <a:p>
             <a:fld id="{4BC9399A-B2E3-4AB7-92E1-47F8CEF9770B}" type="datetimeFigureOut">
               <a:rPr lang="fr-BE" smtClean="0"/>
-              <a:t>08-05-25</a:t>
+              <a:t>11-05-25</a:t>
             </a:fld>
             <a:endParaRPr lang="fr-BE"/>
           </a:p>
@@ -2415,7 +2415,7 @@
           <a:p>
             <a:fld id="{4BC9399A-B2E3-4AB7-92E1-47F8CEF9770B}" type="datetimeFigureOut">
               <a:rPr lang="fr-BE" smtClean="0"/>
-              <a:t>08-05-25</a:t>
+              <a:t>11-05-25</a:t>
             </a:fld>
             <a:endParaRPr lang="fr-BE"/>
           </a:p>
@@ -2704,7 +2704,7 @@
           <a:p>
             <a:fld id="{4BC9399A-B2E3-4AB7-92E1-47F8CEF9770B}" type="datetimeFigureOut">
               <a:rPr lang="fr-BE" smtClean="0"/>
-              <a:t>08-05-25</a:t>
+              <a:t>11-05-25</a:t>
             </a:fld>
             <a:endParaRPr lang="fr-BE"/>
           </a:p>
@@ -2947,7 +2947,7 @@
           <a:p>
             <a:fld id="{4BC9399A-B2E3-4AB7-92E1-47F8CEF9770B}" type="datetimeFigureOut">
               <a:rPr lang="fr-BE" smtClean="0"/>
-              <a:t>08-05-25</a:t>
+              <a:t>11-05-25</a:t>
             </a:fld>
             <a:endParaRPr lang="fr-BE"/>
           </a:p>
@@ -4682,8 +4682,8 @@
         </p:nvSpPr>
         <p:spPr>
           <a:xfrm>
-            <a:off x="4182684" y="300357"/>
-            <a:ext cx="3826632" cy="769441"/>
+            <a:off x="4182683" y="300357"/>
+            <a:ext cx="4463775" cy="769441"/>
           </a:xfrm>
           <a:prstGeom prst="rect">
             <a:avLst/>
